--- a/Apresentação BRANDS.pptx
+++ b/Apresentação BRANDS.pptx
@@ -113,6 +113,22 @@
       </a:defRPr>
     </a:lvl9pPr>
   </p:defaultTextStyle>
+  <p:extLst>
+    <p:ext uri="{EFAFB233-063F-42B5-8137-9DF3F51BA10A}">
+      <p15:sldGuideLst xmlns:p15="http://schemas.microsoft.com/office/powerpoint/2012/main">
+        <p15:guide id="1" orient="horz" pos="2160">
+          <p15:clr>
+            <a:srgbClr val="A4A3A4"/>
+          </p15:clr>
+        </p15:guide>
+        <p15:guide id="2" pos="2880">
+          <p15:clr>
+            <a:srgbClr val="A4A3A4"/>
+          </p15:clr>
+        </p15:guide>
+      </p15:sldGuideLst>
+    </p:ext>
+  </p:extLst>
 </p:presentation>
 </file>
 
@@ -297,7 +313,7 @@
           <a:p>
             <a:fld id="{95BBD40D-64F4-43C2-9DCA-3F560C3E93DC}" type="datetimeFigureOut">
               <a:rPr lang="pt-BR" smtClean="0"/>
-              <a:t>30/11/2021</a:t>
+              <a:t>01/12/2021</a:t>
             </a:fld>
             <a:endParaRPr lang="pt-BR"/>
           </a:p>
@@ -467,7 +483,7 @@
           <a:p>
             <a:fld id="{95BBD40D-64F4-43C2-9DCA-3F560C3E93DC}" type="datetimeFigureOut">
               <a:rPr lang="pt-BR" smtClean="0"/>
-              <a:t>30/11/2021</a:t>
+              <a:t>01/12/2021</a:t>
             </a:fld>
             <a:endParaRPr lang="pt-BR"/>
           </a:p>
@@ -647,7 +663,7 @@
           <a:p>
             <a:fld id="{95BBD40D-64F4-43C2-9DCA-3F560C3E93DC}" type="datetimeFigureOut">
               <a:rPr lang="pt-BR" smtClean="0"/>
-              <a:t>30/11/2021</a:t>
+              <a:t>01/12/2021</a:t>
             </a:fld>
             <a:endParaRPr lang="pt-BR"/>
           </a:p>
@@ -817,7 +833,7 @@
           <a:p>
             <a:fld id="{95BBD40D-64F4-43C2-9DCA-3F560C3E93DC}" type="datetimeFigureOut">
               <a:rPr lang="pt-BR" smtClean="0"/>
-              <a:t>30/11/2021</a:t>
+              <a:t>01/12/2021</a:t>
             </a:fld>
             <a:endParaRPr lang="pt-BR"/>
           </a:p>
@@ -1063,7 +1079,7 @@
           <a:p>
             <a:fld id="{95BBD40D-64F4-43C2-9DCA-3F560C3E93DC}" type="datetimeFigureOut">
               <a:rPr lang="pt-BR" smtClean="0"/>
-              <a:t>30/11/2021</a:t>
+              <a:t>01/12/2021</a:t>
             </a:fld>
             <a:endParaRPr lang="pt-BR"/>
           </a:p>
@@ -1351,7 +1367,7 @@
           <a:p>
             <a:fld id="{95BBD40D-64F4-43C2-9DCA-3F560C3E93DC}" type="datetimeFigureOut">
               <a:rPr lang="pt-BR" smtClean="0"/>
-              <a:t>30/11/2021</a:t>
+              <a:t>01/12/2021</a:t>
             </a:fld>
             <a:endParaRPr lang="pt-BR"/>
           </a:p>
@@ -1773,7 +1789,7 @@
           <a:p>
             <a:fld id="{95BBD40D-64F4-43C2-9DCA-3F560C3E93DC}" type="datetimeFigureOut">
               <a:rPr lang="pt-BR" smtClean="0"/>
-              <a:t>30/11/2021</a:t>
+              <a:t>01/12/2021</a:t>
             </a:fld>
             <a:endParaRPr lang="pt-BR"/>
           </a:p>
@@ -1891,7 +1907,7 @@
           <a:p>
             <a:fld id="{95BBD40D-64F4-43C2-9DCA-3F560C3E93DC}" type="datetimeFigureOut">
               <a:rPr lang="pt-BR" smtClean="0"/>
-              <a:t>30/11/2021</a:t>
+              <a:t>01/12/2021</a:t>
             </a:fld>
             <a:endParaRPr lang="pt-BR"/>
           </a:p>
@@ -1986,7 +2002,7 @@
           <a:p>
             <a:fld id="{95BBD40D-64F4-43C2-9DCA-3F560C3E93DC}" type="datetimeFigureOut">
               <a:rPr lang="pt-BR" smtClean="0"/>
-              <a:t>30/11/2021</a:t>
+              <a:t>01/12/2021</a:t>
             </a:fld>
             <a:endParaRPr lang="pt-BR"/>
           </a:p>
@@ -2263,7 +2279,7 @@
           <a:p>
             <a:fld id="{95BBD40D-64F4-43C2-9DCA-3F560C3E93DC}" type="datetimeFigureOut">
               <a:rPr lang="pt-BR" smtClean="0"/>
-              <a:t>30/11/2021</a:t>
+              <a:t>01/12/2021</a:t>
             </a:fld>
             <a:endParaRPr lang="pt-BR"/>
           </a:p>
@@ -2516,7 +2532,7 @@
           <a:p>
             <a:fld id="{95BBD40D-64F4-43C2-9DCA-3F560C3E93DC}" type="datetimeFigureOut">
               <a:rPr lang="pt-BR" smtClean="0"/>
-              <a:t>30/11/2021</a:t>
+              <a:t>01/12/2021</a:t>
             </a:fld>
             <a:endParaRPr lang="pt-BR"/>
           </a:p>
@@ -2732,7 +2748,7 @@
           <a:p>
             <a:fld id="{95BBD40D-64F4-43C2-9DCA-3F560C3E93DC}" type="datetimeFigureOut">
               <a:rPr lang="pt-BR" smtClean="0"/>
-              <a:t>30/11/2021</a:t>
+              <a:t>01/12/2021</a:t>
             </a:fld>
             <a:endParaRPr lang="pt-BR"/>
           </a:p>
@@ -3209,8 +3225,8 @@
         </p:blipFill>
         <p:spPr>
           <a:xfrm>
-            <a:off x="1315411" y="1340768"/>
-            <a:ext cx="6470073" cy="1607128"/>
+            <a:off x="548203" y="1052736"/>
+            <a:ext cx="8004489" cy="1988268"/>
           </a:xfrm>
           <a:prstGeom prst="rect">
             <a:avLst/>
@@ -3418,9 +3434,14 @@
         </p:nvSpPr>
         <p:spPr>
           <a:xfrm>
-            <a:off x="435648" y="260648"/>
+            <a:off x="435646" y="137561"/>
             <a:ext cx="8229600" cy="1143000"/>
           </a:xfrm>
+          <a:ln>
+            <a:solidFill>
+              <a:srgbClr val="FFFF00"/>
+            </a:solidFill>
+          </a:ln>
         </p:spPr>
         <p:txBody>
           <a:bodyPr/>
@@ -3490,7 +3511,117 @@
       </p:sp>
       <p:pic>
         <p:nvPicPr>
-          <p:cNvPr id="1026" name="Picture 2"/>
+          <p:cNvPr id="6" name="Picture 2"/>
+          <p:cNvPicPr>
+            <a:picLocks noChangeAspect="1" noChangeArrowheads="1"/>
+          </p:cNvPicPr>
+          <p:nvPr/>
+        </p:nvPicPr>
+        <p:blipFill rotWithShape="1">
+          <a:blip r:embed="rId2" cstate="print">
+            <a:extLst>
+              <a:ext uri="{28A0092B-C50C-407E-A947-70E740481C1C}">
+                <a14:useLocalDpi xmlns:a14="http://schemas.microsoft.com/office/drawing/2010/main" val="0"/>
+              </a:ext>
+            </a:extLst>
+          </a:blip>
+          <a:srcRect t="-2215" r="82416" b="2215"/>
+          <a:stretch/>
+        </p:blipFill>
+        <p:spPr bwMode="auto">
+          <a:xfrm>
+            <a:off x="683568" y="1738092"/>
+            <a:ext cx="754382" cy="1067529"/>
+          </a:xfrm>
+          <a:prstGeom prst="rect">
+            <a:avLst/>
+          </a:prstGeom>
+          <a:noFill/>
+          <a:ln w="19050">
+            <a:noFill/>
+            <a:miter lim="800000"/>
+            <a:headEnd/>
+            <a:tailEnd/>
+          </a:ln>
+          <a:effectLst/>
+          <a:extLst>
+            <a:ext uri="{909E8E84-426E-40DD-AFC4-6F175D3DCCD1}">
+              <a14:hiddenFill xmlns:a14="http://schemas.microsoft.com/office/drawing/2010/main">
+                <a:solidFill>
+                  <a:schemeClr val="accent1"/>
+                </a:solidFill>
+              </a14:hiddenFill>
+            </a:ext>
+            <a:ext uri="{AF507438-7753-43E0-B8FC-AC1667EBCBE1}">
+              <a14:hiddenEffects xmlns:a14="http://schemas.microsoft.com/office/drawing/2010/main">
+                <a:effectLst>
+                  <a:outerShdw dist="35921" dir="2700000" algn="ctr" rotWithShape="0">
+                    <a:schemeClr val="bg2"/>
+                  </a:outerShdw>
+                </a:effectLst>
+              </a14:hiddenEffects>
+            </a:ext>
+          </a:extLst>
+        </p:spPr>
+      </p:pic>
+      <p:pic>
+        <p:nvPicPr>
+          <p:cNvPr id="7" name="Picture 2"/>
+          <p:cNvPicPr>
+            <a:picLocks noChangeAspect="1" noChangeArrowheads="1"/>
+          </p:cNvPicPr>
+          <p:nvPr/>
+        </p:nvPicPr>
+        <p:blipFill rotWithShape="1">
+          <a:blip r:embed="rId2">
+            <a:extLst>
+              <a:ext uri="{28A0092B-C50C-407E-A947-70E740481C1C}">
+                <a14:useLocalDpi xmlns:a14="http://schemas.microsoft.com/office/drawing/2010/main" val="0"/>
+              </a:ext>
+            </a:extLst>
+          </a:blip>
+          <a:srcRect r="18251"/>
+          <a:stretch/>
+        </p:blipFill>
+        <p:spPr bwMode="auto">
+          <a:xfrm>
+            <a:off x="4836278" y="1703990"/>
+            <a:ext cx="3692342" cy="1123905"/>
+          </a:xfrm>
+          <a:prstGeom prst="rect">
+            <a:avLst/>
+          </a:prstGeom>
+          <a:noFill/>
+          <a:ln w="19050">
+            <a:noFill/>
+            <a:miter lim="800000"/>
+            <a:headEnd/>
+            <a:tailEnd/>
+          </a:ln>
+          <a:effectLst/>
+          <a:extLst>
+            <a:ext uri="{909E8E84-426E-40DD-AFC4-6F175D3DCCD1}">
+              <a14:hiddenFill xmlns:a14="http://schemas.microsoft.com/office/drawing/2010/main">
+                <a:solidFill>
+                  <a:schemeClr val="accent1"/>
+                </a:solidFill>
+              </a14:hiddenFill>
+            </a:ext>
+            <a:ext uri="{AF507438-7753-43E0-B8FC-AC1667EBCBE1}">
+              <a14:hiddenEffects xmlns:a14="http://schemas.microsoft.com/office/drawing/2010/main">
+                <a:effectLst>
+                  <a:outerShdw dist="35921" dir="2700000" algn="ctr" rotWithShape="0">
+                    <a:schemeClr val="bg2"/>
+                  </a:outerShdw>
+                </a:effectLst>
+              </a14:hiddenEffects>
+            </a:ext>
+          </a:extLst>
+        </p:spPr>
+      </p:pic>
+      <p:pic>
+        <p:nvPicPr>
+          <p:cNvPr id="8" name="Picture 2"/>
           <p:cNvPicPr>
             <a:picLocks noChangeAspect="1" noChangeArrowheads="1"/>
           </p:cNvPicPr>
@@ -3511,8 +3642,113 @@
         </p:blipFill>
         <p:spPr bwMode="auto">
           <a:xfrm>
-            <a:off x="1888669" y="2890130"/>
+            <a:off x="1888668" y="4336189"/>
             <a:ext cx="5323557" cy="1324684"/>
+          </a:xfrm>
+          <a:prstGeom prst="rect">
+            <a:avLst/>
+          </a:prstGeom>
+          <a:noFill/>
+          <a:ln w="19050">
+            <a:noFill/>
+            <a:miter lim="800000"/>
+            <a:headEnd/>
+            <a:tailEnd/>
+          </a:ln>
+          <a:effectLst/>
+          <a:extLst>
+            <a:ext uri="{909E8E84-426E-40DD-AFC4-6F175D3DCCD1}">
+              <a14:hiddenFill xmlns:a14="http://schemas.microsoft.com/office/drawing/2010/main">
+                <a:solidFill>
+                  <a:schemeClr val="accent1"/>
+                </a:solidFill>
+              </a14:hiddenFill>
+            </a:ext>
+            <a:ext uri="{AF507438-7753-43E0-B8FC-AC1667EBCBE1}">
+              <a14:hiddenEffects xmlns:a14="http://schemas.microsoft.com/office/drawing/2010/main">
+                <a:effectLst>
+                  <a:outerShdw dist="35921" dir="2700000" algn="ctr" rotWithShape="0">
+                    <a:schemeClr val="bg2"/>
+                  </a:outerShdw>
+                </a:effectLst>
+              </a14:hiddenEffects>
+            </a:ext>
+          </a:extLst>
+        </p:spPr>
+      </p:pic>
+      <p:sp>
+        <p:nvSpPr>
+          <p:cNvPr id="9" name="Mais 8"/>
+          <p:cNvSpPr/>
+          <p:nvPr/>
+        </p:nvSpPr>
+        <p:spPr>
+          <a:xfrm>
+            <a:off x="4188135" y="1952835"/>
+            <a:ext cx="552310" cy="626213"/>
+          </a:xfrm>
+          <a:prstGeom prst="mathPlus">
+            <a:avLst/>
+          </a:prstGeom>
+          <a:solidFill>
+            <a:srgbClr val="FFFF00"/>
+          </a:solidFill>
+          <a:ln>
+            <a:noFill/>
+          </a:ln>
+        </p:spPr>
+        <p:style>
+          <a:lnRef idx="2">
+            <a:schemeClr val="accent1">
+              <a:shade val="50000"/>
+            </a:schemeClr>
+          </a:lnRef>
+          <a:fillRef idx="1">
+            <a:schemeClr val="accent1"/>
+          </a:fillRef>
+          <a:effectRef idx="0">
+            <a:schemeClr val="accent1"/>
+          </a:effectRef>
+          <a:fontRef idx="minor">
+            <a:schemeClr val="lt1"/>
+          </a:fontRef>
+        </p:style>
+        <p:txBody>
+          <a:bodyPr rtlCol="0" anchor="ctr"/>
+          <a:lstStyle/>
+          <a:p>
+            <a:pPr algn="ctr"/>
+            <a:endParaRPr lang="pt-BR">
+              <a:solidFill>
+                <a:srgbClr val="FFFF00"/>
+              </a:solidFill>
+            </a:endParaRPr>
+          </a:p>
+        </p:txBody>
+      </p:sp>
+      <p:pic>
+        <p:nvPicPr>
+          <p:cNvPr id="5" name="Picture 2"/>
+          <p:cNvPicPr>
+            <a:picLocks noChangeAspect="1" noChangeArrowheads="1"/>
+          </p:cNvPicPr>
+          <p:nvPr/>
+        </p:nvPicPr>
+        <p:blipFill rotWithShape="1">
+          <a:blip r:embed="rId3" cstate="print">
+            <a:extLst>
+              <a:ext uri="{28A0092B-C50C-407E-A947-70E740481C1C}">
+                <a14:useLocalDpi xmlns:a14="http://schemas.microsoft.com/office/drawing/2010/main" val="0"/>
+              </a:ext>
+            </a:extLst>
+          </a:blip>
+          <a:srcRect l="32463"/>
+          <a:stretch/>
+        </p:blipFill>
+        <p:spPr bwMode="auto">
+          <a:xfrm>
+            <a:off x="1427543" y="1780951"/>
+            <a:ext cx="2664760" cy="981810"/>
           </a:xfrm>
           <a:prstGeom prst="rect">
             <a:avLst/>
@@ -3552,6 +3788,82 @@
           </a:extLst>
         </p:spPr>
       </p:pic>
+      <p:sp>
+        <p:nvSpPr>
+          <p:cNvPr id="10" name="CaixaDeTexto 9"/>
+          <p:cNvSpPr txBox="1"/>
+          <p:nvPr/>
+        </p:nvSpPr>
+        <p:spPr>
+          <a:xfrm>
+            <a:off x="1342045" y="2789517"/>
+            <a:ext cx="2197946" cy="369332"/>
+          </a:xfrm>
+          <a:prstGeom prst="rect">
+            <a:avLst/>
+          </a:prstGeom>
+          <a:noFill/>
+        </p:spPr>
+        <p:txBody>
+          <a:bodyPr wrap="square" rtlCol="0">
+            <a:spAutoFit/>
+          </a:bodyPr>
+          <a:lstStyle/>
+          <a:p>
+            <a:r>
+              <a:rPr lang="pt-BR" dirty="0" smtClean="0">
+                <a:solidFill>
+                  <a:schemeClr val="bg1"/>
+                </a:solidFill>
+              </a:rPr>
+              <a:t>“Bandas” em inglês</a:t>
+            </a:r>
+            <a:endParaRPr lang="pt-BR" dirty="0">
+              <a:solidFill>
+                <a:schemeClr val="bg1"/>
+              </a:solidFill>
+            </a:endParaRPr>
+          </a:p>
+        </p:txBody>
+      </p:sp>
+      <p:sp>
+        <p:nvSpPr>
+          <p:cNvPr id="12" name="CaixaDeTexto 11"/>
+          <p:cNvSpPr txBox="1"/>
+          <p:nvPr/>
+        </p:nvSpPr>
+        <p:spPr>
+          <a:xfrm>
+            <a:off x="5583476" y="2789517"/>
+            <a:ext cx="2197946" cy="369332"/>
+          </a:xfrm>
+          <a:prstGeom prst="rect">
+            <a:avLst/>
+          </a:prstGeom>
+          <a:noFill/>
+        </p:spPr>
+        <p:txBody>
+          <a:bodyPr wrap="square" rtlCol="0">
+            <a:spAutoFit/>
+          </a:bodyPr>
+          <a:lstStyle/>
+          <a:p>
+            <a:r>
+              <a:rPr lang="pt-BR" dirty="0" smtClean="0">
+                <a:solidFill>
+                  <a:schemeClr val="bg1"/>
+                </a:solidFill>
+              </a:rPr>
+              <a:t>“Marca” em inglês</a:t>
+            </a:r>
+            <a:endParaRPr lang="pt-BR" dirty="0">
+              <a:solidFill>
+                <a:schemeClr val="bg1"/>
+              </a:solidFill>
+            </a:endParaRPr>
+          </a:p>
+        </p:txBody>
+      </p:sp>
     </p:spTree>
     <p:extLst>
       <p:ext uri="{BB962C8B-B14F-4D97-AF65-F5344CB8AC3E}">
@@ -3620,25 +3932,34 @@
           </a:p>
         </p:txBody>
       </p:sp>
-      <p:sp>
-        <p:nvSpPr>
-          <p:cNvPr id="3" name="Espaço Reservado para Conteúdo 2"/>
-          <p:cNvSpPr>
-            <a:spLocks noGrp="1"/>
-          </p:cNvSpPr>
+      <p:pic>
+        <p:nvPicPr>
+          <p:cNvPr id="5" name="Espaço Reservado para Conteúdo 4"/>
+          <p:cNvPicPr>
+            <a:picLocks noGrp="1" noChangeAspect="1"/>
+          </p:cNvPicPr>
           <p:nvPr>
             <p:ph idx="1"/>
           </p:nvPr>
-        </p:nvSpPr>
-        <p:spPr/>
-        <p:txBody>
-          <a:bodyPr/>
-          <a:lstStyle/>
-          <a:p>
-            <a:endParaRPr lang="pt-BR"/>
-          </a:p>
-        </p:txBody>
-      </p:sp>
+        </p:nvPicPr>
+        <p:blipFill rotWithShape="1">
+          <a:blip r:embed="rId2" cstate="print">
+            <a:extLst>
+              <a:ext uri="{28A0092B-C50C-407E-A947-70E740481C1C}">
+                <a14:useLocalDpi xmlns:a14="http://schemas.microsoft.com/office/drawing/2010/main" val="0"/>
+              </a:ext>
+            </a:extLst>
+          </a:blip>
+          <a:srcRect r="10000"/>
+          <a:stretch/>
+        </p:blipFill>
+        <p:spPr>
+          <a:xfrm>
+            <a:off x="251520" y="2060848"/>
+            <a:ext cx="2592288" cy="4525963"/>
+          </a:xfrm>
+        </p:spPr>
+      </p:pic>
       <p:sp>
         <p:nvSpPr>
           <p:cNvPr id="4" name="Retângulo 3"/>
@@ -3761,25 +4082,35 @@
           </a:p>
         </p:txBody>
       </p:sp>
-      <p:sp>
-        <p:nvSpPr>
-          <p:cNvPr id="3" name="Espaço Reservado para Conteúdo 2"/>
-          <p:cNvSpPr>
-            <a:spLocks noGrp="1"/>
-          </p:cNvSpPr>
+      <p:pic>
+        <p:nvPicPr>
+          <p:cNvPr id="6" name="Espaço Reservado para Conteúdo 5"/>
+          <p:cNvPicPr>
+            <a:picLocks noGrp="1" noChangeAspect="1"/>
+          </p:cNvPicPr>
           <p:nvPr>
             <p:ph sz="half" idx="1"/>
           </p:nvPr>
-        </p:nvSpPr>
-        <p:spPr/>
-        <p:txBody>
-          <a:bodyPr/>
-          <a:lstStyle/>
-          <a:p>
-            <a:endParaRPr lang="pt-BR"/>
-          </a:p>
-        </p:txBody>
-      </p:sp>
+        </p:nvPicPr>
+        <p:blipFill>
+          <a:blip r:embed="rId2">
+            <a:extLst>
+              <a:ext uri="{28A0092B-C50C-407E-A947-70E740481C1C}">
+                <a14:useLocalDpi xmlns:a14="http://schemas.microsoft.com/office/drawing/2010/main" val="0"/>
+              </a:ext>
+            </a:extLst>
+          </a:blip>
+          <a:stretch>
+            <a:fillRect/>
+          </a:stretch>
+        </p:blipFill>
+        <p:spPr>
+          <a:xfrm>
+            <a:off x="457200" y="1602207"/>
+            <a:ext cx="3562232" cy="4525963"/>
+          </a:xfrm>
+        </p:spPr>
+      </p:pic>
       <p:sp>
         <p:nvSpPr>
           <p:cNvPr id="4" name="Espaço Reservado para Conteúdo 3"/>
@@ -3917,12 +4248,12 @@
       </p:sp>
       <p:sp>
         <p:nvSpPr>
-          <p:cNvPr id="3" name="Espaço Reservado para Conteúdo 2"/>
-          <p:cNvSpPr>
-            <a:spLocks noGrp="1"/>
-          </p:cNvSpPr>
-          <p:nvPr>
-            <p:ph idx="1"/>
+          <p:cNvPr id="4" name="Espaço Reservado para Texto 3"/>
+          <p:cNvSpPr>
+            <a:spLocks noGrp="1"/>
+          </p:cNvSpPr>
+          <p:nvPr>
+            <p:ph type="body" sz="half" idx="2"/>
           </p:nvPr>
         </p:nvSpPr>
         <p:spPr/>
@@ -3930,26 +4261,7 @@
           <a:bodyPr/>
           <a:lstStyle/>
           <a:p>
-            <a:endParaRPr lang="pt-BR"/>
-          </a:p>
-        </p:txBody>
-      </p:sp>
-      <p:sp>
-        <p:nvSpPr>
-          <p:cNvPr id="4" name="Espaço Reservado para Texto 3"/>
-          <p:cNvSpPr>
-            <a:spLocks noGrp="1"/>
-          </p:cNvSpPr>
-          <p:nvPr>
-            <p:ph type="body" sz="half" idx="2"/>
-          </p:nvPr>
-        </p:nvSpPr>
-        <p:spPr/>
-        <p:txBody>
-          <a:bodyPr/>
-          <a:lstStyle/>
-          <a:p>
-            <a:endParaRPr lang="pt-BR"/>
+            <a:endParaRPr lang="pt-BR" dirty="0"/>
           </a:p>
         </p:txBody>
       </p:sp>
@@ -3999,6 +4311,35 @@
           </a:p>
         </p:txBody>
       </p:sp>
+      <p:pic>
+        <p:nvPicPr>
+          <p:cNvPr id="11" name="Espaço Reservado para Conteúdo 10"/>
+          <p:cNvPicPr>
+            <a:picLocks noGrp="1" noChangeAspect="1"/>
+          </p:cNvPicPr>
+          <p:nvPr>
+            <p:ph idx="1"/>
+          </p:nvPr>
+        </p:nvPicPr>
+        <p:blipFill>
+          <a:blip r:embed="rId2">
+            <a:extLst>
+              <a:ext uri="{28A0092B-C50C-407E-A947-70E740481C1C}">
+                <a14:useLocalDpi xmlns:a14="http://schemas.microsoft.com/office/drawing/2010/main" val="0"/>
+              </a:ext>
+            </a:extLst>
+          </a:blip>
+          <a:stretch>
+            <a:fillRect/>
+          </a:stretch>
+        </p:blipFill>
+        <p:spPr>
+          <a:xfrm>
+            <a:off x="3800757" y="266024"/>
+            <a:ext cx="5111750" cy="2338152"/>
+          </a:xfrm>
+        </p:spPr>
+      </p:pic>
     </p:spTree>
     <p:extLst>
       <p:ext uri="{BB962C8B-B14F-4D97-AF65-F5344CB8AC3E}">
@@ -4457,7 +4798,17 @@
             <p:ph sz="half" idx="1"/>
           </p:nvPr>
         </p:nvSpPr>
-        <p:spPr/>
+        <p:spPr>
+          <a:xfrm>
+            <a:off x="457200" y="1417638"/>
+            <a:ext cx="4038600" cy="2443410"/>
+          </a:xfrm>
+          <a:ln>
+            <a:solidFill>
+              <a:srgbClr val="FFFF00"/>
+            </a:solidFill>
+          </a:ln>
+        </p:spPr>
         <p:txBody>
           <a:bodyPr/>
           <a:lstStyle/>
@@ -4488,7 +4839,17 @@
             <p:ph sz="half" idx="2"/>
           </p:nvPr>
         </p:nvSpPr>
-        <p:spPr/>
+        <p:spPr>
+          <a:xfrm>
+            <a:off x="4648200" y="1417638"/>
+            <a:ext cx="4038600" cy="2443410"/>
+          </a:xfrm>
+          <a:ln>
+            <a:solidFill>
+              <a:srgbClr val="FFFF00"/>
+            </a:solidFill>
+          </a:ln>
+        </p:spPr>
         <p:txBody>
           <a:bodyPr/>
           <a:lstStyle/>
@@ -4552,6 +4913,358 @@
           <a:p>
             <a:pPr algn="ctr"/>
             <a:endParaRPr lang="pt-BR"/>
+          </a:p>
+        </p:txBody>
+      </p:sp>
+      <p:sp>
+        <p:nvSpPr>
+          <p:cNvPr id="6" name="Espaço Reservado para Conteúdo 2"/>
+          <p:cNvSpPr txBox="1">
+            <a:spLocks/>
+          </p:cNvSpPr>
+          <p:nvPr/>
+        </p:nvSpPr>
+        <p:spPr>
+          <a:xfrm>
+            <a:off x="457200" y="4005064"/>
+            <a:ext cx="4038600" cy="2520280"/>
+          </a:xfrm>
+          <a:prstGeom prst="rect">
+            <a:avLst/>
+          </a:prstGeom>
+          <a:ln>
+            <a:solidFill>
+              <a:srgbClr val="FFFF00"/>
+            </a:solidFill>
+          </a:ln>
+        </p:spPr>
+        <p:txBody>
+          <a:bodyPr vert="horz" lIns="91440" tIns="45720" rIns="91440" bIns="45720" rtlCol="0">
+            <a:normAutofit/>
+          </a:bodyPr>
+          <a:lstStyle>
+            <a:lvl1pPr marL="342900" indent="-342900" algn="l" defTabSz="914400" rtl="0" eaLnBrk="1" latinLnBrk="0" hangingPunct="1">
+              <a:spcBef>
+                <a:spcPct val="20000"/>
+              </a:spcBef>
+              <a:buFont typeface="Arial" pitchFamily="34" charset="0"/>
+              <a:buChar char="•"/>
+              <a:defRPr sz="2800" kern="1200">
+                <a:solidFill>
+                  <a:schemeClr val="tx1"/>
+                </a:solidFill>
+                <a:latin typeface="+mn-lt"/>
+                <a:ea typeface="+mn-ea"/>
+                <a:cs typeface="+mn-cs"/>
+              </a:defRPr>
+            </a:lvl1pPr>
+            <a:lvl2pPr marL="742950" indent="-285750" algn="l" defTabSz="914400" rtl="0" eaLnBrk="1" latinLnBrk="0" hangingPunct="1">
+              <a:spcBef>
+                <a:spcPct val="20000"/>
+              </a:spcBef>
+              <a:buFont typeface="Arial" pitchFamily="34" charset="0"/>
+              <a:buChar char="–"/>
+              <a:defRPr sz="2400" kern="1200">
+                <a:solidFill>
+                  <a:schemeClr val="tx1"/>
+                </a:solidFill>
+                <a:latin typeface="+mn-lt"/>
+                <a:ea typeface="+mn-ea"/>
+                <a:cs typeface="+mn-cs"/>
+              </a:defRPr>
+            </a:lvl2pPr>
+            <a:lvl3pPr marL="1143000" indent="-228600" algn="l" defTabSz="914400" rtl="0" eaLnBrk="1" latinLnBrk="0" hangingPunct="1">
+              <a:spcBef>
+                <a:spcPct val="20000"/>
+              </a:spcBef>
+              <a:buFont typeface="Arial" pitchFamily="34" charset="0"/>
+              <a:buChar char="•"/>
+              <a:defRPr sz="2000" kern="1200">
+                <a:solidFill>
+                  <a:schemeClr val="tx1"/>
+                </a:solidFill>
+                <a:latin typeface="+mn-lt"/>
+                <a:ea typeface="+mn-ea"/>
+                <a:cs typeface="+mn-cs"/>
+              </a:defRPr>
+            </a:lvl3pPr>
+            <a:lvl4pPr marL="1600200" indent="-228600" algn="l" defTabSz="914400" rtl="0" eaLnBrk="1" latinLnBrk="0" hangingPunct="1">
+              <a:spcBef>
+                <a:spcPct val="20000"/>
+              </a:spcBef>
+              <a:buFont typeface="Arial" pitchFamily="34" charset="0"/>
+              <a:buChar char="–"/>
+              <a:defRPr sz="1800" kern="1200">
+                <a:solidFill>
+                  <a:schemeClr val="tx1"/>
+                </a:solidFill>
+                <a:latin typeface="+mn-lt"/>
+                <a:ea typeface="+mn-ea"/>
+                <a:cs typeface="+mn-cs"/>
+              </a:defRPr>
+            </a:lvl4pPr>
+            <a:lvl5pPr marL="2057400" indent="-228600" algn="l" defTabSz="914400" rtl="0" eaLnBrk="1" latinLnBrk="0" hangingPunct="1">
+              <a:spcBef>
+                <a:spcPct val="20000"/>
+              </a:spcBef>
+              <a:buFont typeface="Arial" pitchFamily="34" charset="0"/>
+              <a:buChar char="»"/>
+              <a:defRPr sz="1800" kern="1200">
+                <a:solidFill>
+                  <a:schemeClr val="tx1"/>
+                </a:solidFill>
+                <a:latin typeface="+mn-lt"/>
+                <a:ea typeface="+mn-ea"/>
+                <a:cs typeface="+mn-cs"/>
+              </a:defRPr>
+            </a:lvl5pPr>
+            <a:lvl6pPr marL="2514600" indent="-228600" algn="l" defTabSz="914400" rtl="0" eaLnBrk="1" latinLnBrk="0" hangingPunct="1">
+              <a:spcBef>
+                <a:spcPct val="20000"/>
+              </a:spcBef>
+              <a:buFont typeface="Arial" pitchFamily="34" charset="0"/>
+              <a:buChar char="•"/>
+              <a:defRPr sz="1800" kern="1200">
+                <a:solidFill>
+                  <a:schemeClr val="tx1"/>
+                </a:solidFill>
+                <a:latin typeface="+mn-lt"/>
+                <a:ea typeface="+mn-ea"/>
+                <a:cs typeface="+mn-cs"/>
+              </a:defRPr>
+            </a:lvl6pPr>
+            <a:lvl7pPr marL="2971800" indent="-228600" algn="l" defTabSz="914400" rtl="0" eaLnBrk="1" latinLnBrk="0" hangingPunct="1">
+              <a:spcBef>
+                <a:spcPct val="20000"/>
+              </a:spcBef>
+              <a:buFont typeface="Arial" pitchFamily="34" charset="0"/>
+              <a:buChar char="•"/>
+              <a:defRPr sz="1800" kern="1200">
+                <a:solidFill>
+                  <a:schemeClr val="tx1"/>
+                </a:solidFill>
+                <a:latin typeface="+mn-lt"/>
+                <a:ea typeface="+mn-ea"/>
+                <a:cs typeface="+mn-cs"/>
+              </a:defRPr>
+            </a:lvl7pPr>
+            <a:lvl8pPr marL="3429000" indent="-228600" algn="l" defTabSz="914400" rtl="0" eaLnBrk="1" latinLnBrk="0" hangingPunct="1">
+              <a:spcBef>
+                <a:spcPct val="20000"/>
+              </a:spcBef>
+              <a:buFont typeface="Arial" pitchFamily="34" charset="0"/>
+              <a:buChar char="•"/>
+              <a:defRPr sz="1800" kern="1200">
+                <a:solidFill>
+                  <a:schemeClr val="tx1"/>
+                </a:solidFill>
+                <a:latin typeface="+mn-lt"/>
+                <a:ea typeface="+mn-ea"/>
+                <a:cs typeface="+mn-cs"/>
+              </a:defRPr>
+            </a:lvl8pPr>
+            <a:lvl9pPr marL="3886200" indent="-228600" algn="l" defTabSz="914400" rtl="0" eaLnBrk="1" latinLnBrk="0" hangingPunct="1">
+              <a:spcBef>
+                <a:spcPct val="20000"/>
+              </a:spcBef>
+              <a:buFont typeface="Arial" pitchFamily="34" charset="0"/>
+              <a:buChar char="•"/>
+              <a:defRPr sz="1800" kern="1200">
+                <a:solidFill>
+                  <a:schemeClr val="tx1"/>
+                </a:solidFill>
+                <a:latin typeface="+mn-lt"/>
+                <a:ea typeface="+mn-ea"/>
+                <a:cs typeface="+mn-cs"/>
+              </a:defRPr>
+            </a:lvl9pPr>
+          </a:lstStyle>
+          <a:p>
+            <a:r>
+              <a:rPr lang="pt-BR" dirty="0" smtClean="0">
+                <a:solidFill>
+                  <a:srgbClr val="FFFF00"/>
+                </a:solidFill>
+              </a:rPr>
+              <a:t>Cristian Alexandre</a:t>
+            </a:r>
+            <a:endParaRPr lang="pt-BR" dirty="0">
+              <a:solidFill>
+                <a:srgbClr val="FFFF00"/>
+              </a:solidFill>
+            </a:endParaRPr>
+          </a:p>
+        </p:txBody>
+      </p:sp>
+      <p:sp>
+        <p:nvSpPr>
+          <p:cNvPr id="7" name="Espaço Reservado para Conteúdo 2"/>
+          <p:cNvSpPr txBox="1">
+            <a:spLocks/>
+          </p:cNvSpPr>
+          <p:nvPr/>
+        </p:nvSpPr>
+        <p:spPr>
+          <a:xfrm>
+            <a:off x="4648200" y="4005064"/>
+            <a:ext cx="4038600" cy="2520280"/>
+          </a:xfrm>
+          <a:prstGeom prst="rect">
+            <a:avLst/>
+          </a:prstGeom>
+          <a:ln>
+            <a:solidFill>
+              <a:srgbClr val="FFFF00"/>
+            </a:solidFill>
+          </a:ln>
+        </p:spPr>
+        <p:txBody>
+          <a:bodyPr vert="horz" lIns="91440" tIns="45720" rIns="91440" bIns="45720" rtlCol="0">
+            <a:normAutofit/>
+          </a:bodyPr>
+          <a:lstStyle>
+            <a:lvl1pPr marL="342900" indent="-342900" algn="l" defTabSz="914400" rtl="0" eaLnBrk="1" latinLnBrk="0" hangingPunct="1">
+              <a:spcBef>
+                <a:spcPct val="20000"/>
+              </a:spcBef>
+              <a:buFont typeface="Arial" pitchFamily="34" charset="0"/>
+              <a:buChar char="•"/>
+              <a:defRPr sz="2800" kern="1200">
+                <a:solidFill>
+                  <a:schemeClr val="tx1"/>
+                </a:solidFill>
+                <a:latin typeface="+mn-lt"/>
+                <a:ea typeface="+mn-ea"/>
+                <a:cs typeface="+mn-cs"/>
+              </a:defRPr>
+            </a:lvl1pPr>
+            <a:lvl2pPr marL="742950" indent="-285750" algn="l" defTabSz="914400" rtl="0" eaLnBrk="1" latinLnBrk="0" hangingPunct="1">
+              <a:spcBef>
+                <a:spcPct val="20000"/>
+              </a:spcBef>
+              <a:buFont typeface="Arial" pitchFamily="34" charset="0"/>
+              <a:buChar char="–"/>
+              <a:defRPr sz="2400" kern="1200">
+                <a:solidFill>
+                  <a:schemeClr val="tx1"/>
+                </a:solidFill>
+                <a:latin typeface="+mn-lt"/>
+                <a:ea typeface="+mn-ea"/>
+                <a:cs typeface="+mn-cs"/>
+              </a:defRPr>
+            </a:lvl2pPr>
+            <a:lvl3pPr marL="1143000" indent="-228600" algn="l" defTabSz="914400" rtl="0" eaLnBrk="1" latinLnBrk="0" hangingPunct="1">
+              <a:spcBef>
+                <a:spcPct val="20000"/>
+              </a:spcBef>
+              <a:buFont typeface="Arial" pitchFamily="34" charset="0"/>
+              <a:buChar char="•"/>
+              <a:defRPr sz="2000" kern="1200">
+                <a:solidFill>
+                  <a:schemeClr val="tx1"/>
+                </a:solidFill>
+                <a:latin typeface="+mn-lt"/>
+                <a:ea typeface="+mn-ea"/>
+                <a:cs typeface="+mn-cs"/>
+              </a:defRPr>
+            </a:lvl3pPr>
+            <a:lvl4pPr marL="1600200" indent="-228600" algn="l" defTabSz="914400" rtl="0" eaLnBrk="1" latinLnBrk="0" hangingPunct="1">
+              <a:spcBef>
+                <a:spcPct val="20000"/>
+              </a:spcBef>
+              <a:buFont typeface="Arial" pitchFamily="34" charset="0"/>
+              <a:buChar char="–"/>
+              <a:defRPr sz="1800" kern="1200">
+                <a:solidFill>
+                  <a:schemeClr val="tx1"/>
+                </a:solidFill>
+                <a:latin typeface="+mn-lt"/>
+                <a:ea typeface="+mn-ea"/>
+                <a:cs typeface="+mn-cs"/>
+              </a:defRPr>
+            </a:lvl4pPr>
+            <a:lvl5pPr marL="2057400" indent="-228600" algn="l" defTabSz="914400" rtl="0" eaLnBrk="1" latinLnBrk="0" hangingPunct="1">
+              <a:spcBef>
+                <a:spcPct val="20000"/>
+              </a:spcBef>
+              <a:buFont typeface="Arial" pitchFamily="34" charset="0"/>
+              <a:buChar char="»"/>
+              <a:defRPr sz="1800" kern="1200">
+                <a:solidFill>
+                  <a:schemeClr val="tx1"/>
+                </a:solidFill>
+                <a:latin typeface="+mn-lt"/>
+                <a:ea typeface="+mn-ea"/>
+                <a:cs typeface="+mn-cs"/>
+              </a:defRPr>
+            </a:lvl5pPr>
+            <a:lvl6pPr marL="2514600" indent="-228600" algn="l" defTabSz="914400" rtl="0" eaLnBrk="1" latinLnBrk="0" hangingPunct="1">
+              <a:spcBef>
+                <a:spcPct val="20000"/>
+              </a:spcBef>
+              <a:buFont typeface="Arial" pitchFamily="34" charset="0"/>
+              <a:buChar char="•"/>
+              <a:defRPr sz="1800" kern="1200">
+                <a:solidFill>
+                  <a:schemeClr val="tx1"/>
+                </a:solidFill>
+                <a:latin typeface="+mn-lt"/>
+                <a:ea typeface="+mn-ea"/>
+                <a:cs typeface="+mn-cs"/>
+              </a:defRPr>
+            </a:lvl6pPr>
+            <a:lvl7pPr marL="2971800" indent="-228600" algn="l" defTabSz="914400" rtl="0" eaLnBrk="1" latinLnBrk="0" hangingPunct="1">
+              <a:spcBef>
+                <a:spcPct val="20000"/>
+              </a:spcBef>
+              <a:buFont typeface="Arial" pitchFamily="34" charset="0"/>
+              <a:buChar char="•"/>
+              <a:defRPr sz="1800" kern="1200">
+                <a:solidFill>
+                  <a:schemeClr val="tx1"/>
+                </a:solidFill>
+                <a:latin typeface="+mn-lt"/>
+                <a:ea typeface="+mn-ea"/>
+                <a:cs typeface="+mn-cs"/>
+              </a:defRPr>
+            </a:lvl7pPr>
+            <a:lvl8pPr marL="3429000" indent="-228600" algn="l" defTabSz="914400" rtl="0" eaLnBrk="1" latinLnBrk="0" hangingPunct="1">
+              <a:spcBef>
+                <a:spcPct val="20000"/>
+              </a:spcBef>
+              <a:buFont typeface="Arial" pitchFamily="34" charset="0"/>
+              <a:buChar char="•"/>
+              <a:defRPr sz="1800" kern="1200">
+                <a:solidFill>
+                  <a:schemeClr val="tx1"/>
+                </a:solidFill>
+                <a:latin typeface="+mn-lt"/>
+                <a:ea typeface="+mn-ea"/>
+                <a:cs typeface="+mn-cs"/>
+              </a:defRPr>
+            </a:lvl8pPr>
+            <a:lvl9pPr marL="3886200" indent="-228600" algn="l" defTabSz="914400" rtl="0" eaLnBrk="1" latinLnBrk="0" hangingPunct="1">
+              <a:spcBef>
+                <a:spcPct val="20000"/>
+              </a:spcBef>
+              <a:buFont typeface="Arial" pitchFamily="34" charset="0"/>
+              <a:buChar char="•"/>
+              <a:defRPr sz="1800" kern="1200">
+                <a:solidFill>
+                  <a:schemeClr val="tx1"/>
+                </a:solidFill>
+                <a:latin typeface="+mn-lt"/>
+                <a:ea typeface="+mn-ea"/>
+                <a:cs typeface="+mn-cs"/>
+              </a:defRPr>
+            </a:lvl9pPr>
+          </a:lstStyle>
+          <a:p>
+            <a:endParaRPr lang="pt-BR" dirty="0">
+              <a:solidFill>
+                <a:srgbClr val="FFFF00"/>
+              </a:solidFill>
+            </a:endParaRPr>
           </a:p>
         </p:txBody>
       </p:sp>

--- a/Apresentação BRANDS.pptx
+++ b/Apresentação BRANDS.pptx
@@ -115,7 +115,7 @@
   </p:defaultTextStyle>
   <p:extLst>
     <p:ext uri="{EFAFB233-063F-42B5-8137-9DF3F51BA10A}">
-      <p15:sldGuideLst xmlns:p15="http://schemas.microsoft.com/office/powerpoint/2012/main">
+      <p15:sldGuideLst xmlns:p15="http://schemas.microsoft.com/office/powerpoint/2012/main" xmlns="">
         <p15:guide id="1" orient="horz" pos="2160">
           <p15:clr>
             <a:srgbClr val="A4A3A4"/>
@@ -3424,47 +3424,6 @@
       </p:grpSpPr>
       <p:sp>
         <p:nvSpPr>
-          <p:cNvPr id="2" name="Título 1"/>
-          <p:cNvSpPr>
-            <a:spLocks noGrp="1"/>
-          </p:cNvSpPr>
-          <p:nvPr>
-            <p:ph type="title"/>
-          </p:nvPr>
-        </p:nvSpPr>
-        <p:spPr>
-          <a:xfrm>
-            <a:off x="435646" y="137561"/>
-            <a:ext cx="8229600" cy="1143000"/>
-          </a:xfrm>
-          <a:ln>
-            <a:solidFill>
-              <a:srgbClr val="FFFF00"/>
-            </a:solidFill>
-          </a:ln>
-        </p:spPr>
-        <p:txBody>
-          <a:bodyPr/>
-          <a:lstStyle/>
-          <a:p>
-            <a:r>
-              <a:rPr lang="pt-BR" dirty="0" smtClean="0">
-                <a:solidFill>
-                  <a:srgbClr val="FFFF00"/>
-                </a:solidFill>
-              </a:rPr>
-              <a:t>O que significa “BRANDS”?</a:t>
-            </a:r>
-            <a:endParaRPr lang="pt-BR" dirty="0">
-              <a:solidFill>
-                <a:srgbClr val="FFFF00"/>
-              </a:solidFill>
-            </a:endParaRPr>
-          </a:p>
-        </p:txBody>
-      </p:sp>
-      <p:sp>
-        <p:nvSpPr>
           <p:cNvPr id="3" name="Retângulo 2"/>
           <p:cNvSpPr/>
           <p:nvPr/>
@@ -3530,7 +3489,7 @@
         </p:blipFill>
         <p:spPr bwMode="auto">
           <a:xfrm>
-            <a:off x="683568" y="1738092"/>
+            <a:off x="587663" y="1738092"/>
             <a:ext cx="754382" cy="1067529"/>
           </a:xfrm>
           <a:prstGeom prst="rect">
@@ -3585,7 +3544,7 @@
         </p:blipFill>
         <p:spPr bwMode="auto">
           <a:xfrm>
-            <a:off x="4836278" y="1703990"/>
+            <a:off x="4932040" y="1703990"/>
             <a:ext cx="3692342" cy="1123905"/>
           </a:xfrm>
           <a:prstGeom prst="rect">
@@ -3642,7 +3601,7 @@
         </p:blipFill>
         <p:spPr bwMode="auto">
           <a:xfrm>
-            <a:off x="1888668" y="4336189"/>
+            <a:off x="1888669" y="4147089"/>
             <a:ext cx="5323557" cy="1324684"/>
           </a:xfrm>
           <a:prstGeom prst="rect">
@@ -3684,7 +3643,7 @@
         </p:nvSpPr>
         <p:spPr>
           <a:xfrm>
-            <a:off x="4188135" y="1952835"/>
+            <a:off x="4274292" y="3100818"/>
             <a:ext cx="552310" cy="626213"/>
           </a:xfrm>
           <a:prstGeom prst="mathPlus">
@@ -3718,7 +3677,7 @@
           <a:lstStyle/>
           <a:p>
             <a:pPr algn="ctr"/>
-            <a:endParaRPr lang="pt-BR">
+            <a:endParaRPr lang="pt-BR" dirty="0">
               <a:solidFill>
                 <a:srgbClr val="FFFF00"/>
               </a:solidFill>
@@ -3747,7 +3706,7 @@
         </p:blipFill>
         <p:spPr bwMode="auto">
           <a:xfrm>
-            <a:off x="1427543" y="1780951"/>
+            <a:off x="1259632" y="1823811"/>
             <a:ext cx="2664760" cy="981810"/>
           </a:xfrm>
           <a:prstGeom prst="rect">
@@ -3864,6 +3823,79 @@
           </a:p>
         </p:txBody>
       </p:sp>
+      <p:sp>
+        <p:nvSpPr>
+          <p:cNvPr id="13" name="CaixaDeTexto 12"/>
+          <p:cNvSpPr txBox="1"/>
+          <p:nvPr/>
+        </p:nvSpPr>
+        <p:spPr>
+          <a:xfrm>
+            <a:off x="3090085" y="5462672"/>
+            <a:ext cx="2920726" cy="369332"/>
+          </a:xfrm>
+          <a:prstGeom prst="rect">
+            <a:avLst/>
+          </a:prstGeom>
+          <a:noFill/>
+        </p:spPr>
+        <p:txBody>
+          <a:bodyPr wrap="square" rtlCol="0">
+            <a:spAutoFit/>
+          </a:bodyPr>
+          <a:lstStyle/>
+          <a:p>
+            <a:r>
+              <a:rPr lang="pt-BR" dirty="0" smtClean="0">
+                <a:solidFill>
+                  <a:schemeClr val="bg1"/>
+                </a:solidFill>
+              </a:rPr>
+              <a:t>O meu apelido na faculdade</a:t>
+            </a:r>
+            <a:endParaRPr lang="pt-BR" dirty="0">
+              <a:solidFill>
+                <a:schemeClr val="bg1"/>
+              </a:solidFill>
+            </a:endParaRPr>
+          </a:p>
+        </p:txBody>
+      </p:sp>
+      <p:cxnSp>
+        <p:nvCxnSpPr>
+          <p:cNvPr id="14" name="Conector reto 13"/>
+          <p:cNvCxnSpPr/>
+          <p:nvPr/>
+        </p:nvCxnSpPr>
+        <p:spPr>
+          <a:xfrm>
+            <a:off x="121956" y="620688"/>
+            <a:ext cx="8856984" cy="0"/>
+          </a:xfrm>
+          <a:prstGeom prst="line">
+            <a:avLst/>
+          </a:prstGeom>
+          <a:ln>
+            <a:solidFill>
+              <a:srgbClr val="FFFF00"/>
+            </a:solidFill>
+          </a:ln>
+        </p:spPr>
+        <p:style>
+          <a:lnRef idx="1">
+            <a:schemeClr val="accent1"/>
+          </a:lnRef>
+          <a:fillRef idx="0">
+            <a:schemeClr val="accent1"/>
+          </a:fillRef>
+          <a:effectRef idx="0">
+            <a:schemeClr val="accent1"/>
+          </a:effectRef>
+          <a:fontRef idx="minor">
+            <a:schemeClr val="tx1"/>
+          </a:fontRef>
+        </p:style>
+      </p:cxnSp>
     </p:spTree>
     <p:extLst>
       <p:ext uri="{BB962C8B-B14F-4D97-AF65-F5344CB8AC3E}">
@@ -3911,20 +3943,42 @@
             <p:ph type="title"/>
           </p:nvPr>
         </p:nvSpPr>
-        <p:spPr/>
-        <p:txBody>
-          <a:bodyPr/>
-          <a:lstStyle/>
-          <a:p>
-            <a:r>
-              <a:rPr lang="pt-BR" dirty="0" smtClean="0">
+        <p:spPr>
+          <a:xfrm>
+            <a:off x="539552" y="476672"/>
+            <a:ext cx="2232248" cy="1143000"/>
+          </a:xfrm>
+        </p:spPr>
+        <p:txBody>
+          <a:bodyPr>
+            <a:normAutofit fontScale="90000"/>
+          </a:bodyPr>
+          <a:lstStyle/>
+          <a:p>
+            <a:r>
+              <a:rPr lang="pt-BR" sz="6000" dirty="0" smtClean="0">
                 <a:solidFill>
                   <a:srgbClr val="FFFF00"/>
                 </a:solidFill>
               </a:rPr>
-              <a:t>Eu</a:t>
-            </a:r>
-            <a:endParaRPr lang="pt-BR" dirty="0">
+              <a:t>Sobre </a:t>
+            </a:r>
+            <a:br>
+              <a:rPr lang="pt-BR" sz="6000" dirty="0" smtClean="0">
+                <a:solidFill>
+                  <a:srgbClr val="FFFF00"/>
+                </a:solidFill>
+              </a:rPr>
+            </a:br>
+            <a:r>
+              <a:rPr lang="pt-BR" sz="6000" dirty="0" smtClean="0">
+                <a:solidFill>
+                  <a:srgbClr val="FFFF00"/>
+                </a:solidFill>
+              </a:rPr>
+              <a:t>Mim</a:t>
+            </a:r>
+            <a:endParaRPr lang="pt-BR" sz="6000" dirty="0">
               <a:solidFill>
                 <a:srgbClr val="FFFF00"/>
               </a:solidFill>
@@ -4003,6 +4057,206 @@
           <a:p>
             <a:pPr algn="ctr"/>
             <a:endParaRPr lang="pt-BR"/>
+          </a:p>
+        </p:txBody>
+      </p:sp>
+      <p:cxnSp>
+        <p:nvCxnSpPr>
+          <p:cNvPr id="6" name="Conector reto 5"/>
+          <p:cNvCxnSpPr/>
+          <p:nvPr/>
+        </p:nvCxnSpPr>
+        <p:spPr>
+          <a:xfrm>
+            <a:off x="2951820" y="1916832"/>
+            <a:ext cx="36004" cy="4773457"/>
+          </a:xfrm>
+          <a:prstGeom prst="line">
+            <a:avLst/>
+          </a:prstGeom>
+          <a:ln>
+            <a:solidFill>
+              <a:srgbClr val="FFFF00"/>
+            </a:solidFill>
+          </a:ln>
+        </p:spPr>
+        <p:style>
+          <a:lnRef idx="1">
+            <a:schemeClr val="accent1"/>
+          </a:lnRef>
+          <a:fillRef idx="0">
+            <a:schemeClr val="accent1"/>
+          </a:fillRef>
+          <a:effectRef idx="0">
+            <a:schemeClr val="accent1"/>
+          </a:effectRef>
+          <a:fontRef idx="minor">
+            <a:schemeClr val="tx1"/>
+          </a:fontRef>
+        </p:style>
+      </p:cxnSp>
+      <p:cxnSp>
+        <p:nvCxnSpPr>
+          <p:cNvPr id="14" name="Conector reto 13"/>
+          <p:cNvCxnSpPr/>
+          <p:nvPr/>
+        </p:nvCxnSpPr>
+        <p:spPr>
+          <a:xfrm flipH="1">
+            <a:off x="121956" y="1916832"/>
+            <a:ext cx="2829864" cy="0"/>
+          </a:xfrm>
+          <a:prstGeom prst="line">
+            <a:avLst/>
+          </a:prstGeom>
+          <a:ln>
+            <a:solidFill>
+              <a:srgbClr val="FFFF00"/>
+            </a:solidFill>
+          </a:ln>
+        </p:spPr>
+        <p:style>
+          <a:lnRef idx="1">
+            <a:schemeClr val="accent1"/>
+          </a:lnRef>
+          <a:fillRef idx="0">
+            <a:schemeClr val="accent1"/>
+          </a:fillRef>
+          <a:effectRef idx="0">
+            <a:schemeClr val="accent1"/>
+          </a:effectRef>
+          <a:fontRef idx="minor">
+            <a:schemeClr val="tx1"/>
+          </a:fontRef>
+        </p:style>
+      </p:cxnSp>
+      <p:sp>
+        <p:nvSpPr>
+          <p:cNvPr id="18" name="CaixaDeTexto 17"/>
+          <p:cNvSpPr txBox="1"/>
+          <p:nvPr/>
+        </p:nvSpPr>
+        <p:spPr>
+          <a:xfrm>
+            <a:off x="3851920" y="620688"/>
+            <a:ext cx="4320480" cy="3139321"/>
+          </a:xfrm>
+          <a:prstGeom prst="rect">
+            <a:avLst/>
+          </a:prstGeom>
+          <a:solidFill>
+            <a:schemeClr val="tx1">
+              <a:lumMod val="95000"/>
+              <a:lumOff val="5000"/>
+            </a:schemeClr>
+          </a:solidFill>
+          <a:ln w="38100">
+            <a:solidFill>
+              <a:schemeClr val="tx1"/>
+            </a:solidFill>
+          </a:ln>
+        </p:spPr>
+        <p:txBody>
+          <a:bodyPr wrap="square" rtlCol="0">
+            <a:spAutoFit/>
+          </a:bodyPr>
+          <a:lstStyle/>
+          <a:p>
+            <a:pPr algn="ctr"/>
+            <a:r>
+              <a:rPr lang="pt-BR" dirty="0" smtClean="0">
+                <a:solidFill>
+                  <a:srgbClr val="FFFF00"/>
+                </a:solidFill>
+              </a:rPr>
+              <a:t>Guilherme Duarte Brandão Simões Silva</a:t>
+            </a:r>
+          </a:p>
+          <a:p>
+            <a:pPr algn="ctr"/>
+            <a:endParaRPr lang="pt-BR" dirty="0">
+              <a:solidFill>
+                <a:srgbClr val="FFFF00"/>
+              </a:solidFill>
+            </a:endParaRPr>
+          </a:p>
+          <a:p>
+            <a:pPr algn="ctr"/>
+            <a:r>
+              <a:rPr lang="pt-BR" dirty="0" smtClean="0">
+                <a:solidFill>
+                  <a:srgbClr val="FFFF00"/>
+                </a:solidFill>
+              </a:rPr>
+              <a:t>21 anos – 22/08/2000</a:t>
+            </a:r>
+          </a:p>
+          <a:p>
+            <a:pPr algn="ctr"/>
+            <a:endParaRPr lang="pt-BR" dirty="0" smtClean="0">
+              <a:solidFill>
+                <a:srgbClr val="FFFF00"/>
+              </a:solidFill>
+            </a:endParaRPr>
+          </a:p>
+          <a:p>
+            <a:pPr algn="ctr"/>
+            <a:r>
+              <a:rPr lang="pt-BR" dirty="0" smtClean="0">
+                <a:solidFill>
+                  <a:srgbClr val="FFFF00"/>
+                </a:solidFill>
+              </a:rPr>
+              <a:t>Apaixonado por várias coisas. Esportes, Jogos, Animais, Cinema, Animes, Quadrinhos/ Mangás, etc...</a:t>
+            </a:r>
+          </a:p>
+          <a:p>
+            <a:pPr algn="ctr"/>
+            <a:endParaRPr lang="pt-BR" dirty="0">
+              <a:solidFill>
+                <a:srgbClr val="FFFF00"/>
+              </a:solidFill>
+            </a:endParaRPr>
+          </a:p>
+          <a:p>
+            <a:pPr algn="ctr"/>
+            <a:r>
+              <a:rPr lang="pt-BR" dirty="0" smtClean="0">
+                <a:solidFill>
+                  <a:srgbClr val="FFFF00"/>
+                </a:solidFill>
+              </a:rPr>
+              <a:t>Porém minha maior paixão é a </a:t>
+            </a:r>
+            <a:r>
+              <a:rPr lang="pt-BR" smtClean="0">
+                <a:solidFill>
+                  <a:srgbClr val="FFFF00"/>
+                </a:solidFill>
+              </a:rPr>
+              <a:t>música.</a:t>
+            </a:r>
+            <a:endParaRPr lang="pt-BR" dirty="0" smtClean="0">
+              <a:solidFill>
+                <a:srgbClr val="FFFF00"/>
+              </a:solidFill>
+            </a:endParaRPr>
+          </a:p>
+          <a:p>
+            <a:pPr algn="ctr"/>
+            <a:endParaRPr lang="pt-BR" dirty="0">
+              <a:solidFill>
+                <a:srgbClr val="FFFF00"/>
+              </a:solidFill>
+            </a:endParaRPr>
+          </a:p>
+          <a:p>
+            <a:pPr algn="ctr"/>
+            <a:endParaRPr lang="pt-BR" dirty="0">
+              <a:solidFill>
+                <a:srgbClr val="FFFF00"/>
+              </a:solidFill>
+            </a:endParaRPr>
           </a:p>
         </p:txBody>
       </p:sp>
@@ -4059,74 +4313,18 @@
           <a:lstStyle/>
           <a:p>
             <a:r>
-              <a:rPr lang="pt-BR" dirty="0" err="1" smtClean="0">
+              <a:rPr lang="pt-BR" dirty="0" smtClean="0">
                 <a:solidFill>
                   <a:srgbClr val="FFFF00"/>
                 </a:solidFill>
               </a:rPr>
-              <a:t>Intro</a:t>
-            </a:r>
-            <a:r>
-              <a:rPr lang="pt-BR" dirty="0" smtClean="0">
-                <a:solidFill>
-                  <a:srgbClr val="FFFF00"/>
-                </a:solidFill>
-              </a:rPr>
-              <a:t>/Contexto</a:t>
+              <a:t>Contexto</a:t>
             </a:r>
             <a:endParaRPr lang="pt-BR" dirty="0">
               <a:solidFill>
                 <a:srgbClr val="FFFF00"/>
               </a:solidFill>
             </a:endParaRPr>
-          </a:p>
-        </p:txBody>
-      </p:sp>
-      <p:pic>
-        <p:nvPicPr>
-          <p:cNvPr id="6" name="Espaço Reservado para Conteúdo 5"/>
-          <p:cNvPicPr>
-            <a:picLocks noGrp="1" noChangeAspect="1"/>
-          </p:cNvPicPr>
-          <p:nvPr>
-            <p:ph sz="half" idx="1"/>
-          </p:nvPr>
-        </p:nvPicPr>
-        <p:blipFill>
-          <a:blip r:embed="rId2">
-            <a:extLst>
-              <a:ext uri="{28A0092B-C50C-407E-A947-70E740481C1C}">
-                <a14:useLocalDpi xmlns:a14="http://schemas.microsoft.com/office/drawing/2010/main" val="0"/>
-              </a:ext>
-            </a:extLst>
-          </a:blip>
-          <a:stretch>
-            <a:fillRect/>
-          </a:stretch>
-        </p:blipFill>
-        <p:spPr>
-          <a:xfrm>
-            <a:off x="457200" y="1602207"/>
-            <a:ext cx="3562232" cy="4525963"/>
-          </a:xfrm>
-        </p:spPr>
-      </p:pic>
-      <p:sp>
-        <p:nvSpPr>
-          <p:cNvPr id="4" name="Espaço Reservado para Conteúdo 3"/>
-          <p:cNvSpPr>
-            <a:spLocks noGrp="1"/>
-          </p:cNvSpPr>
-          <p:nvPr>
-            <p:ph sz="half" idx="2"/>
-          </p:nvPr>
-        </p:nvSpPr>
-        <p:spPr/>
-        <p:txBody>
-          <a:bodyPr/>
-          <a:lstStyle/>
-          <a:p>
-            <a:endParaRPr lang="pt-BR"/>
           </a:p>
         </p:txBody>
       </p:sp>
@@ -4176,6 +4374,59 @@
           </a:p>
         </p:txBody>
       </p:sp>
+      <p:sp>
+        <p:nvSpPr>
+          <p:cNvPr id="3" name="Espaço Reservado para Conteúdo 2"/>
+          <p:cNvSpPr>
+            <a:spLocks noGrp="1"/>
+          </p:cNvSpPr>
+          <p:nvPr>
+            <p:ph sz="half" idx="1"/>
+          </p:nvPr>
+        </p:nvSpPr>
+        <p:spPr>
+          <a:xfrm>
+            <a:off x="457200" y="1600200"/>
+            <a:ext cx="4402832" cy="4525963"/>
+          </a:xfrm>
+        </p:spPr>
+        <p:txBody>
+          <a:bodyPr/>
+          <a:lstStyle/>
+          <a:p>
+            <a:endParaRPr lang="pt-BR" dirty="0"/>
+          </a:p>
+        </p:txBody>
+      </p:sp>
+      <p:pic>
+        <p:nvPicPr>
+          <p:cNvPr id="7" name="Espaço Reservado para Conteúdo 5"/>
+          <p:cNvPicPr>
+            <a:picLocks noGrp="1" noChangeAspect="1"/>
+          </p:cNvPicPr>
+          <p:nvPr>
+            <p:ph sz="half" idx="1"/>
+          </p:nvPr>
+        </p:nvPicPr>
+        <p:blipFill>
+          <a:blip r:embed="rId2">
+            <a:extLst>
+              <a:ext uri="{28A0092B-C50C-407E-A947-70E740481C1C}">
+                <a14:useLocalDpi xmlns:a14="http://schemas.microsoft.com/office/drawing/2010/main" val="0"/>
+              </a:ext>
+            </a:extLst>
+          </a:blip>
+          <a:stretch>
+            <a:fillRect/>
+          </a:stretch>
+        </p:blipFill>
+        <p:spPr>
+          <a:xfrm>
+            <a:off x="5148064" y="1628800"/>
+            <a:ext cx="3562232" cy="4525963"/>
+          </a:xfrm>
+        </p:spPr>
+      </p:pic>
     </p:spTree>
     <p:extLst>
       <p:ext uri="{BB962C8B-B14F-4D97-AF65-F5344CB8AC3E}">
@@ -4410,25 +4661,6 @@
       </p:sp>
       <p:sp>
         <p:nvSpPr>
-          <p:cNvPr id="3" name="Espaço Reservado para Conteúdo 2"/>
-          <p:cNvSpPr>
-            <a:spLocks noGrp="1"/>
-          </p:cNvSpPr>
-          <p:nvPr>
-            <p:ph idx="1"/>
-          </p:nvPr>
-        </p:nvSpPr>
-        <p:spPr/>
-        <p:txBody>
-          <a:bodyPr/>
-          <a:lstStyle/>
-          <a:p>
-            <a:endParaRPr lang="pt-BR"/>
-          </a:p>
-        </p:txBody>
-      </p:sp>
-      <p:sp>
-        <p:nvSpPr>
           <p:cNvPr id="4" name="Retângulo 3"/>
           <p:cNvSpPr/>
           <p:nvPr/>
@@ -4469,6 +4701,25 @@
           <a:lstStyle/>
           <a:p>
             <a:pPr algn="ctr"/>
+            <a:endParaRPr lang="pt-BR"/>
+          </a:p>
+        </p:txBody>
+      </p:sp>
+      <p:sp>
+        <p:nvSpPr>
+          <p:cNvPr id="6" name="Espaço Reservado para Conteúdo 5"/>
+          <p:cNvSpPr>
+            <a:spLocks noGrp="1"/>
+          </p:cNvSpPr>
+          <p:nvPr>
+            <p:ph idx="1"/>
+          </p:nvPr>
+        </p:nvSpPr>
+        <p:spPr/>
+        <p:txBody>
+          <a:bodyPr/>
+          <a:lstStyle/>
+          <a:p>
             <a:endParaRPr lang="pt-BR"/>
           </a:p>
         </p:txBody>
@@ -4512,37 +4763,6 @@
       </p:grpSpPr>
       <p:sp>
         <p:nvSpPr>
-          <p:cNvPr id="2" name="Título 1"/>
-          <p:cNvSpPr>
-            <a:spLocks noGrp="1"/>
-          </p:cNvSpPr>
-          <p:nvPr>
-            <p:ph type="title"/>
-          </p:nvPr>
-        </p:nvSpPr>
-        <p:spPr/>
-        <p:txBody>
-          <a:bodyPr/>
-          <a:lstStyle/>
-          <a:p>
-            <a:r>
-              <a:rPr lang="pt-BR" dirty="0" smtClean="0">
-                <a:solidFill>
-                  <a:srgbClr val="FFFF00"/>
-                </a:solidFill>
-              </a:rPr>
-              <a:t>Cores e imagens</a:t>
-            </a:r>
-            <a:endParaRPr lang="pt-BR" dirty="0">
-              <a:solidFill>
-                <a:srgbClr val="FFFF00"/>
-              </a:solidFill>
-            </a:endParaRPr>
-          </a:p>
-        </p:txBody>
-      </p:sp>
-      <p:sp>
-        <p:nvSpPr>
           <p:cNvPr id="3" name="Retângulo 2"/>
           <p:cNvSpPr/>
           <p:nvPr/>
@@ -4587,6 +4807,761 @@
           </a:p>
         </p:txBody>
       </p:sp>
+      <p:pic>
+        <p:nvPicPr>
+          <p:cNvPr id="1026" name="Picture 2"/>
+          <p:cNvPicPr>
+            <a:picLocks noChangeAspect="1" noChangeArrowheads="1"/>
+          </p:cNvPicPr>
+          <p:nvPr/>
+        </p:nvPicPr>
+        <p:blipFill>
+          <a:blip r:embed="rId2">
+            <a:extLst>
+              <a:ext uri="{28A0092B-C50C-407E-A947-70E740481C1C}">
+                <a14:useLocalDpi xmlns:a14="http://schemas.microsoft.com/office/drawing/2010/main" val="0"/>
+              </a:ext>
+            </a:extLst>
+          </a:blip>
+          <a:srcRect/>
+          <a:stretch>
+            <a:fillRect/>
+          </a:stretch>
+        </p:blipFill>
+        <p:spPr bwMode="auto">
+          <a:xfrm>
+            <a:off x="155848" y="217830"/>
+            <a:ext cx="3959573" cy="2627069"/>
+          </a:xfrm>
+          <a:prstGeom prst="rect">
+            <a:avLst/>
+          </a:prstGeom>
+          <a:noFill/>
+          <a:ln>
+            <a:noFill/>
+          </a:ln>
+          <a:effectLst/>
+          <a:extLst>
+            <a:ext uri="{909E8E84-426E-40DD-AFC4-6F175D3DCCD1}">
+              <a14:hiddenFill xmlns:a14="http://schemas.microsoft.com/office/drawing/2010/main">
+                <a:solidFill>
+                  <a:schemeClr val="accent1"/>
+                </a:solidFill>
+              </a14:hiddenFill>
+            </a:ext>
+            <a:ext uri="{91240B29-F687-4F45-9708-019B960494DF}">
+              <a14:hiddenLine xmlns:a14="http://schemas.microsoft.com/office/drawing/2010/main" w="9525">
+                <a:solidFill>
+                  <a:schemeClr val="tx1"/>
+                </a:solidFill>
+                <a:miter lim="800000"/>
+                <a:headEnd/>
+                <a:tailEnd/>
+              </a14:hiddenLine>
+            </a:ext>
+            <a:ext uri="{AF507438-7753-43E0-B8FC-AC1667EBCBE1}">
+              <a14:hiddenEffects xmlns:a14="http://schemas.microsoft.com/office/drawing/2010/main">
+                <a:effectLst>
+                  <a:outerShdw dist="35921" dir="2700000" algn="ctr" rotWithShape="0">
+                    <a:schemeClr val="bg2"/>
+                  </a:outerShdw>
+                </a:effectLst>
+              </a14:hiddenEffects>
+            </a:ext>
+          </a:extLst>
+        </p:spPr>
+      </p:pic>
+      <p:pic>
+        <p:nvPicPr>
+          <p:cNvPr id="1027" name="Picture 3"/>
+          <p:cNvPicPr>
+            <a:picLocks noChangeAspect="1" noChangeArrowheads="1"/>
+          </p:cNvPicPr>
+          <p:nvPr/>
+        </p:nvPicPr>
+        <p:blipFill rotWithShape="1">
+          <a:blip r:embed="rId3">
+            <a:extLst>
+              <a:ext uri="{28A0092B-C50C-407E-A947-70E740481C1C}">
+                <a14:useLocalDpi xmlns:a14="http://schemas.microsoft.com/office/drawing/2010/main" val="0"/>
+              </a:ext>
+            </a:extLst>
+          </a:blip>
+          <a:srcRect r="4751" b="6302"/>
+          <a:stretch/>
+        </p:blipFill>
+        <p:spPr bwMode="auto">
+          <a:xfrm>
+            <a:off x="182666" y="4196774"/>
+            <a:ext cx="3735297" cy="2461258"/>
+          </a:xfrm>
+          <a:prstGeom prst="rect">
+            <a:avLst/>
+          </a:prstGeom>
+          <a:noFill/>
+          <a:ln>
+            <a:noFill/>
+          </a:ln>
+          <a:effectLst/>
+          <a:extLst>
+            <a:ext uri="{909E8E84-426E-40DD-AFC4-6F175D3DCCD1}">
+              <a14:hiddenFill xmlns:a14="http://schemas.microsoft.com/office/drawing/2010/main">
+                <a:solidFill>
+                  <a:schemeClr val="accent1"/>
+                </a:solidFill>
+              </a14:hiddenFill>
+            </a:ext>
+            <a:ext uri="{91240B29-F687-4F45-9708-019B960494DF}">
+              <a14:hiddenLine xmlns:a14="http://schemas.microsoft.com/office/drawing/2010/main" w="9525">
+                <a:solidFill>
+                  <a:schemeClr val="tx1"/>
+                </a:solidFill>
+                <a:miter lim="800000"/>
+                <a:headEnd/>
+                <a:tailEnd/>
+              </a14:hiddenLine>
+            </a:ext>
+            <a:ext uri="{AF507438-7753-43E0-B8FC-AC1667EBCBE1}">
+              <a14:hiddenEffects xmlns:a14="http://schemas.microsoft.com/office/drawing/2010/main">
+                <a:effectLst>
+                  <a:outerShdw dist="35921" dir="2700000" algn="ctr" rotWithShape="0">
+                    <a:schemeClr val="bg2"/>
+                  </a:outerShdw>
+                </a:effectLst>
+              </a14:hiddenEffects>
+            </a:ext>
+          </a:extLst>
+        </p:spPr>
+      </p:pic>
+      <p:pic>
+        <p:nvPicPr>
+          <p:cNvPr id="1028" name="Picture 4"/>
+          <p:cNvPicPr>
+            <a:picLocks noChangeAspect="1" noChangeArrowheads="1"/>
+          </p:cNvPicPr>
+          <p:nvPr/>
+        </p:nvPicPr>
+        <p:blipFill>
+          <a:blip r:embed="rId4">
+            <a:extLst>
+              <a:ext uri="{28A0092B-C50C-407E-A947-70E740481C1C}">
+                <a14:useLocalDpi xmlns:a14="http://schemas.microsoft.com/office/drawing/2010/main" val="0"/>
+              </a:ext>
+            </a:extLst>
+          </a:blip>
+          <a:srcRect/>
+          <a:stretch>
+            <a:fillRect/>
+          </a:stretch>
+        </p:blipFill>
+        <p:spPr bwMode="auto">
+          <a:xfrm>
+            <a:off x="6300192" y="2312150"/>
+            <a:ext cx="2378873" cy="3053730"/>
+          </a:xfrm>
+          <a:prstGeom prst="rect">
+            <a:avLst/>
+          </a:prstGeom>
+          <a:noFill/>
+          <a:ln>
+            <a:noFill/>
+          </a:ln>
+          <a:effectLst/>
+          <a:extLst>
+            <a:ext uri="{909E8E84-426E-40DD-AFC4-6F175D3DCCD1}">
+              <a14:hiddenFill xmlns:a14="http://schemas.microsoft.com/office/drawing/2010/main">
+                <a:solidFill>
+                  <a:schemeClr val="accent1"/>
+                </a:solidFill>
+              </a14:hiddenFill>
+            </a:ext>
+            <a:ext uri="{91240B29-F687-4F45-9708-019B960494DF}">
+              <a14:hiddenLine xmlns:a14="http://schemas.microsoft.com/office/drawing/2010/main" w="9525">
+                <a:solidFill>
+                  <a:schemeClr val="tx1"/>
+                </a:solidFill>
+                <a:miter lim="800000"/>
+                <a:headEnd/>
+                <a:tailEnd/>
+              </a14:hiddenLine>
+            </a:ext>
+            <a:ext uri="{AF507438-7753-43E0-B8FC-AC1667EBCBE1}">
+              <a14:hiddenEffects xmlns:a14="http://schemas.microsoft.com/office/drawing/2010/main">
+                <a:effectLst>
+                  <a:outerShdw dist="35921" dir="2700000" algn="ctr" rotWithShape="0">
+                    <a:schemeClr val="bg2"/>
+                  </a:outerShdw>
+                </a:effectLst>
+              </a14:hiddenEffects>
+            </a:ext>
+          </a:extLst>
+        </p:spPr>
+      </p:pic>
+      <p:cxnSp>
+        <p:nvCxnSpPr>
+          <p:cNvPr id="7" name="Conector reto 6"/>
+          <p:cNvCxnSpPr/>
+          <p:nvPr/>
+        </p:nvCxnSpPr>
+        <p:spPr>
+          <a:xfrm>
+            <a:off x="6433129" y="5085184"/>
+            <a:ext cx="0" cy="504056"/>
+          </a:xfrm>
+          <a:prstGeom prst="line">
+            <a:avLst/>
+          </a:prstGeom>
+          <a:ln>
+            <a:solidFill>
+              <a:srgbClr val="FFFF00"/>
+            </a:solidFill>
+          </a:ln>
+        </p:spPr>
+        <p:style>
+          <a:lnRef idx="1">
+            <a:schemeClr val="accent1"/>
+          </a:lnRef>
+          <a:fillRef idx="0">
+            <a:schemeClr val="accent1"/>
+          </a:fillRef>
+          <a:effectRef idx="0">
+            <a:schemeClr val="accent1"/>
+          </a:effectRef>
+          <a:fontRef idx="minor">
+            <a:schemeClr val="tx1"/>
+          </a:fontRef>
+        </p:style>
+      </p:cxnSp>
+      <p:sp>
+        <p:nvSpPr>
+          <p:cNvPr id="9" name="CaixaDeTexto 8"/>
+          <p:cNvSpPr txBox="1"/>
+          <p:nvPr/>
+        </p:nvSpPr>
+        <p:spPr>
+          <a:xfrm>
+            <a:off x="6433129" y="5589240"/>
+            <a:ext cx="2376264" cy="923330"/>
+          </a:xfrm>
+          <a:prstGeom prst="rect">
+            <a:avLst/>
+          </a:prstGeom>
+          <a:noFill/>
+          <a:ln>
+            <a:solidFill>
+              <a:srgbClr val="FFFF00"/>
+            </a:solidFill>
+          </a:ln>
+        </p:spPr>
+        <p:txBody>
+          <a:bodyPr wrap="square" rtlCol="0">
+            <a:spAutoFit/>
+          </a:bodyPr>
+          <a:lstStyle/>
+          <a:p>
+            <a:r>
+              <a:rPr lang="pt-BR" dirty="0" smtClean="0">
+                <a:solidFill>
+                  <a:srgbClr val="FFFF00"/>
+                </a:solidFill>
+              </a:rPr>
+              <a:t>Div com padrão de vidro para a imagem de fundo ser visível.</a:t>
+            </a:r>
+            <a:endParaRPr lang="pt-BR" dirty="0">
+              <a:solidFill>
+                <a:srgbClr val="FFFF00"/>
+              </a:solidFill>
+            </a:endParaRPr>
+          </a:p>
+        </p:txBody>
+      </p:sp>
+      <p:sp>
+        <p:nvSpPr>
+          <p:cNvPr id="13" name="CaixaDeTexto 12"/>
+          <p:cNvSpPr txBox="1"/>
+          <p:nvPr/>
+        </p:nvSpPr>
+        <p:spPr>
+          <a:xfrm>
+            <a:off x="4115421" y="4623519"/>
+            <a:ext cx="1608707" cy="1200329"/>
+          </a:xfrm>
+          <a:prstGeom prst="rect">
+            <a:avLst/>
+          </a:prstGeom>
+          <a:noFill/>
+          <a:ln>
+            <a:solidFill>
+              <a:srgbClr val="FFFF00"/>
+            </a:solidFill>
+          </a:ln>
+        </p:spPr>
+        <p:txBody>
+          <a:bodyPr wrap="square" rtlCol="0">
+            <a:spAutoFit/>
+          </a:bodyPr>
+          <a:lstStyle/>
+          <a:p>
+            <a:r>
+              <a:rPr lang="pt-BR" dirty="0" smtClean="0">
+                <a:solidFill>
+                  <a:srgbClr val="FFFF00"/>
+                </a:solidFill>
+              </a:rPr>
+              <a:t>Páginas com músicas personalizadas e diferentes </a:t>
+            </a:r>
+            <a:endParaRPr lang="pt-BR" dirty="0">
+              <a:solidFill>
+                <a:srgbClr val="FFFF00"/>
+              </a:solidFill>
+            </a:endParaRPr>
+          </a:p>
+        </p:txBody>
+      </p:sp>
+      <p:cxnSp>
+        <p:nvCxnSpPr>
+          <p:cNvPr id="15" name="Conector reto 14"/>
+          <p:cNvCxnSpPr/>
+          <p:nvPr/>
+        </p:nvCxnSpPr>
+        <p:spPr>
+          <a:xfrm>
+            <a:off x="3707904" y="6512570"/>
+            <a:ext cx="435027" cy="0"/>
+          </a:xfrm>
+          <a:prstGeom prst="line">
+            <a:avLst/>
+          </a:prstGeom>
+          <a:ln>
+            <a:solidFill>
+              <a:srgbClr val="FFFF00"/>
+            </a:solidFill>
+          </a:ln>
+        </p:spPr>
+        <p:style>
+          <a:lnRef idx="1">
+            <a:schemeClr val="accent1"/>
+          </a:lnRef>
+          <a:fillRef idx="0">
+            <a:schemeClr val="accent1"/>
+          </a:fillRef>
+          <a:effectRef idx="0">
+            <a:schemeClr val="accent1"/>
+          </a:effectRef>
+          <a:fontRef idx="minor">
+            <a:schemeClr val="tx1"/>
+          </a:fontRef>
+        </p:style>
+      </p:cxnSp>
+      <p:cxnSp>
+        <p:nvCxnSpPr>
+          <p:cNvPr id="22" name="Conector reto 21"/>
+          <p:cNvCxnSpPr>
+            <a:stCxn id="13" idx="1"/>
+          </p:cNvCxnSpPr>
+          <p:nvPr/>
+        </p:nvCxnSpPr>
+        <p:spPr>
+          <a:xfrm>
+            <a:off x="4115421" y="5223684"/>
+            <a:ext cx="13755" cy="1288886"/>
+          </a:xfrm>
+          <a:prstGeom prst="line">
+            <a:avLst/>
+          </a:prstGeom>
+          <a:ln>
+            <a:solidFill>
+              <a:srgbClr val="FFFF00"/>
+            </a:solidFill>
+          </a:ln>
+        </p:spPr>
+        <p:style>
+          <a:lnRef idx="1">
+            <a:schemeClr val="accent1"/>
+          </a:lnRef>
+          <a:fillRef idx="0">
+            <a:schemeClr val="accent1"/>
+          </a:fillRef>
+          <a:effectRef idx="0">
+            <a:schemeClr val="accent1"/>
+          </a:effectRef>
+          <a:fontRef idx="minor">
+            <a:schemeClr val="tx1"/>
+          </a:fontRef>
+        </p:style>
+      </p:cxnSp>
+      <p:pic>
+        <p:nvPicPr>
+          <p:cNvPr id="1030" name="Picture 6"/>
+          <p:cNvPicPr>
+            <a:picLocks noChangeAspect="1" noChangeArrowheads="1"/>
+          </p:cNvPicPr>
+          <p:nvPr/>
+        </p:nvPicPr>
+        <p:blipFill>
+          <a:blip r:embed="rId5">
+            <a:extLst>
+              <a:ext uri="{28A0092B-C50C-407E-A947-70E740481C1C}">
+                <a14:useLocalDpi xmlns:a14="http://schemas.microsoft.com/office/drawing/2010/main" val="0"/>
+              </a:ext>
+            </a:extLst>
+          </a:blip>
+          <a:srcRect/>
+          <a:stretch>
+            <a:fillRect/>
+          </a:stretch>
+        </p:blipFill>
+        <p:spPr bwMode="auto">
+          <a:xfrm>
+            <a:off x="7109936" y="404664"/>
+            <a:ext cx="1625858" cy="476755"/>
+          </a:xfrm>
+          <a:prstGeom prst="rect">
+            <a:avLst/>
+          </a:prstGeom>
+          <a:noFill/>
+          <a:ln>
+            <a:noFill/>
+          </a:ln>
+          <a:effectLst/>
+          <a:extLst>
+            <a:ext uri="{909E8E84-426E-40DD-AFC4-6F175D3DCCD1}">
+              <a14:hiddenFill xmlns:a14="http://schemas.microsoft.com/office/drawing/2010/main">
+                <a:solidFill>
+                  <a:schemeClr val="accent1"/>
+                </a:solidFill>
+              </a14:hiddenFill>
+            </a:ext>
+            <a:ext uri="{91240B29-F687-4F45-9708-019B960494DF}">
+              <a14:hiddenLine xmlns:a14="http://schemas.microsoft.com/office/drawing/2010/main" w="9525">
+                <a:solidFill>
+                  <a:schemeClr val="tx1"/>
+                </a:solidFill>
+                <a:miter lim="800000"/>
+                <a:headEnd/>
+                <a:tailEnd/>
+              </a14:hiddenLine>
+            </a:ext>
+            <a:ext uri="{AF507438-7753-43E0-B8FC-AC1667EBCBE1}">
+              <a14:hiddenEffects xmlns:a14="http://schemas.microsoft.com/office/drawing/2010/main">
+                <a:effectLst>
+                  <a:outerShdw dist="35921" dir="2700000" algn="ctr" rotWithShape="0">
+                    <a:schemeClr val="bg2"/>
+                  </a:outerShdw>
+                </a:effectLst>
+              </a14:hiddenEffects>
+            </a:ext>
+          </a:extLst>
+        </p:spPr>
+      </p:pic>
+      <p:cxnSp>
+        <p:nvCxnSpPr>
+          <p:cNvPr id="25" name="Conector reto 24"/>
+          <p:cNvCxnSpPr/>
+          <p:nvPr/>
+        </p:nvCxnSpPr>
+        <p:spPr>
+          <a:xfrm>
+            <a:off x="7308304" y="764704"/>
+            <a:ext cx="0" cy="648072"/>
+          </a:xfrm>
+          <a:prstGeom prst="line">
+            <a:avLst/>
+          </a:prstGeom>
+          <a:ln>
+            <a:solidFill>
+              <a:srgbClr val="FFFF00"/>
+            </a:solidFill>
+          </a:ln>
+        </p:spPr>
+        <p:style>
+          <a:lnRef idx="1">
+            <a:schemeClr val="accent1"/>
+          </a:lnRef>
+          <a:fillRef idx="0">
+            <a:schemeClr val="accent1"/>
+          </a:fillRef>
+          <a:effectRef idx="0">
+            <a:schemeClr val="accent1"/>
+          </a:effectRef>
+          <a:fontRef idx="minor">
+            <a:schemeClr val="tx1"/>
+          </a:fontRef>
+        </p:style>
+      </p:cxnSp>
+      <p:sp>
+        <p:nvSpPr>
+          <p:cNvPr id="28" name="CaixaDeTexto 27"/>
+          <p:cNvSpPr txBox="1"/>
+          <p:nvPr/>
+        </p:nvSpPr>
+        <p:spPr>
+          <a:xfrm>
+            <a:off x="6579754" y="1412776"/>
+            <a:ext cx="2099311" cy="646331"/>
+          </a:xfrm>
+          <a:prstGeom prst="rect">
+            <a:avLst/>
+          </a:prstGeom>
+          <a:noFill/>
+          <a:ln>
+            <a:solidFill>
+              <a:srgbClr val="FFFF00"/>
+            </a:solidFill>
+          </a:ln>
+        </p:spPr>
+        <p:txBody>
+          <a:bodyPr wrap="square" rtlCol="0">
+            <a:spAutoFit/>
+          </a:bodyPr>
+          <a:lstStyle/>
+          <a:p>
+            <a:r>
+              <a:rPr lang="pt-BR" dirty="0" smtClean="0">
+                <a:solidFill>
+                  <a:srgbClr val="FFFF00"/>
+                </a:solidFill>
+              </a:rPr>
+              <a:t>Icon personalizado para as páginas</a:t>
+            </a:r>
+            <a:endParaRPr lang="pt-BR" dirty="0">
+              <a:solidFill>
+                <a:srgbClr val="FFFF00"/>
+              </a:solidFill>
+            </a:endParaRPr>
+          </a:p>
+        </p:txBody>
+      </p:sp>
+      <p:sp>
+        <p:nvSpPr>
+          <p:cNvPr id="29" name="CaixaDeTexto 28"/>
+          <p:cNvSpPr txBox="1"/>
+          <p:nvPr/>
+        </p:nvSpPr>
+        <p:spPr>
+          <a:xfrm>
+            <a:off x="4394008" y="408259"/>
+            <a:ext cx="1942728" cy="923330"/>
+          </a:xfrm>
+          <a:prstGeom prst="rect">
+            <a:avLst/>
+          </a:prstGeom>
+          <a:noFill/>
+          <a:ln>
+            <a:solidFill>
+              <a:srgbClr val="FFFF00"/>
+            </a:solidFill>
+          </a:ln>
+        </p:spPr>
+        <p:txBody>
+          <a:bodyPr wrap="square" rtlCol="0">
+            <a:spAutoFit/>
+          </a:bodyPr>
+          <a:lstStyle/>
+          <a:p>
+            <a:r>
+              <a:rPr lang="pt-BR" dirty="0" smtClean="0">
+                <a:solidFill>
+                  <a:srgbClr val="FFFF00"/>
+                </a:solidFill>
+              </a:rPr>
+              <a:t>Imagens seguindo padrão de preto e branco</a:t>
+            </a:r>
+            <a:endParaRPr lang="pt-BR" dirty="0">
+              <a:solidFill>
+                <a:srgbClr val="FFFF00"/>
+              </a:solidFill>
+            </a:endParaRPr>
+          </a:p>
+        </p:txBody>
+      </p:sp>
+      <p:cxnSp>
+        <p:nvCxnSpPr>
+          <p:cNvPr id="31" name="Conector reto 30"/>
+          <p:cNvCxnSpPr>
+            <a:stCxn id="29" idx="2"/>
+          </p:cNvCxnSpPr>
+          <p:nvPr/>
+        </p:nvCxnSpPr>
+        <p:spPr>
+          <a:xfrm>
+            <a:off x="5365372" y="1331589"/>
+            <a:ext cx="0" cy="914400"/>
+          </a:xfrm>
+          <a:prstGeom prst="line">
+            <a:avLst/>
+          </a:prstGeom>
+          <a:ln>
+            <a:solidFill>
+              <a:srgbClr val="FFFF00"/>
+            </a:solidFill>
+          </a:ln>
+        </p:spPr>
+        <p:style>
+          <a:lnRef idx="1">
+            <a:schemeClr val="accent1"/>
+          </a:lnRef>
+          <a:fillRef idx="0">
+            <a:schemeClr val="accent1"/>
+          </a:fillRef>
+          <a:effectRef idx="0">
+            <a:schemeClr val="accent1"/>
+          </a:effectRef>
+          <a:fontRef idx="minor">
+            <a:schemeClr val="tx1"/>
+          </a:fontRef>
+        </p:style>
+      </p:cxnSp>
+      <p:cxnSp>
+        <p:nvCxnSpPr>
+          <p:cNvPr id="38" name="Conector reto 37"/>
+          <p:cNvCxnSpPr/>
+          <p:nvPr/>
+        </p:nvCxnSpPr>
+        <p:spPr>
+          <a:xfrm flipH="1">
+            <a:off x="3347864" y="2245989"/>
+            <a:ext cx="2017508" cy="0"/>
+          </a:xfrm>
+          <a:prstGeom prst="line">
+            <a:avLst/>
+          </a:prstGeom>
+          <a:ln>
+            <a:solidFill>
+              <a:srgbClr val="FFFF00"/>
+            </a:solidFill>
+          </a:ln>
+        </p:spPr>
+        <p:style>
+          <a:lnRef idx="1">
+            <a:schemeClr val="accent1"/>
+          </a:lnRef>
+          <a:fillRef idx="0">
+            <a:schemeClr val="accent1"/>
+          </a:fillRef>
+          <a:effectRef idx="0">
+            <a:schemeClr val="accent1"/>
+          </a:effectRef>
+          <a:fontRef idx="minor">
+            <a:schemeClr val="tx1"/>
+          </a:fontRef>
+        </p:style>
+      </p:cxnSp>
+      <p:sp>
+        <p:nvSpPr>
+          <p:cNvPr id="1033" name="CaixaDeTexto 1032"/>
+          <p:cNvSpPr txBox="1"/>
+          <p:nvPr/>
+        </p:nvSpPr>
+        <p:spPr>
+          <a:xfrm>
+            <a:off x="1475656" y="3219611"/>
+            <a:ext cx="2016224" cy="646331"/>
+          </a:xfrm>
+          <a:prstGeom prst="rect">
+            <a:avLst/>
+          </a:prstGeom>
+          <a:noFill/>
+          <a:ln>
+            <a:solidFill>
+              <a:srgbClr val="FFFF00"/>
+            </a:solidFill>
+          </a:ln>
+        </p:spPr>
+        <p:txBody>
+          <a:bodyPr wrap="square" rtlCol="0">
+            <a:spAutoFit/>
+          </a:bodyPr>
+          <a:lstStyle/>
+          <a:p>
+            <a:r>
+              <a:rPr lang="pt-BR" dirty="0" smtClean="0">
+                <a:solidFill>
+                  <a:srgbClr val="FFFF00"/>
+                </a:solidFill>
+              </a:rPr>
+              <a:t>Botão com padrões visuais</a:t>
+            </a:r>
+            <a:endParaRPr lang="pt-BR" dirty="0">
+              <a:solidFill>
+                <a:srgbClr val="FFFF00"/>
+              </a:solidFill>
+            </a:endParaRPr>
+          </a:p>
+        </p:txBody>
+      </p:sp>
+      <p:cxnSp>
+        <p:nvCxnSpPr>
+          <p:cNvPr id="1035" name="Conector reto 1034"/>
+          <p:cNvCxnSpPr/>
+          <p:nvPr/>
+        </p:nvCxnSpPr>
+        <p:spPr>
+          <a:xfrm flipV="1">
+            <a:off x="323528" y="3542776"/>
+            <a:ext cx="0" cy="1884627"/>
+          </a:xfrm>
+          <a:prstGeom prst="line">
+            <a:avLst/>
+          </a:prstGeom>
+          <a:ln>
+            <a:solidFill>
+              <a:srgbClr val="FFFF00"/>
+            </a:solidFill>
+          </a:ln>
+        </p:spPr>
+        <p:style>
+          <a:lnRef idx="1">
+            <a:schemeClr val="accent1"/>
+          </a:lnRef>
+          <a:fillRef idx="0">
+            <a:schemeClr val="accent1"/>
+          </a:fillRef>
+          <a:effectRef idx="0">
+            <a:schemeClr val="accent1"/>
+          </a:effectRef>
+          <a:fontRef idx="minor">
+            <a:schemeClr val="tx1"/>
+          </a:fontRef>
+        </p:style>
+      </p:cxnSp>
+      <p:cxnSp>
+        <p:nvCxnSpPr>
+          <p:cNvPr id="1038" name="Conector reto 1037"/>
+          <p:cNvCxnSpPr>
+            <a:stCxn id="1033" idx="1"/>
+          </p:cNvCxnSpPr>
+          <p:nvPr/>
+        </p:nvCxnSpPr>
+        <p:spPr>
+          <a:xfrm flipH="1" flipV="1">
+            <a:off x="323528" y="3542776"/>
+            <a:ext cx="1152128" cy="1"/>
+          </a:xfrm>
+          <a:prstGeom prst="line">
+            <a:avLst/>
+          </a:prstGeom>
+          <a:ln>
+            <a:solidFill>
+              <a:srgbClr val="FFFF00"/>
+            </a:solidFill>
+          </a:ln>
+        </p:spPr>
+        <p:style>
+          <a:lnRef idx="1">
+            <a:schemeClr val="accent1"/>
+          </a:lnRef>
+          <a:fillRef idx="0">
+            <a:schemeClr val="accent1"/>
+          </a:fillRef>
+          <a:effectRef idx="0">
+            <a:schemeClr val="accent1"/>
+          </a:effectRef>
+          <a:fontRef idx="minor">
+            <a:schemeClr val="tx1"/>
+          </a:fontRef>
+        </p:style>
+      </p:cxnSp>
     </p:spTree>
     <p:extLst>
       <p:ext uri="{BB962C8B-B14F-4D97-AF65-F5344CB8AC3E}">
@@ -5260,6 +6235,22 @@
             </a:lvl9pPr>
           </a:lstStyle>
           <a:p>
+            <a:r>
+              <a:rPr lang="pt-BR" dirty="0" smtClean="0">
+                <a:solidFill>
+                  <a:srgbClr val="FFFF00"/>
+                </a:solidFill>
+              </a:rPr>
+              <a:t>Enzo </a:t>
+            </a:r>
+            <a:r>
+              <a:rPr lang="pt-BR" dirty="0" err="1" smtClean="0">
+                <a:solidFill>
+                  <a:srgbClr val="FFFF00"/>
+                </a:solidFill>
+              </a:rPr>
+              <a:t>Fabrizio</a:t>
+            </a:r>
             <a:endParaRPr lang="pt-BR" dirty="0">
               <a:solidFill>
                 <a:srgbClr val="FFFF00"/>

--- a/Apresentação BRANDS.pptx
+++ b/Apresentação BRANDS.pptx
@@ -1,18 +1,17 @@
 
 <file path=ppt/presentation.xml><?xml version="1.0" encoding="utf-8"?>
-<p:presentation xmlns:a="http://schemas.openxmlformats.org/drawingml/2006/main" xmlns:r="http://schemas.openxmlformats.org/officeDocument/2006/relationships" xmlns:p="http://schemas.openxmlformats.org/presentationml/2006/main" saveSubsetFonts="1">
+<p:presentation xmlns:a="http://schemas.openxmlformats.org/drawingml/2006/main" xmlns:r="http://schemas.openxmlformats.org/officeDocument/2006/relationships" xmlns:p="http://schemas.openxmlformats.org/presentationml/2006/main">
   <p:sldMasterIdLst>
     <p:sldMasterId id="2147483648" r:id="rId1"/>
   </p:sldMasterIdLst>
   <p:sldIdLst>
-    <p:sldId id="256" r:id="rId2"/>
-    <p:sldId id="265" r:id="rId3"/>
-    <p:sldId id="257" r:id="rId4"/>
-    <p:sldId id="258" r:id="rId5"/>
-    <p:sldId id="259" r:id="rId6"/>
-    <p:sldId id="260" r:id="rId7"/>
-    <p:sldId id="261" r:id="rId8"/>
-    <p:sldId id="262" r:id="rId9"/>
+    <p:sldId id="256" r:id="rId3"/>
+    <p:sldId id="265" r:id="rId4"/>
+    <p:sldId id="257" r:id="rId5"/>
+    <p:sldId id="258" r:id="rId6"/>
+    <p:sldId id="259" r:id="rId7"/>
+    <p:sldId id="260" r:id="rId8"/>
+    <p:sldId id="261" r:id="rId9"/>
     <p:sldId id="263" r:id="rId10"/>
     <p:sldId id="264" r:id="rId11"/>
   </p:sldIdLst>
@@ -113,22 +112,6 @@
       </a:defRPr>
     </a:lvl9pPr>
   </p:defaultTextStyle>
-  <p:extLst>
-    <p:ext uri="{EFAFB233-063F-42B5-8137-9DF3F51BA10A}">
-      <p15:sldGuideLst xmlns:p15="http://schemas.microsoft.com/office/powerpoint/2012/main" xmlns="">
-        <p15:guide id="1" orient="horz" pos="2160">
-          <p15:clr>
-            <a:srgbClr val="A4A3A4"/>
-          </p15:clr>
-        </p15:guide>
-        <p15:guide id="2" pos="2880">
-          <p15:clr>
-            <a:srgbClr val="A4A3A4"/>
-          </p15:clr>
-        </p15:guide>
-      </p15:sldGuideLst>
-    </p:ext>
-  </p:extLst>
 </p:presentation>
 </file>
 
@@ -184,7 +167,7 @@
             <a:spLocks noGrp="1"/>
           </p:cNvSpPr>
           <p:nvPr>
-            <p:ph type="subTitle" idx="1"/>
+            <p:ph type="subTitle" idx="1" hasCustomPrompt="1"/>
           </p:nvPr>
         </p:nvSpPr>
         <p:spPr>
@@ -313,7 +296,6 @@
           <a:p>
             <a:fld id="{95BBD40D-64F4-43C2-9DCA-3F560C3E93DC}" type="datetimeFigureOut">
               <a:rPr lang="pt-BR" smtClean="0"/>
-              <a:t>01/12/2021</a:t>
             </a:fld>
             <a:endParaRPr lang="pt-BR"/>
           </a:p>
@@ -355,18 +337,12 @@
           <a:p>
             <a:fld id="{A7A12A9B-DC6B-4222-9378-81E1C4CADAC0}" type="slidenum">
               <a:rPr lang="pt-BR" smtClean="0"/>
-              <a:t>‹nº›</a:t>
             </a:fld>
             <a:endParaRPr lang="pt-BR"/>
           </a:p>
         </p:txBody>
       </p:sp>
     </p:spTree>
-    <p:extLst>
-      <p:ext uri="{BB962C8B-B14F-4D97-AF65-F5344CB8AC3E}">
-        <p14:creationId xmlns:p14="http://schemas.microsoft.com/office/powerpoint/2010/main" val="142293033"/>
-      </p:ext>
-    </p:extLst>
   </p:cSld>
   <p:clrMapOvr>
     <a:masterClrMapping/>
@@ -421,7 +397,7 @@
             <a:spLocks noGrp="1"/>
           </p:cNvSpPr>
           <p:nvPr>
-            <p:ph type="body" orient="vert" idx="1"/>
+            <p:ph type="body" orient="vert" idx="1" hasCustomPrompt="1"/>
           </p:nvPr>
         </p:nvSpPr>
         <p:spPr/>
@@ -434,6 +410,7 @@
               <a:rPr lang="pt-BR" smtClean="0"/>
               <a:t>Clique para editar o texto mestre</a:t>
             </a:r>
+            <a:endParaRPr lang="pt-BR" smtClean="0"/>
           </a:p>
           <a:p>
             <a:pPr lvl="1"/>
@@ -441,6 +418,7 @@
               <a:rPr lang="pt-BR" smtClean="0"/>
               <a:t>Segundo nível</a:t>
             </a:r>
+            <a:endParaRPr lang="pt-BR" smtClean="0"/>
           </a:p>
           <a:p>
             <a:pPr lvl="2"/>
@@ -448,6 +426,7 @@
               <a:rPr lang="pt-BR" smtClean="0"/>
               <a:t>Terceiro nível</a:t>
             </a:r>
+            <a:endParaRPr lang="pt-BR" smtClean="0"/>
           </a:p>
           <a:p>
             <a:pPr lvl="3"/>
@@ -455,6 +434,7 @@
               <a:rPr lang="pt-BR" smtClean="0"/>
               <a:t>Quarto nível</a:t>
             </a:r>
+            <a:endParaRPr lang="pt-BR" smtClean="0"/>
           </a:p>
           <a:p>
             <a:pPr lvl="4"/>
@@ -483,7 +463,6 @@
           <a:p>
             <a:fld id="{95BBD40D-64F4-43C2-9DCA-3F560C3E93DC}" type="datetimeFigureOut">
               <a:rPr lang="pt-BR" smtClean="0"/>
-              <a:t>01/12/2021</a:t>
             </a:fld>
             <a:endParaRPr lang="pt-BR"/>
           </a:p>
@@ -525,18 +504,12 @@
           <a:p>
             <a:fld id="{A7A12A9B-DC6B-4222-9378-81E1C4CADAC0}" type="slidenum">
               <a:rPr lang="pt-BR" smtClean="0"/>
-              <a:t>‹nº›</a:t>
             </a:fld>
             <a:endParaRPr lang="pt-BR"/>
           </a:p>
         </p:txBody>
       </p:sp>
     </p:spTree>
-    <p:extLst>
-      <p:ext uri="{BB962C8B-B14F-4D97-AF65-F5344CB8AC3E}">
-        <p14:creationId xmlns:p14="http://schemas.microsoft.com/office/powerpoint/2010/main" val="137422355"/>
-      </p:ext>
-    </p:extLst>
   </p:cSld>
   <p:clrMapOvr>
     <a:masterClrMapping/>
@@ -596,7 +569,7 @@
             <a:spLocks noGrp="1"/>
           </p:cNvSpPr>
           <p:nvPr>
-            <p:ph type="body" orient="vert" idx="1"/>
+            <p:ph type="body" orient="vert" idx="1" hasCustomPrompt="1"/>
           </p:nvPr>
         </p:nvSpPr>
         <p:spPr>
@@ -614,6 +587,7 @@
               <a:rPr lang="pt-BR" smtClean="0"/>
               <a:t>Clique para editar o texto mestre</a:t>
             </a:r>
+            <a:endParaRPr lang="pt-BR" smtClean="0"/>
           </a:p>
           <a:p>
             <a:pPr lvl="1"/>
@@ -621,6 +595,7 @@
               <a:rPr lang="pt-BR" smtClean="0"/>
               <a:t>Segundo nível</a:t>
             </a:r>
+            <a:endParaRPr lang="pt-BR" smtClean="0"/>
           </a:p>
           <a:p>
             <a:pPr lvl="2"/>
@@ -628,6 +603,7 @@
               <a:rPr lang="pt-BR" smtClean="0"/>
               <a:t>Terceiro nível</a:t>
             </a:r>
+            <a:endParaRPr lang="pt-BR" smtClean="0"/>
           </a:p>
           <a:p>
             <a:pPr lvl="3"/>
@@ -635,6 +611,7 @@
               <a:rPr lang="pt-BR" smtClean="0"/>
               <a:t>Quarto nível</a:t>
             </a:r>
+            <a:endParaRPr lang="pt-BR" smtClean="0"/>
           </a:p>
           <a:p>
             <a:pPr lvl="4"/>
@@ -663,7 +640,6 @@
           <a:p>
             <a:fld id="{95BBD40D-64F4-43C2-9DCA-3F560C3E93DC}" type="datetimeFigureOut">
               <a:rPr lang="pt-BR" smtClean="0"/>
-              <a:t>01/12/2021</a:t>
             </a:fld>
             <a:endParaRPr lang="pt-BR"/>
           </a:p>
@@ -705,18 +681,12 @@
           <a:p>
             <a:fld id="{A7A12A9B-DC6B-4222-9378-81E1C4CADAC0}" type="slidenum">
               <a:rPr lang="pt-BR" smtClean="0"/>
-              <a:t>‹nº›</a:t>
             </a:fld>
             <a:endParaRPr lang="pt-BR"/>
           </a:p>
         </p:txBody>
       </p:sp>
     </p:spTree>
-    <p:extLst>
-      <p:ext uri="{BB962C8B-B14F-4D97-AF65-F5344CB8AC3E}">
-        <p14:creationId xmlns:p14="http://schemas.microsoft.com/office/powerpoint/2010/main" val="3804299004"/>
-      </p:ext>
-    </p:extLst>
   </p:cSld>
   <p:clrMapOvr>
     <a:masterClrMapping/>
@@ -771,7 +741,7 @@
             <a:spLocks noGrp="1"/>
           </p:cNvSpPr>
           <p:nvPr>
-            <p:ph idx="1"/>
+            <p:ph idx="1" hasCustomPrompt="1"/>
           </p:nvPr>
         </p:nvSpPr>
         <p:spPr/>
@@ -784,6 +754,7 @@
               <a:rPr lang="pt-BR" smtClean="0"/>
               <a:t>Clique para editar o texto mestre</a:t>
             </a:r>
+            <a:endParaRPr lang="pt-BR" smtClean="0"/>
           </a:p>
           <a:p>
             <a:pPr lvl="1"/>
@@ -791,6 +762,7 @@
               <a:rPr lang="pt-BR" smtClean="0"/>
               <a:t>Segundo nível</a:t>
             </a:r>
+            <a:endParaRPr lang="pt-BR" smtClean="0"/>
           </a:p>
           <a:p>
             <a:pPr lvl="2"/>
@@ -798,6 +770,7 @@
               <a:rPr lang="pt-BR" smtClean="0"/>
               <a:t>Terceiro nível</a:t>
             </a:r>
+            <a:endParaRPr lang="pt-BR" smtClean="0"/>
           </a:p>
           <a:p>
             <a:pPr lvl="3"/>
@@ -805,6 +778,7 @@
               <a:rPr lang="pt-BR" smtClean="0"/>
               <a:t>Quarto nível</a:t>
             </a:r>
+            <a:endParaRPr lang="pt-BR" smtClean="0"/>
           </a:p>
           <a:p>
             <a:pPr lvl="4"/>
@@ -833,7 +807,6 @@
           <a:p>
             <a:fld id="{95BBD40D-64F4-43C2-9DCA-3F560C3E93DC}" type="datetimeFigureOut">
               <a:rPr lang="pt-BR" smtClean="0"/>
-              <a:t>01/12/2021</a:t>
             </a:fld>
             <a:endParaRPr lang="pt-BR"/>
           </a:p>
@@ -875,18 +848,12 @@
           <a:p>
             <a:fld id="{A7A12A9B-DC6B-4222-9378-81E1C4CADAC0}" type="slidenum">
               <a:rPr lang="pt-BR" smtClean="0"/>
-              <a:t>‹nº›</a:t>
             </a:fld>
             <a:endParaRPr lang="pt-BR"/>
           </a:p>
         </p:txBody>
       </p:sp>
     </p:spTree>
-    <p:extLst>
-      <p:ext uri="{BB962C8B-B14F-4D97-AF65-F5344CB8AC3E}">
-        <p14:creationId xmlns:p14="http://schemas.microsoft.com/office/powerpoint/2010/main" val="628611772"/>
-      </p:ext>
-    </p:extLst>
   </p:cSld>
   <p:clrMapOvr>
     <a:masterClrMapping/>
@@ -950,7 +917,7 @@
             <a:spLocks noGrp="1"/>
           </p:cNvSpPr>
           <p:nvPr>
-            <p:ph type="body" idx="1"/>
+            <p:ph type="body" idx="1" hasCustomPrompt="1"/>
           </p:nvPr>
         </p:nvSpPr>
         <p:spPr>
@@ -1059,6 +1026,7 @@
               <a:rPr lang="pt-BR" smtClean="0"/>
               <a:t>Clique para editar o texto mestre</a:t>
             </a:r>
+            <a:endParaRPr lang="pt-BR" smtClean="0"/>
           </a:p>
         </p:txBody>
       </p:sp>
@@ -1079,7 +1047,6 @@
           <a:p>
             <a:fld id="{95BBD40D-64F4-43C2-9DCA-3F560C3E93DC}" type="datetimeFigureOut">
               <a:rPr lang="pt-BR" smtClean="0"/>
-              <a:t>01/12/2021</a:t>
             </a:fld>
             <a:endParaRPr lang="pt-BR"/>
           </a:p>
@@ -1121,18 +1088,12 @@
           <a:p>
             <a:fld id="{A7A12A9B-DC6B-4222-9378-81E1C4CADAC0}" type="slidenum">
               <a:rPr lang="pt-BR" smtClean="0"/>
-              <a:t>‹nº›</a:t>
             </a:fld>
             <a:endParaRPr lang="pt-BR"/>
           </a:p>
         </p:txBody>
       </p:sp>
     </p:spTree>
-    <p:extLst>
-      <p:ext uri="{BB962C8B-B14F-4D97-AF65-F5344CB8AC3E}">
-        <p14:creationId xmlns:p14="http://schemas.microsoft.com/office/powerpoint/2010/main" val="2496886028"/>
-      </p:ext>
-    </p:extLst>
   </p:cSld>
   <p:clrMapOvr>
     <a:masterClrMapping/>
@@ -1187,7 +1148,7 @@
             <a:spLocks noGrp="1"/>
           </p:cNvSpPr>
           <p:nvPr>
-            <p:ph sz="half" idx="1"/>
+            <p:ph sz="half" idx="1" hasCustomPrompt="1"/>
           </p:nvPr>
         </p:nvSpPr>
         <p:spPr>
@@ -1233,6 +1194,7 @@
               <a:rPr lang="pt-BR" smtClean="0"/>
               <a:t>Clique para editar o texto mestre</a:t>
             </a:r>
+            <a:endParaRPr lang="pt-BR" smtClean="0"/>
           </a:p>
           <a:p>
             <a:pPr lvl="1"/>
@@ -1240,6 +1202,7 @@
               <a:rPr lang="pt-BR" smtClean="0"/>
               <a:t>Segundo nível</a:t>
             </a:r>
+            <a:endParaRPr lang="pt-BR" smtClean="0"/>
           </a:p>
           <a:p>
             <a:pPr lvl="2"/>
@@ -1247,6 +1210,7 @@
               <a:rPr lang="pt-BR" smtClean="0"/>
               <a:t>Terceiro nível</a:t>
             </a:r>
+            <a:endParaRPr lang="pt-BR" smtClean="0"/>
           </a:p>
           <a:p>
             <a:pPr lvl="3"/>
@@ -1254,6 +1218,7 @@
               <a:rPr lang="pt-BR" smtClean="0"/>
               <a:t>Quarto nível</a:t>
             </a:r>
+            <a:endParaRPr lang="pt-BR" smtClean="0"/>
           </a:p>
           <a:p>
             <a:pPr lvl="4"/>
@@ -1272,7 +1237,7 @@
             <a:spLocks noGrp="1"/>
           </p:cNvSpPr>
           <p:nvPr>
-            <p:ph sz="half" idx="2"/>
+            <p:ph sz="half" idx="2" hasCustomPrompt="1"/>
           </p:nvPr>
         </p:nvSpPr>
         <p:spPr>
@@ -1318,6 +1283,7 @@
               <a:rPr lang="pt-BR" smtClean="0"/>
               <a:t>Clique para editar o texto mestre</a:t>
             </a:r>
+            <a:endParaRPr lang="pt-BR" smtClean="0"/>
           </a:p>
           <a:p>
             <a:pPr lvl="1"/>
@@ -1325,6 +1291,7 @@
               <a:rPr lang="pt-BR" smtClean="0"/>
               <a:t>Segundo nível</a:t>
             </a:r>
+            <a:endParaRPr lang="pt-BR" smtClean="0"/>
           </a:p>
           <a:p>
             <a:pPr lvl="2"/>
@@ -1332,6 +1299,7 @@
               <a:rPr lang="pt-BR" smtClean="0"/>
               <a:t>Terceiro nível</a:t>
             </a:r>
+            <a:endParaRPr lang="pt-BR" smtClean="0"/>
           </a:p>
           <a:p>
             <a:pPr lvl="3"/>
@@ -1339,6 +1307,7 @@
               <a:rPr lang="pt-BR" smtClean="0"/>
               <a:t>Quarto nível</a:t>
             </a:r>
+            <a:endParaRPr lang="pt-BR" smtClean="0"/>
           </a:p>
           <a:p>
             <a:pPr lvl="4"/>
@@ -1367,7 +1336,6 @@
           <a:p>
             <a:fld id="{95BBD40D-64F4-43C2-9DCA-3F560C3E93DC}" type="datetimeFigureOut">
               <a:rPr lang="pt-BR" smtClean="0"/>
-              <a:t>01/12/2021</a:t>
             </a:fld>
             <a:endParaRPr lang="pt-BR"/>
           </a:p>
@@ -1409,18 +1377,12 @@
           <a:p>
             <a:fld id="{A7A12A9B-DC6B-4222-9378-81E1C4CADAC0}" type="slidenum">
               <a:rPr lang="pt-BR" smtClean="0"/>
-              <a:t>‹nº›</a:t>
             </a:fld>
             <a:endParaRPr lang="pt-BR"/>
           </a:p>
         </p:txBody>
       </p:sp>
     </p:spTree>
-    <p:extLst>
-      <p:ext uri="{BB962C8B-B14F-4D97-AF65-F5344CB8AC3E}">
-        <p14:creationId xmlns:p14="http://schemas.microsoft.com/office/powerpoint/2010/main" val="2507236330"/>
-      </p:ext>
-    </p:extLst>
   </p:cSld>
   <p:clrMapOvr>
     <a:masterClrMapping/>
@@ -1479,7 +1441,7 @@
             <a:spLocks noGrp="1"/>
           </p:cNvSpPr>
           <p:nvPr>
-            <p:ph type="body" idx="1"/>
+            <p:ph type="body" idx="1" hasCustomPrompt="1"/>
           </p:nvPr>
         </p:nvSpPr>
         <p:spPr>
@@ -1534,6 +1496,7 @@
               <a:rPr lang="pt-BR" smtClean="0"/>
               <a:t>Clique para editar o texto mestre</a:t>
             </a:r>
+            <a:endParaRPr lang="pt-BR" smtClean="0"/>
           </a:p>
         </p:txBody>
       </p:sp>
@@ -1544,7 +1507,7 @@
             <a:spLocks noGrp="1"/>
           </p:cNvSpPr>
           <p:nvPr>
-            <p:ph sz="half" idx="2"/>
+            <p:ph sz="half" idx="2" hasCustomPrompt="1"/>
           </p:nvPr>
         </p:nvSpPr>
         <p:spPr>
@@ -1590,6 +1553,7 @@
               <a:rPr lang="pt-BR" smtClean="0"/>
               <a:t>Clique para editar o texto mestre</a:t>
             </a:r>
+            <a:endParaRPr lang="pt-BR" smtClean="0"/>
           </a:p>
           <a:p>
             <a:pPr lvl="1"/>
@@ -1597,6 +1561,7 @@
               <a:rPr lang="pt-BR" smtClean="0"/>
               <a:t>Segundo nível</a:t>
             </a:r>
+            <a:endParaRPr lang="pt-BR" smtClean="0"/>
           </a:p>
           <a:p>
             <a:pPr lvl="2"/>
@@ -1604,6 +1569,7 @@
               <a:rPr lang="pt-BR" smtClean="0"/>
               <a:t>Terceiro nível</a:t>
             </a:r>
+            <a:endParaRPr lang="pt-BR" smtClean="0"/>
           </a:p>
           <a:p>
             <a:pPr lvl="3"/>
@@ -1611,6 +1577,7 @@
               <a:rPr lang="pt-BR" smtClean="0"/>
               <a:t>Quarto nível</a:t>
             </a:r>
+            <a:endParaRPr lang="pt-BR" smtClean="0"/>
           </a:p>
           <a:p>
             <a:pPr lvl="4"/>
@@ -1629,7 +1596,7 @@
             <a:spLocks noGrp="1"/>
           </p:cNvSpPr>
           <p:nvPr>
-            <p:ph type="body" sz="quarter" idx="3"/>
+            <p:ph type="body" sz="quarter" idx="3" hasCustomPrompt="1"/>
           </p:nvPr>
         </p:nvSpPr>
         <p:spPr>
@@ -1684,6 +1651,7 @@
               <a:rPr lang="pt-BR" smtClean="0"/>
               <a:t>Clique para editar o texto mestre</a:t>
             </a:r>
+            <a:endParaRPr lang="pt-BR" smtClean="0"/>
           </a:p>
         </p:txBody>
       </p:sp>
@@ -1694,7 +1662,7 @@
             <a:spLocks noGrp="1"/>
           </p:cNvSpPr>
           <p:nvPr>
-            <p:ph sz="quarter" idx="4"/>
+            <p:ph sz="quarter" idx="4" hasCustomPrompt="1"/>
           </p:nvPr>
         </p:nvSpPr>
         <p:spPr>
@@ -1740,6 +1708,7 @@
               <a:rPr lang="pt-BR" smtClean="0"/>
               <a:t>Clique para editar o texto mestre</a:t>
             </a:r>
+            <a:endParaRPr lang="pt-BR" smtClean="0"/>
           </a:p>
           <a:p>
             <a:pPr lvl="1"/>
@@ -1747,6 +1716,7 @@
               <a:rPr lang="pt-BR" smtClean="0"/>
               <a:t>Segundo nível</a:t>
             </a:r>
+            <a:endParaRPr lang="pt-BR" smtClean="0"/>
           </a:p>
           <a:p>
             <a:pPr lvl="2"/>
@@ -1754,6 +1724,7 @@
               <a:rPr lang="pt-BR" smtClean="0"/>
               <a:t>Terceiro nível</a:t>
             </a:r>
+            <a:endParaRPr lang="pt-BR" smtClean="0"/>
           </a:p>
           <a:p>
             <a:pPr lvl="3"/>
@@ -1761,6 +1732,7 @@
               <a:rPr lang="pt-BR" smtClean="0"/>
               <a:t>Quarto nível</a:t>
             </a:r>
+            <a:endParaRPr lang="pt-BR" smtClean="0"/>
           </a:p>
           <a:p>
             <a:pPr lvl="4"/>
@@ -1789,7 +1761,6 @@
           <a:p>
             <a:fld id="{95BBD40D-64F4-43C2-9DCA-3F560C3E93DC}" type="datetimeFigureOut">
               <a:rPr lang="pt-BR" smtClean="0"/>
-              <a:t>01/12/2021</a:t>
             </a:fld>
             <a:endParaRPr lang="pt-BR"/>
           </a:p>
@@ -1831,18 +1802,12 @@
           <a:p>
             <a:fld id="{A7A12A9B-DC6B-4222-9378-81E1C4CADAC0}" type="slidenum">
               <a:rPr lang="pt-BR" smtClean="0"/>
-              <a:t>‹nº›</a:t>
             </a:fld>
             <a:endParaRPr lang="pt-BR"/>
           </a:p>
         </p:txBody>
       </p:sp>
     </p:spTree>
-    <p:extLst>
-      <p:ext uri="{BB962C8B-B14F-4D97-AF65-F5344CB8AC3E}">
-        <p14:creationId xmlns:p14="http://schemas.microsoft.com/office/powerpoint/2010/main" val="647397753"/>
-      </p:ext>
-    </p:extLst>
   </p:cSld>
   <p:clrMapOvr>
     <a:masterClrMapping/>
@@ -1907,7 +1872,6 @@
           <a:p>
             <a:fld id="{95BBD40D-64F4-43C2-9DCA-3F560C3E93DC}" type="datetimeFigureOut">
               <a:rPr lang="pt-BR" smtClean="0"/>
-              <a:t>01/12/2021</a:t>
             </a:fld>
             <a:endParaRPr lang="pt-BR"/>
           </a:p>
@@ -1949,18 +1913,12 @@
           <a:p>
             <a:fld id="{A7A12A9B-DC6B-4222-9378-81E1C4CADAC0}" type="slidenum">
               <a:rPr lang="pt-BR" smtClean="0"/>
-              <a:t>‹nº›</a:t>
             </a:fld>
             <a:endParaRPr lang="pt-BR"/>
           </a:p>
         </p:txBody>
       </p:sp>
     </p:spTree>
-    <p:extLst>
-      <p:ext uri="{BB962C8B-B14F-4D97-AF65-F5344CB8AC3E}">
-        <p14:creationId xmlns:p14="http://schemas.microsoft.com/office/powerpoint/2010/main" val="2109735018"/>
-      </p:ext>
-    </p:extLst>
   </p:cSld>
   <p:clrMapOvr>
     <a:masterClrMapping/>
@@ -2002,7 +1960,6 @@
           <a:p>
             <a:fld id="{95BBD40D-64F4-43C2-9DCA-3F560C3E93DC}" type="datetimeFigureOut">
               <a:rPr lang="pt-BR" smtClean="0"/>
-              <a:t>01/12/2021</a:t>
             </a:fld>
             <a:endParaRPr lang="pt-BR"/>
           </a:p>
@@ -2044,18 +2001,12 @@
           <a:p>
             <a:fld id="{A7A12A9B-DC6B-4222-9378-81E1C4CADAC0}" type="slidenum">
               <a:rPr lang="pt-BR" smtClean="0"/>
-              <a:t>‹nº›</a:t>
             </a:fld>
             <a:endParaRPr lang="pt-BR"/>
           </a:p>
         </p:txBody>
       </p:sp>
     </p:spTree>
-    <p:extLst>
-      <p:ext uri="{BB962C8B-B14F-4D97-AF65-F5344CB8AC3E}">
-        <p14:creationId xmlns:p14="http://schemas.microsoft.com/office/powerpoint/2010/main" val="2186641114"/>
-      </p:ext>
-    </p:extLst>
   </p:cSld>
   <p:clrMapOvr>
     <a:masterClrMapping/>
@@ -2119,7 +2070,7 @@
             <a:spLocks noGrp="1"/>
           </p:cNvSpPr>
           <p:nvPr>
-            <p:ph idx="1"/>
+            <p:ph idx="1" hasCustomPrompt="1"/>
           </p:nvPr>
         </p:nvSpPr>
         <p:spPr>
@@ -2165,6 +2116,7 @@
               <a:rPr lang="pt-BR" smtClean="0"/>
               <a:t>Clique para editar o texto mestre</a:t>
             </a:r>
+            <a:endParaRPr lang="pt-BR" smtClean="0"/>
           </a:p>
           <a:p>
             <a:pPr lvl="1"/>
@@ -2172,6 +2124,7 @@
               <a:rPr lang="pt-BR" smtClean="0"/>
               <a:t>Segundo nível</a:t>
             </a:r>
+            <a:endParaRPr lang="pt-BR" smtClean="0"/>
           </a:p>
           <a:p>
             <a:pPr lvl="2"/>
@@ -2179,6 +2132,7 @@
               <a:rPr lang="pt-BR" smtClean="0"/>
               <a:t>Terceiro nível</a:t>
             </a:r>
+            <a:endParaRPr lang="pt-BR" smtClean="0"/>
           </a:p>
           <a:p>
             <a:pPr lvl="3"/>
@@ -2186,6 +2140,7 @@
               <a:rPr lang="pt-BR" smtClean="0"/>
               <a:t>Quarto nível</a:t>
             </a:r>
+            <a:endParaRPr lang="pt-BR" smtClean="0"/>
           </a:p>
           <a:p>
             <a:pPr lvl="4"/>
@@ -2204,7 +2159,7 @@
             <a:spLocks noGrp="1"/>
           </p:cNvSpPr>
           <p:nvPr>
-            <p:ph type="body" sz="half" idx="2"/>
+            <p:ph type="body" sz="half" idx="2" hasCustomPrompt="1"/>
           </p:nvPr>
         </p:nvSpPr>
         <p:spPr>
@@ -2259,6 +2214,7 @@
               <a:rPr lang="pt-BR" smtClean="0"/>
               <a:t>Clique para editar o texto mestre</a:t>
             </a:r>
+            <a:endParaRPr lang="pt-BR" smtClean="0"/>
           </a:p>
         </p:txBody>
       </p:sp>
@@ -2279,7 +2235,6 @@
           <a:p>
             <a:fld id="{95BBD40D-64F4-43C2-9DCA-3F560C3E93DC}" type="datetimeFigureOut">
               <a:rPr lang="pt-BR" smtClean="0"/>
-              <a:t>01/12/2021</a:t>
             </a:fld>
             <a:endParaRPr lang="pt-BR"/>
           </a:p>
@@ -2321,18 +2276,12 @@
           <a:p>
             <a:fld id="{A7A12A9B-DC6B-4222-9378-81E1C4CADAC0}" type="slidenum">
               <a:rPr lang="pt-BR" smtClean="0"/>
-              <a:t>‹nº›</a:t>
             </a:fld>
             <a:endParaRPr lang="pt-BR"/>
           </a:p>
         </p:txBody>
       </p:sp>
     </p:spTree>
-    <p:extLst>
-      <p:ext uri="{BB962C8B-B14F-4D97-AF65-F5344CB8AC3E}">
-        <p14:creationId xmlns:p14="http://schemas.microsoft.com/office/powerpoint/2010/main" val="1996267878"/>
-      </p:ext>
-    </p:extLst>
   </p:cSld>
   <p:clrMapOvr>
     <a:masterClrMapping/>
@@ -2457,7 +2406,7 @@
             <a:spLocks noGrp="1"/>
           </p:cNvSpPr>
           <p:nvPr>
-            <p:ph type="body" sz="half" idx="2"/>
+            <p:ph type="body" sz="half" idx="2" hasCustomPrompt="1"/>
           </p:nvPr>
         </p:nvSpPr>
         <p:spPr>
@@ -2512,6 +2461,7 @@
               <a:rPr lang="pt-BR" smtClean="0"/>
               <a:t>Clique para editar o texto mestre</a:t>
             </a:r>
+            <a:endParaRPr lang="pt-BR" smtClean="0"/>
           </a:p>
         </p:txBody>
       </p:sp>
@@ -2532,7 +2482,6 @@
           <a:p>
             <a:fld id="{95BBD40D-64F4-43C2-9DCA-3F560C3E93DC}" type="datetimeFigureOut">
               <a:rPr lang="pt-BR" smtClean="0"/>
-              <a:t>01/12/2021</a:t>
             </a:fld>
             <a:endParaRPr lang="pt-BR"/>
           </a:p>
@@ -2574,18 +2523,12 @@
           <a:p>
             <a:fld id="{A7A12A9B-DC6B-4222-9378-81E1C4CADAC0}" type="slidenum">
               <a:rPr lang="pt-BR" smtClean="0"/>
-              <a:t>‹nº›</a:t>
             </a:fld>
             <a:endParaRPr lang="pt-BR"/>
           </a:p>
         </p:txBody>
       </p:sp>
     </p:spTree>
-    <p:extLst>
-      <p:ext uri="{BB962C8B-B14F-4D97-AF65-F5344CB8AC3E}">
-        <p14:creationId xmlns:p14="http://schemas.microsoft.com/office/powerpoint/2010/main" val="2784947179"/>
-      </p:ext>
-    </p:extLst>
   </p:cSld>
   <p:clrMapOvr>
     <a:masterClrMapping/>
@@ -2681,6 +2624,7 @@
               <a:rPr lang="pt-BR" smtClean="0"/>
               <a:t>Clique para editar o texto mestre</a:t>
             </a:r>
+            <a:endParaRPr lang="pt-BR" smtClean="0"/>
           </a:p>
           <a:p>
             <a:pPr lvl="1"/>
@@ -2688,6 +2632,7 @@
               <a:rPr lang="pt-BR" smtClean="0"/>
               <a:t>Segundo nível</a:t>
             </a:r>
+            <a:endParaRPr lang="pt-BR" smtClean="0"/>
           </a:p>
           <a:p>
             <a:pPr lvl="2"/>
@@ -2695,6 +2640,7 @@
               <a:rPr lang="pt-BR" smtClean="0"/>
               <a:t>Terceiro nível</a:t>
             </a:r>
+            <a:endParaRPr lang="pt-BR" smtClean="0"/>
           </a:p>
           <a:p>
             <a:pPr lvl="3"/>
@@ -2702,6 +2648,7 @@
               <a:rPr lang="pt-BR" smtClean="0"/>
               <a:t>Quarto nível</a:t>
             </a:r>
+            <a:endParaRPr lang="pt-BR" smtClean="0"/>
           </a:p>
           <a:p>
             <a:pPr lvl="4"/>
@@ -2748,7 +2695,6 @@
           <a:p>
             <a:fld id="{95BBD40D-64F4-43C2-9DCA-3F560C3E93DC}" type="datetimeFigureOut">
               <a:rPr lang="pt-BR" smtClean="0"/>
-              <a:t>01/12/2021</a:t>
             </a:fld>
             <a:endParaRPr lang="pt-BR"/>
           </a:p>
@@ -2826,18 +2772,12 @@
           <a:p>
             <a:fld id="{A7A12A9B-DC6B-4222-9378-81E1C4CADAC0}" type="slidenum">
               <a:rPr lang="pt-BR" smtClean="0"/>
-              <a:t>‹nº›</a:t>
             </a:fld>
             <a:endParaRPr lang="pt-BR"/>
           </a:p>
         </p:txBody>
       </p:sp>
     </p:spTree>
-    <p:extLst>
-      <p:ext uri="{BB962C8B-B14F-4D97-AF65-F5344CB8AC3E}">
-        <p14:creationId xmlns:p14="http://schemas.microsoft.com/office/powerpoint/2010/main" val="969741121"/>
-      </p:ext>
-    </p:extLst>
   </p:cSld>
   <p:clrMap bg1="lt1" tx1="dk1" bg2="lt2" tx2="dk2" accent1="accent1" accent2="accent2" accent3="accent3" accent4="accent4" accent5="accent5" accent6="accent6" hlink="hlink" folHlink="folHlink"/>
   <p:sldLayoutIdLst>
@@ -2875,7 +2815,7 @@
         <a:spcBef>
           <a:spcPct val="20000"/>
         </a:spcBef>
-        <a:buFont typeface="Arial" pitchFamily="34" charset="0"/>
+        <a:buFont typeface="Arial" panose="020B0604020202020204" pitchFamily="34" charset="0"/>
         <a:buChar char="•"/>
         <a:defRPr sz="3200" kern="1200">
           <a:solidFill>
@@ -2890,7 +2830,7 @@
         <a:spcBef>
           <a:spcPct val="20000"/>
         </a:spcBef>
-        <a:buFont typeface="Arial" pitchFamily="34" charset="0"/>
+        <a:buFont typeface="Arial" panose="020B0604020202020204" pitchFamily="34" charset="0"/>
         <a:buChar char="–"/>
         <a:defRPr sz="2800" kern="1200">
           <a:solidFill>
@@ -2905,7 +2845,7 @@
         <a:spcBef>
           <a:spcPct val="20000"/>
         </a:spcBef>
-        <a:buFont typeface="Arial" pitchFamily="34" charset="0"/>
+        <a:buFont typeface="Arial" panose="020B0604020202020204" pitchFamily="34" charset="0"/>
         <a:buChar char="•"/>
         <a:defRPr sz="2400" kern="1200">
           <a:solidFill>
@@ -2920,7 +2860,7 @@
         <a:spcBef>
           <a:spcPct val="20000"/>
         </a:spcBef>
-        <a:buFont typeface="Arial" pitchFamily="34" charset="0"/>
+        <a:buFont typeface="Arial" panose="020B0604020202020204" pitchFamily="34" charset="0"/>
         <a:buChar char="–"/>
         <a:defRPr sz="2000" kern="1200">
           <a:solidFill>
@@ -2935,7 +2875,7 @@
         <a:spcBef>
           <a:spcPct val="20000"/>
         </a:spcBef>
-        <a:buFont typeface="Arial" pitchFamily="34" charset="0"/>
+        <a:buFont typeface="Arial" panose="020B0604020202020204" pitchFamily="34" charset="0"/>
         <a:buChar char="»"/>
         <a:defRPr sz="2000" kern="1200">
           <a:solidFill>
@@ -2950,7 +2890,7 @@
         <a:spcBef>
           <a:spcPct val="20000"/>
         </a:spcBef>
-        <a:buFont typeface="Arial" pitchFamily="34" charset="0"/>
+        <a:buFont typeface="Arial" panose="020B0604020202020204" pitchFamily="34" charset="0"/>
         <a:buChar char="•"/>
         <a:defRPr sz="2000" kern="1200">
           <a:solidFill>
@@ -2965,7 +2905,7 @@
         <a:spcBef>
           <a:spcPct val="20000"/>
         </a:spcBef>
-        <a:buFont typeface="Arial" pitchFamily="34" charset="0"/>
+        <a:buFont typeface="Arial" panose="020B0604020202020204" pitchFamily="34" charset="0"/>
         <a:buChar char="•"/>
         <a:defRPr sz="2000" kern="1200">
           <a:solidFill>
@@ -2980,7 +2920,7 @@
         <a:spcBef>
           <a:spcPct val="20000"/>
         </a:spcBef>
-        <a:buFont typeface="Arial" pitchFamily="34" charset="0"/>
+        <a:buFont typeface="Arial" panose="020B0604020202020204" pitchFamily="34" charset="0"/>
         <a:buChar char="•"/>
         <a:defRPr sz="2000" kern="1200">
           <a:solidFill>
@@ -2995,7 +2935,7 @@
         <a:spcBef>
           <a:spcPct val="20000"/>
         </a:spcBef>
-        <a:buFont typeface="Arial" pitchFamily="34" charset="0"/>
+        <a:buFont typeface="Arial" panose="020B0604020202020204" pitchFamily="34" charset="0"/>
         <a:buChar char="•"/>
         <a:defRPr sz="2000" kern="1200">
           <a:solidFill>
@@ -3132,7 +3072,7 @@
           <p:nvPr/>
         </p:nvPicPr>
         <p:blipFill>
-          <a:blip r:embed="rId2">
+          <a:blip r:embed="rId1">
             <a:extLst>
               <a:ext uri="{28A0092B-C50C-407E-A947-70E740481C1C}">
                 <a14:useLocalDpi xmlns:a14="http://schemas.microsoft.com/office/drawing/2010/main" val="0"/>
@@ -3213,7 +3153,7 @@
           <p:nvPr/>
         </p:nvPicPr>
         <p:blipFill rotWithShape="1">
-          <a:blip r:embed="rId3">
+          <a:blip r:embed="rId2">
             <a:extLst>
               <a:ext uri="{28A0092B-C50C-407E-A947-70E740481C1C}">
                 <a14:useLocalDpi xmlns:a14="http://schemas.microsoft.com/office/drawing/2010/main" val="0"/>
@@ -3221,7 +3161,9 @@
             </a:extLst>
           </a:blip>
           <a:srcRect l="3315" t="26307" r="4791" b="30216"/>
-          <a:stretch/>
+          <a:stretch>
+            <a:fillRect/>
+          </a:stretch>
         </p:blipFill>
         <p:spPr>
           <a:xfrm>
@@ -3234,163 +3176,6 @@
         </p:spPr>
       </p:pic>
     </p:spTree>
-    <p:extLst>
-      <p:ext uri="{BB962C8B-B14F-4D97-AF65-F5344CB8AC3E}">
-        <p14:creationId xmlns:p14="http://schemas.microsoft.com/office/powerpoint/2010/main" val="1820492987"/>
-      </p:ext>
-    </p:extLst>
-  </p:cSld>
-  <p:clrMapOvr>
-    <a:masterClrMapping/>
-  </p:clrMapOvr>
-  <p:timing>
-    <p:tnLst>
-      <p:par>
-        <p:cTn id="1" dur="indefinite" restart="never" nodeType="tmRoot"/>
-      </p:par>
-    </p:tnLst>
-  </p:timing>
-</p:sld>
-</file>
-
-<file path=ppt/slides/slide10.xml><?xml version="1.0" encoding="utf-8"?>
-<p:sld xmlns:a="http://schemas.openxmlformats.org/drawingml/2006/main" xmlns:r="http://schemas.openxmlformats.org/officeDocument/2006/relationships" xmlns:p="http://schemas.openxmlformats.org/presentationml/2006/main">
-  <p:cSld>
-    <p:spTree>
-      <p:nvGrpSpPr>
-        <p:cNvPr id="1" name=""/>
-        <p:cNvGrpSpPr/>
-        <p:nvPr/>
-      </p:nvGrpSpPr>
-      <p:grpSpPr>
-        <a:xfrm>
-          <a:off x="0" y="0"/>
-          <a:ext cx="0" cy="0"/>
-          <a:chOff x="0" y="0"/>
-          <a:chExt cx="0" cy="0"/>
-        </a:xfrm>
-      </p:grpSpPr>
-      <p:sp>
-        <p:nvSpPr>
-          <p:cNvPr id="2" name="Título 1"/>
-          <p:cNvSpPr>
-            <a:spLocks noGrp="1"/>
-          </p:cNvSpPr>
-          <p:nvPr>
-            <p:ph type="title"/>
-          </p:nvPr>
-        </p:nvSpPr>
-        <p:spPr/>
-        <p:txBody>
-          <a:bodyPr/>
-          <a:lstStyle/>
-          <a:p>
-            <a:r>
-              <a:rPr lang="pt-BR" dirty="0" smtClean="0">
-                <a:solidFill>
-                  <a:srgbClr val="FFFF00"/>
-                </a:solidFill>
-              </a:rPr>
-              <a:t>Conclusão</a:t>
-            </a:r>
-            <a:endParaRPr lang="pt-BR" dirty="0">
-              <a:solidFill>
-                <a:srgbClr val="FFFF00"/>
-              </a:solidFill>
-            </a:endParaRPr>
-          </a:p>
-        </p:txBody>
-      </p:sp>
-      <p:sp>
-        <p:nvSpPr>
-          <p:cNvPr id="3" name="Espaço Reservado para Conteúdo 2"/>
-          <p:cNvSpPr>
-            <a:spLocks noGrp="1"/>
-          </p:cNvSpPr>
-          <p:nvPr>
-            <p:ph sz="half" idx="1"/>
-          </p:nvPr>
-        </p:nvSpPr>
-        <p:spPr/>
-        <p:txBody>
-          <a:bodyPr/>
-          <a:lstStyle/>
-          <a:p>
-            <a:endParaRPr lang="pt-BR"/>
-          </a:p>
-        </p:txBody>
-      </p:sp>
-      <p:sp>
-        <p:nvSpPr>
-          <p:cNvPr id="4" name="Espaço Reservado para Conteúdo 3"/>
-          <p:cNvSpPr>
-            <a:spLocks noGrp="1"/>
-          </p:cNvSpPr>
-          <p:nvPr>
-            <p:ph sz="half" idx="2"/>
-          </p:nvPr>
-        </p:nvSpPr>
-        <p:spPr/>
-        <p:txBody>
-          <a:bodyPr/>
-          <a:lstStyle/>
-          <a:p>
-            <a:endParaRPr lang="pt-BR"/>
-          </a:p>
-        </p:txBody>
-      </p:sp>
-      <p:sp>
-        <p:nvSpPr>
-          <p:cNvPr id="6" name="Retângulo 5"/>
-          <p:cNvSpPr/>
-          <p:nvPr/>
-        </p:nvSpPr>
-        <p:spPr>
-          <a:xfrm>
-            <a:off x="121956" y="137561"/>
-            <a:ext cx="8856984" cy="6552728"/>
-          </a:xfrm>
-          <a:prstGeom prst="rect">
-            <a:avLst/>
-          </a:prstGeom>
-          <a:noFill/>
-          <a:ln w="57150">
-            <a:solidFill>
-              <a:srgbClr val="FFFF00"/>
-            </a:solidFill>
-          </a:ln>
-        </p:spPr>
-        <p:style>
-          <a:lnRef idx="2">
-            <a:schemeClr val="accent1">
-              <a:shade val="50000"/>
-            </a:schemeClr>
-          </a:lnRef>
-          <a:fillRef idx="1">
-            <a:schemeClr val="accent1"/>
-          </a:fillRef>
-          <a:effectRef idx="0">
-            <a:schemeClr val="accent1"/>
-          </a:effectRef>
-          <a:fontRef idx="minor">
-            <a:schemeClr val="lt1"/>
-          </a:fontRef>
-        </p:style>
-        <p:txBody>
-          <a:bodyPr rtlCol="0" anchor="ctr"/>
-          <a:lstStyle/>
-          <a:p>
-            <a:pPr algn="ctr"/>
-            <a:endParaRPr lang="pt-BR"/>
-          </a:p>
-        </p:txBody>
-      </p:sp>
-    </p:spTree>
-    <p:extLst>
-      <p:ext uri="{BB962C8B-B14F-4D97-AF65-F5344CB8AC3E}">
-        <p14:creationId xmlns:p14="http://schemas.microsoft.com/office/powerpoint/2010/main" val="755369971"/>
-      </p:ext>
-    </p:extLst>
   </p:cSld>
   <p:clrMapOvr>
     <a:masterClrMapping/>
@@ -3477,7 +3262,7 @@
           <p:nvPr/>
         </p:nvPicPr>
         <p:blipFill rotWithShape="1">
-          <a:blip r:embed="rId2" cstate="print">
+          <a:blip r:embed="rId1" cstate="print">
             <a:extLst>
               <a:ext uri="{28A0092B-C50C-407E-A947-70E740481C1C}">
                 <a14:useLocalDpi xmlns:a14="http://schemas.microsoft.com/office/drawing/2010/main" val="0"/>
@@ -3485,7 +3270,9 @@
             </a:extLst>
           </a:blip>
           <a:srcRect t="-2215" r="82416" b="2215"/>
-          <a:stretch/>
+          <a:stretch>
+            <a:fillRect/>
+          </a:stretch>
         </p:blipFill>
         <p:spPr bwMode="auto">
           <a:xfrm>
@@ -3532,7 +3319,7 @@
           <p:nvPr/>
         </p:nvPicPr>
         <p:blipFill rotWithShape="1">
-          <a:blip r:embed="rId2">
+          <a:blip r:embed="rId1">
             <a:extLst>
               <a:ext uri="{28A0092B-C50C-407E-A947-70E740481C1C}">
                 <a14:useLocalDpi xmlns:a14="http://schemas.microsoft.com/office/drawing/2010/main" val="0"/>
@@ -3540,7 +3327,9 @@
             </a:extLst>
           </a:blip>
           <a:srcRect r="18251"/>
-          <a:stretch/>
+          <a:stretch>
+            <a:fillRect/>
+          </a:stretch>
         </p:blipFill>
         <p:spPr bwMode="auto">
           <a:xfrm>
@@ -3587,7 +3376,7 @@
           <p:nvPr/>
         </p:nvPicPr>
         <p:blipFill>
-          <a:blip r:embed="rId2">
+          <a:blip r:embed="rId1">
             <a:extLst>
               <a:ext uri="{28A0092B-C50C-407E-A947-70E740481C1C}">
                 <a14:useLocalDpi xmlns:a14="http://schemas.microsoft.com/office/drawing/2010/main" val="0"/>
@@ -3694,7 +3483,7 @@
           <p:nvPr/>
         </p:nvPicPr>
         <p:blipFill rotWithShape="1">
-          <a:blip r:embed="rId3" cstate="print">
+          <a:blip r:embed="rId2" cstate="print">
             <a:extLst>
               <a:ext uri="{28A0092B-C50C-407E-A947-70E740481C1C}">
                 <a14:useLocalDpi xmlns:a14="http://schemas.microsoft.com/office/drawing/2010/main" val="0"/>
@@ -3702,7 +3491,9 @@
             </a:extLst>
           </a:blip>
           <a:srcRect l="32463"/>
-          <a:stretch/>
+          <a:stretch>
+            <a:fillRect/>
+          </a:stretch>
         </p:blipFill>
         <p:spPr bwMode="auto">
           <a:xfrm>
@@ -3897,11 +3688,6 @@
         </p:style>
       </p:cxnSp>
     </p:spTree>
-    <p:extLst>
-      <p:ext uri="{BB962C8B-B14F-4D97-AF65-F5344CB8AC3E}">
-        <p14:creationId xmlns:p14="http://schemas.microsoft.com/office/powerpoint/2010/main" val="625388621"/>
-      </p:ext>
-    </p:extLst>
   </p:cSld>
   <p:clrMapOvr>
     <a:masterClrMapping/>
@@ -3997,7 +3783,7 @@
           </p:nvPr>
         </p:nvPicPr>
         <p:blipFill rotWithShape="1">
-          <a:blip r:embed="rId2" cstate="print">
+          <a:blip r:embed="rId1" cstate="print">
             <a:extLst>
               <a:ext uri="{28A0092B-C50C-407E-A947-70E740481C1C}">
                 <a14:useLocalDpi xmlns:a14="http://schemas.microsoft.com/office/drawing/2010/main" val="0"/>
@@ -4005,7 +3791,9 @@
             </a:extLst>
           </a:blip>
           <a:srcRect r="10000"/>
-          <a:stretch/>
+          <a:stretch>
+            <a:fillRect/>
+          </a:stretch>
         </p:blipFill>
         <p:spPr>
           <a:xfrm>
@@ -4138,8 +3926,8 @@
         </p:nvSpPr>
         <p:spPr>
           <a:xfrm>
-            <a:off x="3851920" y="620688"/>
-            <a:ext cx="4320480" cy="3139321"/>
+            <a:off x="3416935" y="476885"/>
+            <a:ext cx="5126990" cy="5939155"/>
           </a:xfrm>
           <a:prstGeom prst="rect">
             <a:avLst/>
@@ -4163,18 +3951,7 @@
           <a:lstStyle/>
           <a:p>
             <a:pPr algn="ctr"/>
-            <a:r>
-              <a:rPr lang="pt-BR" dirty="0" smtClean="0">
-                <a:solidFill>
-                  <a:srgbClr val="FFFF00"/>
-                </a:solidFill>
-              </a:rPr>
-              <a:t>Guilherme Duarte Brandão Simões Silva</a:t>
-            </a:r>
-          </a:p>
-          <a:p>
-            <a:pPr algn="ctr"/>
-            <a:endParaRPr lang="pt-BR" dirty="0">
+            <a:endParaRPr lang="pt-BR" sz="2000" dirty="0" smtClean="0">
               <a:solidFill>
                 <a:srgbClr val="FFFF00"/>
               </a:solidFill>
@@ -4183,17 +3960,14 @@
           <a:p>
             <a:pPr algn="ctr"/>
             <a:r>
-              <a:rPr lang="pt-BR" dirty="0" smtClean="0">
+              <a:rPr lang="pt-BR" sz="2000" dirty="0" smtClean="0">
                 <a:solidFill>
                   <a:srgbClr val="FFFF00"/>
                 </a:solidFill>
               </a:rPr>
-              <a:t>21 anos – 22/08/2000</a:t>
-            </a:r>
-          </a:p>
-          <a:p>
-            <a:pPr algn="ctr"/>
-            <a:endParaRPr lang="pt-BR" dirty="0" smtClean="0">
+              <a:t>Guilherme Duarte Brandão Simões Silva</a:t>
+            </a:r>
+            <a:endParaRPr lang="pt-BR" sz="2000" dirty="0" smtClean="0">
               <a:solidFill>
                 <a:srgbClr val="FFFF00"/>
               </a:solidFill>
@@ -4201,18 +3975,7 @@
           </a:p>
           <a:p>
             <a:pPr algn="ctr"/>
-            <a:r>
-              <a:rPr lang="pt-BR" dirty="0" smtClean="0">
-                <a:solidFill>
-                  <a:srgbClr val="FFFF00"/>
-                </a:solidFill>
-              </a:rPr>
-              <a:t>Apaixonado por várias coisas. Esportes, Jogos, Animais, Cinema, Animes, Quadrinhos/ Mangás, etc...</a:t>
-            </a:r>
-          </a:p>
-          <a:p>
-            <a:pPr algn="ctr"/>
-            <a:endParaRPr lang="pt-BR" dirty="0">
+            <a:endParaRPr lang="pt-BR" sz="2000" dirty="0">
               <a:solidFill>
                 <a:srgbClr val="FFFF00"/>
               </a:solidFill>
@@ -4221,22 +3984,14 @@
           <a:p>
             <a:pPr algn="ctr"/>
             <a:r>
-              <a:rPr lang="pt-BR" dirty="0" smtClean="0">
+              <a:rPr lang="pt-BR" sz="2000" dirty="0" smtClean="0">
                 <a:solidFill>
                   <a:srgbClr val="FFFF00"/>
                 </a:solidFill>
               </a:rPr>
-              <a:t>Porém minha maior paixão é a </a:t>
-            </a:r>
-            <a:r>
-              <a:rPr lang="pt-BR" smtClean="0">
-                <a:solidFill>
-                  <a:srgbClr val="FFFF00"/>
-                </a:solidFill>
-              </a:rPr>
-              <a:t>música.</a:t>
-            </a:r>
-            <a:endParaRPr lang="pt-BR" dirty="0" smtClean="0">
+              <a:t>21 anos – 22/08/2000</a:t>
+            </a:r>
+            <a:endParaRPr lang="pt-BR" sz="2000" dirty="0" smtClean="0">
               <a:solidFill>
                 <a:srgbClr val="FFFF00"/>
               </a:solidFill>
@@ -4244,7 +3999,7 @@
           </a:p>
           <a:p>
             <a:pPr algn="ctr"/>
-            <a:endParaRPr lang="pt-BR" dirty="0">
+            <a:endParaRPr lang="pt-BR" sz="2000" dirty="0" smtClean="0">
               <a:solidFill>
                 <a:srgbClr val="FFFF00"/>
               </a:solidFill>
@@ -4252,20 +4007,127 @@
           </a:p>
           <a:p>
             <a:pPr algn="ctr"/>
-            <a:endParaRPr lang="pt-BR" dirty="0">
+            <a:r>
+              <a:rPr lang="pt-BR" sz="2000" dirty="0" smtClean="0">
+                <a:solidFill>
+                  <a:srgbClr val="FFFF00"/>
+                </a:solidFill>
+              </a:rPr>
+              <a:t>Apaixonado por várias coisas. Esportes, Jogos, Animais, Cinema, Animes, Quadrinhos/ Mangás, </a:t>
+            </a:r>
+            <a:r>
+              <a:rPr lang="pt-PT" altLang="pt-BR" sz="2000" dirty="0" smtClean="0">
+                <a:solidFill>
+                  <a:srgbClr val="FFFF00"/>
+                </a:solidFill>
+              </a:rPr>
+              <a:t>Desenhar,</a:t>
+            </a:r>
+            <a:r>
+              <a:rPr lang="pt-BR" sz="2000" dirty="0" smtClean="0">
+                <a:solidFill>
+                  <a:srgbClr val="FFFF00"/>
+                </a:solidFill>
+              </a:rPr>
+              <a:t> etc...</a:t>
+            </a:r>
+            <a:endParaRPr lang="pt-BR" sz="2000" dirty="0" smtClean="0">
               <a:solidFill>
                 <a:srgbClr val="FFFF00"/>
               </a:solidFill>
             </a:endParaRPr>
           </a:p>
+          <a:p>
+            <a:pPr algn="ctr"/>
+            <a:endParaRPr lang="pt-BR" sz="2000" dirty="0">
+              <a:solidFill>
+                <a:srgbClr val="FFFF00"/>
+              </a:solidFill>
+            </a:endParaRPr>
+          </a:p>
+          <a:p>
+            <a:pPr algn="ctr"/>
+            <a:r>
+              <a:rPr lang="pt-BR" sz="2000" dirty="0" smtClean="0">
+                <a:solidFill>
+                  <a:srgbClr val="FFFF00"/>
+                </a:solidFill>
+              </a:rPr>
+              <a:t>Porém minha maior paixão é a </a:t>
+            </a:r>
+            <a:r>
+              <a:rPr lang="pt-BR" sz="2000" smtClean="0">
+                <a:solidFill>
+                  <a:srgbClr val="FFFF00"/>
+                </a:solidFill>
+              </a:rPr>
+              <a:t>música.</a:t>
+            </a:r>
+            <a:endParaRPr lang="pt-BR" sz="2000" dirty="0" smtClean="0">
+              <a:solidFill>
+                <a:srgbClr val="FFFF00"/>
+              </a:solidFill>
+            </a:endParaRPr>
+          </a:p>
+          <a:p>
+            <a:pPr algn="ctr"/>
+            <a:endParaRPr lang="pt-BR" sz="2000" dirty="0">
+              <a:solidFill>
+                <a:srgbClr val="FFFF00"/>
+              </a:solidFill>
+            </a:endParaRPr>
+          </a:p>
+          <a:p>
+            <a:pPr algn="ctr"/>
+            <a:r>
+              <a:rPr lang="pt-PT" altLang="pt-BR" sz="2000" dirty="0">
+                <a:solidFill>
+                  <a:srgbClr val="FFFF00"/>
+                </a:solidFill>
+              </a:rPr>
+              <a:t>Eu não me distaco em uma área específica, porém me encaixo em vários meios diferentes e tenho a habilidade de me misturar.</a:t>
+            </a:r>
+            <a:endParaRPr lang="pt-BR" sz="2000" dirty="0">
+              <a:solidFill>
+                <a:srgbClr val="FFFF00"/>
+              </a:solidFill>
+            </a:endParaRPr>
+          </a:p>
+          <a:p>
+            <a:pPr algn="ctr"/>
+            <a:endParaRPr lang="pt-BR" sz="2000" dirty="0">
+              <a:solidFill>
+                <a:srgbClr val="FFFF00"/>
+              </a:solidFill>
+            </a:endParaRPr>
+          </a:p>
+          <a:p>
+            <a:pPr algn="ctr"/>
+            <a:r>
+              <a:rPr lang="pt-PT" altLang="pt-BR" sz="2000" dirty="0">
+                <a:solidFill>
+                  <a:srgbClr val="FFFF00"/>
+                </a:solidFill>
+              </a:rPr>
+              <a:t>Prezo a honestidade, o bom humor e acima de tudo, a paixão pelas coisas que fazemos.</a:t>
+            </a:r>
+            <a:endParaRPr lang="pt-PT" altLang="pt-BR" sz="2000" dirty="0">
+              <a:solidFill>
+                <a:srgbClr val="FFFF00"/>
+              </a:solidFill>
+            </a:endParaRPr>
+          </a:p>
+          <a:p>
+            <a:pPr algn="ctr"/>
+            <a:endParaRPr lang="pt-PT" altLang="pt-BR" sz="2000" dirty="0">
+              <a:solidFill>
+                <a:srgbClr val="FFFF00"/>
+              </a:solidFill>
+            </a:endParaRPr>
+          </a:p>
         </p:txBody>
       </p:sp>
     </p:spTree>
-    <p:extLst>
-      <p:ext uri="{BB962C8B-B14F-4D97-AF65-F5344CB8AC3E}">
-        <p14:creationId xmlns:p14="http://schemas.microsoft.com/office/powerpoint/2010/main" val="2145598293"/>
-      </p:ext>
-    </p:extLst>
   </p:cSld>
   <p:clrMapOvr>
     <a:masterClrMapping/>
@@ -4394,7 +4256,63 @@
           <a:bodyPr/>
           <a:lstStyle/>
           <a:p>
-            <a:endParaRPr lang="pt-BR" dirty="0"/>
+            <a:r>
+              <a:rPr lang="pt-PT" altLang="pt-BR" baseline="30000" dirty="0">
+                <a:solidFill>
+                  <a:srgbClr val="FFFF00"/>
+                </a:solidFill>
+              </a:rPr>
+              <a:t>A música esta presente em todos os momentos da minha vida.</a:t>
+            </a:r>
+            <a:endParaRPr lang="pt-PT" altLang="pt-BR" baseline="30000" dirty="0">
+              <a:solidFill>
+                <a:srgbClr val="FFFF00"/>
+              </a:solidFill>
+            </a:endParaRPr>
+          </a:p>
+          <a:p>
+            <a:endParaRPr lang="pt-PT" altLang="pt-BR" baseline="30000" dirty="0">
+              <a:solidFill>
+                <a:srgbClr val="FFFF00"/>
+              </a:solidFill>
+            </a:endParaRPr>
+          </a:p>
+          <a:p>
+            <a:r>
+              <a:rPr lang="pt-PT" altLang="pt-BR" baseline="30000" dirty="0">
+                <a:solidFill>
+                  <a:srgbClr val="FFFF00"/>
+                </a:solidFill>
+              </a:rPr>
+              <a:t>Ela tem a habilidade de fazer pessoas, que nunca se viram, que moram em países diferentes, sentirem a mesma emoção apenas ouvindo palavras e melodias.</a:t>
+            </a:r>
+            <a:endParaRPr lang="pt-PT" altLang="pt-BR" baseline="30000" dirty="0">
+              <a:solidFill>
+                <a:srgbClr val="FFFF00"/>
+              </a:solidFill>
+            </a:endParaRPr>
+          </a:p>
+          <a:p>
+            <a:endParaRPr lang="pt-PT" altLang="pt-BR" baseline="30000" dirty="0">
+              <a:solidFill>
+                <a:srgbClr val="FFFF00"/>
+              </a:solidFill>
+            </a:endParaRPr>
+          </a:p>
+          <a:p>
+            <a:r>
+              <a:rPr lang="pt-PT" altLang="pt-BR" baseline="30000" dirty="0">
+                <a:solidFill>
+                  <a:srgbClr val="FFFF00"/>
+                </a:solidFill>
+              </a:rPr>
+              <a:t>Ela </a:t>
+            </a:r>
+            <a:endParaRPr lang="pt-PT" altLang="pt-BR" baseline="30000" dirty="0">
+              <a:solidFill>
+                <a:srgbClr val="FFFF00"/>
+              </a:solidFill>
+            </a:endParaRPr>
           </a:p>
         </p:txBody>
       </p:sp>
@@ -4409,7 +4327,7 @@
           </p:nvPr>
         </p:nvPicPr>
         <p:blipFill>
-          <a:blip r:embed="rId2">
+          <a:blip r:embed="rId1">
             <a:extLst>
               <a:ext uri="{28A0092B-C50C-407E-A947-70E740481C1C}">
                 <a14:useLocalDpi xmlns:a14="http://schemas.microsoft.com/office/drawing/2010/main" val="0"/>
@@ -4428,11 +4346,6 @@
         </p:spPr>
       </p:pic>
     </p:spTree>
-    <p:extLst>
-      <p:ext uri="{BB962C8B-B14F-4D97-AF65-F5344CB8AC3E}">
-        <p14:creationId xmlns:p14="http://schemas.microsoft.com/office/powerpoint/2010/main" val="2205142747"/>
-      </p:ext>
-    </p:extLst>
   </p:cSld>
   <p:clrMapOvr>
     <a:masterClrMapping/>
@@ -4482,14 +4395,37 @@
           <a:lstStyle/>
           <a:p>
             <a:r>
+              <a:rPr lang="pt-PT" altLang="pt-BR" sz="2800" dirty="0" err="1" smtClean="0">
+                <a:solidFill>
+                  <a:srgbClr val="FFFF00"/>
+                </a:solidFill>
+              </a:rPr>
+              <a:t>Desafios</a:t>
+            </a:r>
+            <a:br>
               <a:rPr lang="pt-BR" sz="2400" dirty="0" err="1" smtClean="0">
+                <a:solidFill>
+                  <a:srgbClr val="FFFF00"/>
+                </a:solidFill>
+              </a:rPr>
+            </a:br>
+            <a:r>
+              <a:rPr lang="pt-BR" sz="2800" dirty="0" err="1" smtClean="0">
                 <a:solidFill>
                   <a:srgbClr val="FFFF00"/>
                 </a:solidFill>
               </a:rPr>
               <a:t>Socio</a:t>
             </a:r>
-            <a:endParaRPr lang="pt-BR" sz="2400" dirty="0">
+            <a:r>
+              <a:rPr lang="pt-PT" altLang="pt-BR" sz="2800" dirty="0" err="1" smtClean="0">
+                <a:solidFill>
+                  <a:srgbClr val="FFFF00"/>
+                </a:solidFill>
+              </a:rPr>
+              <a:t>emocionais</a:t>
+            </a:r>
+            <a:endParaRPr lang="pt-PT" altLang="pt-BR" sz="2400" dirty="0" err="1" smtClean="0">
               <a:solidFill>
                 <a:srgbClr val="FFFF00"/>
               </a:solidFill>
@@ -4507,12 +4443,96 @@
             <p:ph type="body" sz="half" idx="2"/>
           </p:nvPr>
         </p:nvSpPr>
-        <p:spPr/>
-        <p:txBody>
-          <a:bodyPr/>
-          <a:lstStyle/>
-          <a:p>
-            <a:endParaRPr lang="pt-BR" dirty="0"/>
+        <p:spPr>
+          <a:xfrm>
+            <a:off x="457200" y="2737485"/>
+            <a:ext cx="8454390" cy="3388995"/>
+          </a:xfrm>
+        </p:spPr>
+        <p:txBody>
+          <a:bodyPr>
+            <a:noAutofit/>
+          </a:bodyPr>
+          <a:lstStyle/>
+          <a:p>
+            <a:pPr algn="ctr"/>
+            <a:r>
+              <a:rPr lang="pt-PT" altLang="pt-BR" sz="3200" b="1" dirty="0">
+                <a:solidFill>
+                  <a:srgbClr val="FFFF00"/>
+                </a:solidFill>
+              </a:rPr>
+              <a:t>Em que momento da minha história surgiu meu interesse por música?</a:t>
+            </a:r>
+            <a:endParaRPr lang="pt-PT" altLang="pt-BR" sz="3200" b="1" dirty="0">
+              <a:solidFill>
+                <a:srgbClr val="FFFF00"/>
+              </a:solidFill>
+            </a:endParaRPr>
+          </a:p>
+          <a:p>
+            <a:pPr algn="ctr"/>
+            <a:endParaRPr lang="pt-PT" altLang="pt-BR" sz="3200" b="1" dirty="0">
+              <a:solidFill>
+                <a:srgbClr val="FFFF00"/>
+              </a:solidFill>
+            </a:endParaRPr>
+          </a:p>
+          <a:p>
+            <a:pPr algn="ctr"/>
+            <a:r>
+              <a:rPr lang="pt-PT" altLang="pt-BR" sz="3200" b="1" dirty="0">
+                <a:solidFill>
+                  <a:srgbClr val="FFFF00"/>
+                </a:solidFill>
+              </a:rPr>
+              <a:t>Qual foi a maior dificuldade?</a:t>
+            </a:r>
+            <a:endParaRPr lang="pt-PT" altLang="pt-BR" sz="3200" b="1" dirty="0">
+              <a:solidFill>
+                <a:srgbClr val="FFFF00"/>
+              </a:solidFill>
+            </a:endParaRPr>
+          </a:p>
+          <a:p>
+            <a:pPr algn="ctr"/>
+            <a:endParaRPr lang="pt-PT" altLang="pt-BR" sz="3200" b="1" dirty="0">
+              <a:solidFill>
+                <a:srgbClr val="FFFF00"/>
+              </a:solidFill>
+            </a:endParaRPr>
+          </a:p>
+          <a:p>
+            <a:pPr algn="ctr"/>
+            <a:r>
+              <a:rPr lang="pt-PT" altLang="pt-BR" sz="3200" b="1" dirty="0">
+                <a:solidFill>
+                  <a:srgbClr val="FFFF00"/>
+                </a:solidFill>
+              </a:rPr>
+              <a:t>Qual foi minha maior superação?</a:t>
+            </a:r>
+            <a:endParaRPr lang="pt-PT" altLang="pt-BR" sz="3200" b="1" dirty="0">
+              <a:solidFill>
+                <a:srgbClr val="FFFF00"/>
+              </a:solidFill>
+            </a:endParaRPr>
+          </a:p>
+          <a:p>
+            <a:pPr algn="ctr"/>
+            <a:endParaRPr lang="pt-PT" altLang="pt-BR" sz="3200" b="1" dirty="0">
+              <a:solidFill>
+                <a:srgbClr val="FFFF00"/>
+              </a:solidFill>
+            </a:endParaRPr>
+          </a:p>
+          <a:p>
+            <a:pPr algn="ctr"/>
+            <a:endParaRPr lang="pt-PT" altLang="pt-BR" sz="3200" b="1" dirty="0">
+              <a:solidFill>
+                <a:srgbClr val="FFFF00"/>
+              </a:solidFill>
+            </a:endParaRPr>
           </a:p>
         </p:txBody>
       </p:sp>
@@ -4558,7 +4578,7 @@
           <a:lstStyle/>
           <a:p>
             <a:pPr algn="ctr"/>
-            <a:endParaRPr lang="pt-BR"/>
+            <a:endParaRPr lang="pt-BR" sz="2400"/>
           </a:p>
         </p:txBody>
       </p:sp>
@@ -4573,13 +4593,7 @@
           </p:nvPr>
         </p:nvPicPr>
         <p:blipFill>
-          <a:blip r:embed="rId2">
-            <a:extLst>
-              <a:ext uri="{28A0092B-C50C-407E-A947-70E740481C1C}">
-                <a14:useLocalDpi xmlns:a14="http://schemas.microsoft.com/office/drawing/2010/main" val="0"/>
-              </a:ext>
-            </a:extLst>
-          </a:blip>
+          <a:blip r:embed="rId1"/>
           <a:stretch>
             <a:fillRect/>
           </a:stretch>
@@ -4592,11 +4606,6 @@
         </p:spPr>
       </p:pic>
     </p:spTree>
-    <p:extLst>
-      <p:ext uri="{BB962C8B-B14F-4D97-AF65-F5344CB8AC3E}">
-        <p14:creationId xmlns:p14="http://schemas.microsoft.com/office/powerpoint/2010/main" val="925857993"/>
-      </p:ext>
-    </p:extLst>
   </p:cSld>
   <p:clrMapOvr>
     <a:masterClrMapping/>
@@ -4705,31 +4714,103 @@
           </a:p>
         </p:txBody>
       </p:sp>
-      <p:sp>
-        <p:nvSpPr>
-          <p:cNvPr id="6" name="Espaço Reservado para Conteúdo 5"/>
-          <p:cNvSpPr>
-            <a:spLocks noGrp="1"/>
-          </p:cNvSpPr>
-          <p:nvPr>
-            <p:ph idx="1"/>
-          </p:nvPr>
-        </p:nvSpPr>
-        <p:spPr/>
-        <p:txBody>
-          <a:bodyPr/>
-          <a:lstStyle/>
-          <a:p>
-            <a:endParaRPr lang="pt-BR"/>
-          </a:p>
-        </p:txBody>
-      </p:sp>
+      <p:pic>
+        <p:nvPicPr>
+          <p:cNvPr id="3" name="Picture 2"/>
+          <p:cNvPicPr>
+            <a:picLocks noChangeAspect="1"/>
+          </p:cNvPicPr>
+          <p:nvPr/>
+        </p:nvPicPr>
+        <p:blipFill>
+          <a:blip r:embed="rId1"/>
+          <a:stretch>
+            <a:fillRect/>
+          </a:stretch>
+        </p:blipFill>
+        <p:spPr>
+          <a:xfrm>
+            <a:off x="942340" y="1549400"/>
+            <a:ext cx="3202940" cy="1600200"/>
+          </a:xfrm>
+          <a:prstGeom prst="rect">
+            <a:avLst/>
+          </a:prstGeom>
+        </p:spPr>
+      </p:pic>
+      <p:pic>
+        <p:nvPicPr>
+          <p:cNvPr id="5" name="Picture 4"/>
+          <p:cNvPicPr>
+            <a:picLocks noChangeAspect="1"/>
+          </p:cNvPicPr>
+          <p:nvPr/>
+        </p:nvPicPr>
+        <p:blipFill>
+          <a:blip r:embed="rId2"/>
+          <a:stretch>
+            <a:fillRect/>
+          </a:stretch>
+        </p:blipFill>
+        <p:spPr>
+          <a:xfrm>
+            <a:off x="5541010" y="4618990"/>
+            <a:ext cx="2733675" cy="1666875"/>
+          </a:xfrm>
+          <a:prstGeom prst="rect">
+            <a:avLst/>
+          </a:prstGeom>
+        </p:spPr>
+      </p:pic>
+      <p:pic>
+        <p:nvPicPr>
+          <p:cNvPr id="7" name="Picture 6"/>
+          <p:cNvPicPr>
+            <a:picLocks noChangeAspect="1"/>
+          </p:cNvPicPr>
+          <p:nvPr/>
+        </p:nvPicPr>
+        <p:blipFill>
+          <a:blip r:embed="rId3"/>
+          <a:stretch>
+            <a:fillRect/>
+          </a:stretch>
+        </p:blipFill>
+        <p:spPr>
+          <a:xfrm>
+            <a:off x="5398770" y="1504315"/>
+            <a:ext cx="3018790" cy="1690370"/>
+          </a:xfrm>
+          <a:prstGeom prst="rect">
+            <a:avLst/>
+          </a:prstGeom>
+        </p:spPr>
+      </p:pic>
+      <p:pic>
+        <p:nvPicPr>
+          <p:cNvPr id="10" name="Picture 9"/>
+          <p:cNvPicPr>
+            <a:picLocks noChangeAspect="1"/>
+          </p:cNvPicPr>
+          <p:nvPr/>
+        </p:nvPicPr>
+        <p:blipFill>
+          <a:blip r:embed="rId4"/>
+          <a:stretch>
+            <a:fillRect/>
+          </a:stretch>
+        </p:blipFill>
+        <p:spPr>
+          <a:xfrm>
+            <a:off x="869315" y="4463415"/>
+            <a:ext cx="3348990" cy="1977390"/>
+          </a:xfrm>
+          <a:prstGeom prst="rect">
+            <a:avLst/>
+          </a:prstGeom>
+        </p:spPr>
+      </p:pic>
     </p:spTree>
-    <p:extLst>
-      <p:ext uri="{BB962C8B-B14F-4D97-AF65-F5344CB8AC3E}">
-        <p14:creationId xmlns:p14="http://schemas.microsoft.com/office/powerpoint/2010/main" val="3495790653"/>
-      </p:ext>
-    </p:extLst>
   </p:cSld>
   <p:clrMapOvr>
     <a:masterClrMapping/>
@@ -4816,7 +4897,7 @@
           <p:nvPr/>
         </p:nvPicPr>
         <p:blipFill>
-          <a:blip r:embed="rId2">
+          <a:blip r:embed="rId1">
             <a:extLst>
               <a:ext uri="{28A0092B-C50C-407E-A947-70E740481C1C}">
                 <a14:useLocalDpi xmlns:a14="http://schemas.microsoft.com/office/drawing/2010/main" val="0"/>
@@ -4880,7 +4961,7 @@
           <p:nvPr/>
         </p:nvPicPr>
         <p:blipFill rotWithShape="1">
-          <a:blip r:embed="rId3">
+          <a:blip r:embed="rId2">
             <a:extLst>
               <a:ext uri="{28A0092B-C50C-407E-A947-70E740481C1C}">
                 <a14:useLocalDpi xmlns:a14="http://schemas.microsoft.com/office/drawing/2010/main" val="0"/>
@@ -4888,7 +4969,9 @@
             </a:extLst>
           </a:blip>
           <a:srcRect r="4751" b="6302"/>
-          <a:stretch/>
+          <a:stretch>
+            <a:fillRect/>
+          </a:stretch>
         </p:blipFill>
         <p:spPr bwMode="auto">
           <a:xfrm>
@@ -4942,7 +5025,7 @@
           <p:nvPr/>
         </p:nvPicPr>
         <p:blipFill>
-          <a:blip r:embed="rId4">
+          <a:blip r:embed="rId3">
             <a:extLst>
               <a:ext uri="{28A0092B-C50C-407E-A947-70E740481C1C}">
                 <a14:useLocalDpi xmlns:a14="http://schemas.microsoft.com/office/drawing/2010/main" val="0"/>
@@ -5199,7 +5282,7 @@
           <p:nvPr/>
         </p:nvPicPr>
         <p:blipFill>
-          <a:blip r:embed="rId5">
+          <a:blip r:embed="rId4">
             <a:extLst>
               <a:ext uri="{28A0092B-C50C-407E-A947-70E740481C1C}">
                 <a14:useLocalDpi xmlns:a14="http://schemas.microsoft.com/office/drawing/2010/main" val="0"/>
@@ -5563,11 +5646,6 @@
         </p:style>
       </p:cxnSp>
     </p:spTree>
-    <p:extLst>
-      <p:ext uri="{BB962C8B-B14F-4D97-AF65-F5344CB8AC3E}">
-        <p14:creationId xmlns:p14="http://schemas.microsoft.com/office/powerpoint/2010/main" val="1264071773"/>
-      </p:ext>
-    </p:extLst>
   </p:cSld>
   <p:clrMapOvr>
     <a:masterClrMapping/>
@@ -5620,7 +5698,7 @@
                   <a:srgbClr val="FFFF00"/>
                 </a:solidFill>
               </a:rPr>
-              <a:t>Desafio/ Superação</a:t>
+              <a:t>Agradecimentos</a:t>
             </a:r>
             <a:endParaRPr lang="pt-BR" dirty="0">
               <a:solidFill>
@@ -5637,21 +5715,84 @@
             <a:spLocks noGrp="1"/>
           </p:cNvSpPr>
           <p:nvPr>
-            <p:ph idx="1"/>
-          </p:nvPr>
-        </p:nvSpPr>
-        <p:spPr/>
+            <p:ph sz="half" idx="1"/>
+          </p:nvPr>
+        </p:nvSpPr>
+        <p:spPr>
+          <a:xfrm>
+            <a:off x="457200" y="1417638"/>
+            <a:ext cx="4038600" cy="2443410"/>
+          </a:xfrm>
+          <a:ln>
+            <a:solidFill>
+              <a:srgbClr val="FFFF00"/>
+            </a:solidFill>
+          </a:ln>
+        </p:spPr>
         <p:txBody>
           <a:bodyPr/>
           <a:lstStyle/>
           <a:p>
-            <a:endParaRPr lang="pt-BR" dirty="0"/>
-          </a:p>
-        </p:txBody>
-      </p:sp>
-      <p:sp>
-        <p:nvSpPr>
-          <p:cNvPr id="4" name="Retângulo 3"/>
+            <a:r>
+              <a:rPr lang="pt-BR" dirty="0" smtClean="0">
+                <a:solidFill>
+                  <a:srgbClr val="FFFF00"/>
+                </a:solidFill>
+              </a:rPr>
+              <a:t>Veruska Brandão</a:t>
+            </a:r>
+            <a:endParaRPr lang="pt-BR" dirty="0">
+              <a:solidFill>
+                <a:srgbClr val="FFFF00"/>
+              </a:solidFill>
+            </a:endParaRPr>
+          </a:p>
+        </p:txBody>
+      </p:sp>
+      <p:sp>
+        <p:nvSpPr>
+          <p:cNvPr id="4" name="Espaço Reservado para Conteúdo 3"/>
+          <p:cNvSpPr>
+            <a:spLocks noGrp="1"/>
+          </p:cNvSpPr>
+          <p:nvPr>
+            <p:ph sz="half" idx="2"/>
+          </p:nvPr>
+        </p:nvSpPr>
+        <p:spPr>
+          <a:xfrm>
+            <a:off x="4648200" y="1417638"/>
+            <a:ext cx="4038600" cy="2443410"/>
+          </a:xfrm>
+          <a:ln>
+            <a:solidFill>
+              <a:srgbClr val="FFFF00"/>
+            </a:solidFill>
+          </a:ln>
+        </p:spPr>
+        <p:txBody>
+          <a:bodyPr/>
+          <a:lstStyle/>
+          <a:p>
+            <a:r>
+              <a:rPr lang="pt-BR" dirty="0" smtClean="0">
+                <a:solidFill>
+                  <a:srgbClr val="FFFF00"/>
+                </a:solidFill>
+              </a:rPr>
+              <a:t>Fernando Brandão</a:t>
+            </a:r>
+            <a:endParaRPr lang="pt-BR" dirty="0">
+              <a:solidFill>
+                <a:srgbClr val="FFFF00"/>
+              </a:solidFill>
+            </a:endParaRPr>
+          </a:p>
+        </p:txBody>
+      </p:sp>
+      <p:sp>
+        <p:nvSpPr>
+          <p:cNvPr id="5" name="Retângulo 4"/>
           <p:cNvSpPr/>
           <p:nvPr/>
         </p:nvSpPr>
@@ -5695,12 +5836,371 @@
           </a:p>
         </p:txBody>
       </p:sp>
+      <p:sp>
+        <p:nvSpPr>
+          <p:cNvPr id="6" name="Espaço Reservado para Conteúdo 2"/>
+          <p:cNvSpPr txBox="1"/>
+          <p:nvPr/>
+        </p:nvSpPr>
+        <p:spPr>
+          <a:xfrm>
+            <a:off x="457200" y="4005064"/>
+            <a:ext cx="4038600" cy="2520280"/>
+          </a:xfrm>
+          <a:prstGeom prst="rect">
+            <a:avLst/>
+          </a:prstGeom>
+          <a:ln>
+            <a:solidFill>
+              <a:srgbClr val="FFFF00"/>
+            </a:solidFill>
+          </a:ln>
+        </p:spPr>
+        <p:txBody>
+          <a:bodyPr vert="horz" lIns="91440" tIns="45720" rIns="91440" bIns="45720" rtlCol="0">
+            <a:normAutofit/>
+          </a:bodyPr>
+          <a:lstStyle>
+            <a:lvl1pPr marL="342900" indent="-342900" algn="l" defTabSz="914400" rtl="0" eaLnBrk="1" latinLnBrk="0" hangingPunct="1">
+              <a:spcBef>
+                <a:spcPct val="20000"/>
+              </a:spcBef>
+              <a:buFont typeface="Arial" panose="020B0604020202020204" pitchFamily="34" charset="0"/>
+              <a:buChar char="•"/>
+              <a:defRPr sz="2800" kern="1200">
+                <a:solidFill>
+                  <a:schemeClr val="tx1"/>
+                </a:solidFill>
+                <a:latin typeface="+mn-lt"/>
+                <a:ea typeface="+mn-ea"/>
+                <a:cs typeface="+mn-cs"/>
+              </a:defRPr>
+            </a:lvl1pPr>
+            <a:lvl2pPr marL="742950" indent="-285750" algn="l" defTabSz="914400" rtl="0" eaLnBrk="1" latinLnBrk="0" hangingPunct="1">
+              <a:spcBef>
+                <a:spcPct val="20000"/>
+              </a:spcBef>
+              <a:buFont typeface="Arial" panose="020B0604020202020204" pitchFamily="34" charset="0"/>
+              <a:buChar char="–"/>
+              <a:defRPr sz="2400" kern="1200">
+                <a:solidFill>
+                  <a:schemeClr val="tx1"/>
+                </a:solidFill>
+                <a:latin typeface="+mn-lt"/>
+                <a:ea typeface="+mn-ea"/>
+                <a:cs typeface="+mn-cs"/>
+              </a:defRPr>
+            </a:lvl2pPr>
+            <a:lvl3pPr marL="1143000" indent="-228600" algn="l" defTabSz="914400" rtl="0" eaLnBrk="1" latinLnBrk="0" hangingPunct="1">
+              <a:spcBef>
+                <a:spcPct val="20000"/>
+              </a:spcBef>
+              <a:buFont typeface="Arial" panose="020B0604020202020204" pitchFamily="34" charset="0"/>
+              <a:buChar char="•"/>
+              <a:defRPr sz="2000" kern="1200">
+                <a:solidFill>
+                  <a:schemeClr val="tx1"/>
+                </a:solidFill>
+                <a:latin typeface="+mn-lt"/>
+                <a:ea typeface="+mn-ea"/>
+                <a:cs typeface="+mn-cs"/>
+              </a:defRPr>
+            </a:lvl3pPr>
+            <a:lvl4pPr marL="1600200" indent="-228600" algn="l" defTabSz="914400" rtl="0" eaLnBrk="1" latinLnBrk="0" hangingPunct="1">
+              <a:spcBef>
+                <a:spcPct val="20000"/>
+              </a:spcBef>
+              <a:buFont typeface="Arial" panose="020B0604020202020204" pitchFamily="34" charset="0"/>
+              <a:buChar char="–"/>
+              <a:defRPr sz="1800" kern="1200">
+                <a:solidFill>
+                  <a:schemeClr val="tx1"/>
+                </a:solidFill>
+                <a:latin typeface="+mn-lt"/>
+                <a:ea typeface="+mn-ea"/>
+                <a:cs typeface="+mn-cs"/>
+              </a:defRPr>
+            </a:lvl4pPr>
+            <a:lvl5pPr marL="2057400" indent="-228600" algn="l" defTabSz="914400" rtl="0" eaLnBrk="1" latinLnBrk="0" hangingPunct="1">
+              <a:spcBef>
+                <a:spcPct val="20000"/>
+              </a:spcBef>
+              <a:buFont typeface="Arial" panose="020B0604020202020204" pitchFamily="34" charset="0"/>
+              <a:buChar char="»"/>
+              <a:defRPr sz="1800" kern="1200">
+                <a:solidFill>
+                  <a:schemeClr val="tx1"/>
+                </a:solidFill>
+                <a:latin typeface="+mn-lt"/>
+                <a:ea typeface="+mn-ea"/>
+                <a:cs typeface="+mn-cs"/>
+              </a:defRPr>
+            </a:lvl5pPr>
+            <a:lvl6pPr marL="2514600" indent="-228600" algn="l" defTabSz="914400" rtl="0" eaLnBrk="1" latinLnBrk="0" hangingPunct="1">
+              <a:spcBef>
+                <a:spcPct val="20000"/>
+              </a:spcBef>
+              <a:buFont typeface="Arial" panose="020B0604020202020204" pitchFamily="34" charset="0"/>
+              <a:buChar char="•"/>
+              <a:defRPr sz="1800" kern="1200">
+                <a:solidFill>
+                  <a:schemeClr val="tx1"/>
+                </a:solidFill>
+                <a:latin typeface="+mn-lt"/>
+                <a:ea typeface="+mn-ea"/>
+                <a:cs typeface="+mn-cs"/>
+              </a:defRPr>
+            </a:lvl6pPr>
+            <a:lvl7pPr marL="2971800" indent="-228600" algn="l" defTabSz="914400" rtl="0" eaLnBrk="1" latinLnBrk="0" hangingPunct="1">
+              <a:spcBef>
+                <a:spcPct val="20000"/>
+              </a:spcBef>
+              <a:buFont typeface="Arial" panose="020B0604020202020204" pitchFamily="34" charset="0"/>
+              <a:buChar char="•"/>
+              <a:defRPr sz="1800" kern="1200">
+                <a:solidFill>
+                  <a:schemeClr val="tx1"/>
+                </a:solidFill>
+                <a:latin typeface="+mn-lt"/>
+                <a:ea typeface="+mn-ea"/>
+                <a:cs typeface="+mn-cs"/>
+              </a:defRPr>
+            </a:lvl7pPr>
+            <a:lvl8pPr marL="3429000" indent="-228600" algn="l" defTabSz="914400" rtl="0" eaLnBrk="1" latinLnBrk="0" hangingPunct="1">
+              <a:spcBef>
+                <a:spcPct val="20000"/>
+              </a:spcBef>
+              <a:buFont typeface="Arial" panose="020B0604020202020204" pitchFamily="34" charset="0"/>
+              <a:buChar char="•"/>
+              <a:defRPr sz="1800" kern="1200">
+                <a:solidFill>
+                  <a:schemeClr val="tx1"/>
+                </a:solidFill>
+                <a:latin typeface="+mn-lt"/>
+                <a:ea typeface="+mn-ea"/>
+                <a:cs typeface="+mn-cs"/>
+              </a:defRPr>
+            </a:lvl8pPr>
+            <a:lvl9pPr marL="3886200" indent="-228600" algn="l" defTabSz="914400" rtl="0" eaLnBrk="1" latinLnBrk="0" hangingPunct="1">
+              <a:spcBef>
+                <a:spcPct val="20000"/>
+              </a:spcBef>
+              <a:buFont typeface="Arial" panose="020B0604020202020204" pitchFamily="34" charset="0"/>
+              <a:buChar char="•"/>
+              <a:defRPr sz="1800" kern="1200">
+                <a:solidFill>
+                  <a:schemeClr val="tx1"/>
+                </a:solidFill>
+                <a:latin typeface="+mn-lt"/>
+                <a:ea typeface="+mn-ea"/>
+                <a:cs typeface="+mn-cs"/>
+              </a:defRPr>
+            </a:lvl9pPr>
+          </a:lstStyle>
+          <a:p>
+            <a:r>
+              <a:rPr lang="pt-BR" dirty="0" smtClean="0">
+                <a:solidFill>
+                  <a:srgbClr val="FFFF00"/>
+                </a:solidFill>
+              </a:rPr>
+              <a:t>Cristian Alexandre</a:t>
+            </a:r>
+            <a:endParaRPr lang="pt-BR" dirty="0">
+              <a:solidFill>
+                <a:srgbClr val="FFFF00"/>
+              </a:solidFill>
+            </a:endParaRPr>
+          </a:p>
+        </p:txBody>
+      </p:sp>
+      <p:sp>
+        <p:nvSpPr>
+          <p:cNvPr id="7" name="Espaço Reservado para Conteúdo 2"/>
+          <p:cNvSpPr txBox="1"/>
+          <p:nvPr/>
+        </p:nvSpPr>
+        <p:spPr>
+          <a:xfrm>
+            <a:off x="4648200" y="4005064"/>
+            <a:ext cx="4038600" cy="2520280"/>
+          </a:xfrm>
+          <a:prstGeom prst="rect">
+            <a:avLst/>
+          </a:prstGeom>
+          <a:ln>
+            <a:solidFill>
+              <a:srgbClr val="FFFF00"/>
+            </a:solidFill>
+          </a:ln>
+        </p:spPr>
+        <p:txBody>
+          <a:bodyPr vert="horz" lIns="91440" tIns="45720" rIns="91440" bIns="45720" rtlCol="0">
+            <a:normAutofit/>
+          </a:bodyPr>
+          <a:lstStyle>
+            <a:lvl1pPr marL="342900" indent="-342900" algn="l" defTabSz="914400" rtl="0" eaLnBrk="1" latinLnBrk="0" hangingPunct="1">
+              <a:spcBef>
+                <a:spcPct val="20000"/>
+              </a:spcBef>
+              <a:buFont typeface="Arial" panose="020B0604020202020204" pitchFamily="34" charset="0"/>
+              <a:buChar char="•"/>
+              <a:defRPr sz="2800" kern="1200">
+                <a:solidFill>
+                  <a:schemeClr val="tx1"/>
+                </a:solidFill>
+                <a:latin typeface="+mn-lt"/>
+                <a:ea typeface="+mn-ea"/>
+                <a:cs typeface="+mn-cs"/>
+              </a:defRPr>
+            </a:lvl1pPr>
+            <a:lvl2pPr marL="742950" indent="-285750" algn="l" defTabSz="914400" rtl="0" eaLnBrk="1" latinLnBrk="0" hangingPunct="1">
+              <a:spcBef>
+                <a:spcPct val="20000"/>
+              </a:spcBef>
+              <a:buFont typeface="Arial" panose="020B0604020202020204" pitchFamily="34" charset="0"/>
+              <a:buChar char="–"/>
+              <a:defRPr sz="2400" kern="1200">
+                <a:solidFill>
+                  <a:schemeClr val="tx1"/>
+                </a:solidFill>
+                <a:latin typeface="+mn-lt"/>
+                <a:ea typeface="+mn-ea"/>
+                <a:cs typeface="+mn-cs"/>
+              </a:defRPr>
+            </a:lvl2pPr>
+            <a:lvl3pPr marL="1143000" indent="-228600" algn="l" defTabSz="914400" rtl="0" eaLnBrk="1" latinLnBrk="0" hangingPunct="1">
+              <a:spcBef>
+                <a:spcPct val="20000"/>
+              </a:spcBef>
+              <a:buFont typeface="Arial" panose="020B0604020202020204" pitchFamily="34" charset="0"/>
+              <a:buChar char="•"/>
+              <a:defRPr sz="2000" kern="1200">
+                <a:solidFill>
+                  <a:schemeClr val="tx1"/>
+                </a:solidFill>
+                <a:latin typeface="+mn-lt"/>
+                <a:ea typeface="+mn-ea"/>
+                <a:cs typeface="+mn-cs"/>
+              </a:defRPr>
+            </a:lvl3pPr>
+            <a:lvl4pPr marL="1600200" indent="-228600" algn="l" defTabSz="914400" rtl="0" eaLnBrk="1" latinLnBrk="0" hangingPunct="1">
+              <a:spcBef>
+                <a:spcPct val="20000"/>
+              </a:spcBef>
+              <a:buFont typeface="Arial" panose="020B0604020202020204" pitchFamily="34" charset="0"/>
+              <a:buChar char="–"/>
+              <a:defRPr sz="1800" kern="1200">
+                <a:solidFill>
+                  <a:schemeClr val="tx1"/>
+                </a:solidFill>
+                <a:latin typeface="+mn-lt"/>
+                <a:ea typeface="+mn-ea"/>
+                <a:cs typeface="+mn-cs"/>
+              </a:defRPr>
+            </a:lvl4pPr>
+            <a:lvl5pPr marL="2057400" indent="-228600" algn="l" defTabSz="914400" rtl="0" eaLnBrk="1" latinLnBrk="0" hangingPunct="1">
+              <a:spcBef>
+                <a:spcPct val="20000"/>
+              </a:spcBef>
+              <a:buFont typeface="Arial" panose="020B0604020202020204" pitchFamily="34" charset="0"/>
+              <a:buChar char="»"/>
+              <a:defRPr sz="1800" kern="1200">
+                <a:solidFill>
+                  <a:schemeClr val="tx1"/>
+                </a:solidFill>
+                <a:latin typeface="+mn-lt"/>
+                <a:ea typeface="+mn-ea"/>
+                <a:cs typeface="+mn-cs"/>
+              </a:defRPr>
+            </a:lvl5pPr>
+            <a:lvl6pPr marL="2514600" indent="-228600" algn="l" defTabSz="914400" rtl="0" eaLnBrk="1" latinLnBrk="0" hangingPunct="1">
+              <a:spcBef>
+                <a:spcPct val="20000"/>
+              </a:spcBef>
+              <a:buFont typeface="Arial" panose="020B0604020202020204" pitchFamily="34" charset="0"/>
+              <a:buChar char="•"/>
+              <a:defRPr sz="1800" kern="1200">
+                <a:solidFill>
+                  <a:schemeClr val="tx1"/>
+                </a:solidFill>
+                <a:latin typeface="+mn-lt"/>
+                <a:ea typeface="+mn-ea"/>
+                <a:cs typeface="+mn-cs"/>
+              </a:defRPr>
+            </a:lvl6pPr>
+            <a:lvl7pPr marL="2971800" indent="-228600" algn="l" defTabSz="914400" rtl="0" eaLnBrk="1" latinLnBrk="0" hangingPunct="1">
+              <a:spcBef>
+                <a:spcPct val="20000"/>
+              </a:spcBef>
+              <a:buFont typeface="Arial" panose="020B0604020202020204" pitchFamily="34" charset="0"/>
+              <a:buChar char="•"/>
+              <a:defRPr sz="1800" kern="1200">
+                <a:solidFill>
+                  <a:schemeClr val="tx1"/>
+                </a:solidFill>
+                <a:latin typeface="+mn-lt"/>
+                <a:ea typeface="+mn-ea"/>
+                <a:cs typeface="+mn-cs"/>
+              </a:defRPr>
+            </a:lvl7pPr>
+            <a:lvl8pPr marL="3429000" indent="-228600" algn="l" defTabSz="914400" rtl="0" eaLnBrk="1" latinLnBrk="0" hangingPunct="1">
+              <a:spcBef>
+                <a:spcPct val="20000"/>
+              </a:spcBef>
+              <a:buFont typeface="Arial" panose="020B0604020202020204" pitchFamily="34" charset="0"/>
+              <a:buChar char="•"/>
+              <a:defRPr sz="1800" kern="1200">
+                <a:solidFill>
+                  <a:schemeClr val="tx1"/>
+                </a:solidFill>
+                <a:latin typeface="+mn-lt"/>
+                <a:ea typeface="+mn-ea"/>
+                <a:cs typeface="+mn-cs"/>
+              </a:defRPr>
+            </a:lvl8pPr>
+            <a:lvl9pPr marL="3886200" indent="-228600" algn="l" defTabSz="914400" rtl="0" eaLnBrk="1" latinLnBrk="0" hangingPunct="1">
+              <a:spcBef>
+                <a:spcPct val="20000"/>
+              </a:spcBef>
+              <a:buFont typeface="Arial" panose="020B0604020202020204" pitchFamily="34" charset="0"/>
+              <a:buChar char="•"/>
+              <a:defRPr sz="1800" kern="1200">
+                <a:solidFill>
+                  <a:schemeClr val="tx1"/>
+                </a:solidFill>
+                <a:latin typeface="+mn-lt"/>
+                <a:ea typeface="+mn-ea"/>
+                <a:cs typeface="+mn-cs"/>
+              </a:defRPr>
+            </a:lvl9pPr>
+          </a:lstStyle>
+          <a:p>
+            <a:r>
+              <a:rPr lang="pt-BR" dirty="0" smtClean="0">
+                <a:solidFill>
+                  <a:srgbClr val="FFFF00"/>
+                </a:solidFill>
+              </a:rPr>
+              <a:t>Enzo </a:t>
+            </a:r>
+            <a:r>
+              <a:rPr lang="pt-BR" dirty="0" err="1" smtClean="0">
+                <a:solidFill>
+                  <a:srgbClr val="FFFF00"/>
+                </a:solidFill>
+              </a:rPr>
+              <a:t>Fabrizio</a:t>
+            </a:r>
+            <a:endParaRPr lang="pt-BR" dirty="0">
+              <a:solidFill>
+                <a:srgbClr val="FFFF00"/>
+              </a:solidFill>
+            </a:endParaRPr>
+          </a:p>
+        </p:txBody>
+      </p:sp>
     </p:spTree>
-    <p:extLst>
-      <p:ext uri="{BB962C8B-B14F-4D97-AF65-F5344CB8AC3E}">
-        <p14:creationId xmlns:p14="http://schemas.microsoft.com/office/powerpoint/2010/main" val="2674887327"/>
-      </p:ext>
-    </p:extLst>
   </p:cSld>
   <p:clrMapOvr>
     <a:masterClrMapping/>
@@ -5753,7 +6253,7 @@
                   <a:srgbClr val="FFFF00"/>
                 </a:solidFill>
               </a:rPr>
-              <a:t>Agradecimentos</a:t>
+              <a:t>Conclusão</a:t>
             </a:r>
             <a:endParaRPr lang="pt-BR" dirty="0">
               <a:solidFill>
@@ -5773,34 +6273,12 @@
             <p:ph sz="half" idx="1"/>
           </p:nvPr>
         </p:nvSpPr>
-        <p:spPr>
-          <a:xfrm>
-            <a:off x="457200" y="1417638"/>
-            <a:ext cx="4038600" cy="2443410"/>
-          </a:xfrm>
-          <a:ln>
-            <a:solidFill>
-              <a:srgbClr val="FFFF00"/>
-            </a:solidFill>
-          </a:ln>
-        </p:spPr>
+        <p:spPr/>
         <p:txBody>
           <a:bodyPr/>
           <a:lstStyle/>
           <a:p>
-            <a:r>
-              <a:rPr lang="pt-BR" dirty="0" smtClean="0">
-                <a:solidFill>
-                  <a:srgbClr val="FFFF00"/>
-                </a:solidFill>
-              </a:rPr>
-              <a:t>Veruska Brandão</a:t>
-            </a:r>
-            <a:endParaRPr lang="pt-BR" dirty="0">
-              <a:solidFill>
-                <a:srgbClr val="FFFF00"/>
-              </a:solidFill>
-            </a:endParaRPr>
+            <a:endParaRPr lang="pt-BR"/>
           </a:p>
         </p:txBody>
       </p:sp>
@@ -5814,40 +6292,18 @@
             <p:ph sz="half" idx="2"/>
           </p:nvPr>
         </p:nvSpPr>
-        <p:spPr>
-          <a:xfrm>
-            <a:off x="4648200" y="1417638"/>
-            <a:ext cx="4038600" cy="2443410"/>
-          </a:xfrm>
-          <a:ln>
-            <a:solidFill>
-              <a:srgbClr val="FFFF00"/>
-            </a:solidFill>
-          </a:ln>
-        </p:spPr>
+        <p:spPr/>
         <p:txBody>
           <a:bodyPr/>
           <a:lstStyle/>
           <a:p>
-            <a:r>
-              <a:rPr lang="pt-BR" dirty="0" smtClean="0">
-                <a:solidFill>
-                  <a:srgbClr val="FFFF00"/>
-                </a:solidFill>
-              </a:rPr>
-              <a:t>Fernando Brandão</a:t>
-            </a:r>
-            <a:endParaRPr lang="pt-BR" dirty="0">
-              <a:solidFill>
-                <a:srgbClr val="FFFF00"/>
-              </a:solidFill>
-            </a:endParaRPr>
-          </a:p>
-        </p:txBody>
-      </p:sp>
-      <p:sp>
-        <p:nvSpPr>
-          <p:cNvPr id="5" name="Retângulo 4"/>
+            <a:endParaRPr lang="pt-BR"/>
+          </a:p>
+        </p:txBody>
+      </p:sp>
+      <p:sp>
+        <p:nvSpPr>
+          <p:cNvPr id="6" name="Retângulo 5"/>
           <p:cNvSpPr/>
           <p:nvPr/>
         </p:nvSpPr>
@@ -5891,380 +6347,7 @@
           </a:p>
         </p:txBody>
       </p:sp>
-      <p:sp>
-        <p:nvSpPr>
-          <p:cNvPr id="6" name="Espaço Reservado para Conteúdo 2"/>
-          <p:cNvSpPr txBox="1">
-            <a:spLocks/>
-          </p:cNvSpPr>
-          <p:nvPr/>
-        </p:nvSpPr>
-        <p:spPr>
-          <a:xfrm>
-            <a:off x="457200" y="4005064"/>
-            <a:ext cx="4038600" cy="2520280"/>
-          </a:xfrm>
-          <a:prstGeom prst="rect">
-            <a:avLst/>
-          </a:prstGeom>
-          <a:ln>
-            <a:solidFill>
-              <a:srgbClr val="FFFF00"/>
-            </a:solidFill>
-          </a:ln>
-        </p:spPr>
-        <p:txBody>
-          <a:bodyPr vert="horz" lIns="91440" tIns="45720" rIns="91440" bIns="45720" rtlCol="0">
-            <a:normAutofit/>
-          </a:bodyPr>
-          <a:lstStyle>
-            <a:lvl1pPr marL="342900" indent="-342900" algn="l" defTabSz="914400" rtl="0" eaLnBrk="1" latinLnBrk="0" hangingPunct="1">
-              <a:spcBef>
-                <a:spcPct val="20000"/>
-              </a:spcBef>
-              <a:buFont typeface="Arial" pitchFamily="34" charset="0"/>
-              <a:buChar char="•"/>
-              <a:defRPr sz="2800" kern="1200">
-                <a:solidFill>
-                  <a:schemeClr val="tx1"/>
-                </a:solidFill>
-                <a:latin typeface="+mn-lt"/>
-                <a:ea typeface="+mn-ea"/>
-                <a:cs typeface="+mn-cs"/>
-              </a:defRPr>
-            </a:lvl1pPr>
-            <a:lvl2pPr marL="742950" indent="-285750" algn="l" defTabSz="914400" rtl="0" eaLnBrk="1" latinLnBrk="0" hangingPunct="1">
-              <a:spcBef>
-                <a:spcPct val="20000"/>
-              </a:spcBef>
-              <a:buFont typeface="Arial" pitchFamily="34" charset="0"/>
-              <a:buChar char="–"/>
-              <a:defRPr sz="2400" kern="1200">
-                <a:solidFill>
-                  <a:schemeClr val="tx1"/>
-                </a:solidFill>
-                <a:latin typeface="+mn-lt"/>
-                <a:ea typeface="+mn-ea"/>
-                <a:cs typeface="+mn-cs"/>
-              </a:defRPr>
-            </a:lvl2pPr>
-            <a:lvl3pPr marL="1143000" indent="-228600" algn="l" defTabSz="914400" rtl="0" eaLnBrk="1" latinLnBrk="0" hangingPunct="1">
-              <a:spcBef>
-                <a:spcPct val="20000"/>
-              </a:spcBef>
-              <a:buFont typeface="Arial" pitchFamily="34" charset="0"/>
-              <a:buChar char="•"/>
-              <a:defRPr sz="2000" kern="1200">
-                <a:solidFill>
-                  <a:schemeClr val="tx1"/>
-                </a:solidFill>
-                <a:latin typeface="+mn-lt"/>
-                <a:ea typeface="+mn-ea"/>
-                <a:cs typeface="+mn-cs"/>
-              </a:defRPr>
-            </a:lvl3pPr>
-            <a:lvl4pPr marL="1600200" indent="-228600" algn="l" defTabSz="914400" rtl="0" eaLnBrk="1" latinLnBrk="0" hangingPunct="1">
-              <a:spcBef>
-                <a:spcPct val="20000"/>
-              </a:spcBef>
-              <a:buFont typeface="Arial" pitchFamily="34" charset="0"/>
-              <a:buChar char="–"/>
-              <a:defRPr sz="1800" kern="1200">
-                <a:solidFill>
-                  <a:schemeClr val="tx1"/>
-                </a:solidFill>
-                <a:latin typeface="+mn-lt"/>
-                <a:ea typeface="+mn-ea"/>
-                <a:cs typeface="+mn-cs"/>
-              </a:defRPr>
-            </a:lvl4pPr>
-            <a:lvl5pPr marL="2057400" indent="-228600" algn="l" defTabSz="914400" rtl="0" eaLnBrk="1" latinLnBrk="0" hangingPunct="1">
-              <a:spcBef>
-                <a:spcPct val="20000"/>
-              </a:spcBef>
-              <a:buFont typeface="Arial" pitchFamily="34" charset="0"/>
-              <a:buChar char="»"/>
-              <a:defRPr sz="1800" kern="1200">
-                <a:solidFill>
-                  <a:schemeClr val="tx1"/>
-                </a:solidFill>
-                <a:latin typeface="+mn-lt"/>
-                <a:ea typeface="+mn-ea"/>
-                <a:cs typeface="+mn-cs"/>
-              </a:defRPr>
-            </a:lvl5pPr>
-            <a:lvl6pPr marL="2514600" indent="-228600" algn="l" defTabSz="914400" rtl="0" eaLnBrk="1" latinLnBrk="0" hangingPunct="1">
-              <a:spcBef>
-                <a:spcPct val="20000"/>
-              </a:spcBef>
-              <a:buFont typeface="Arial" pitchFamily="34" charset="0"/>
-              <a:buChar char="•"/>
-              <a:defRPr sz="1800" kern="1200">
-                <a:solidFill>
-                  <a:schemeClr val="tx1"/>
-                </a:solidFill>
-                <a:latin typeface="+mn-lt"/>
-                <a:ea typeface="+mn-ea"/>
-                <a:cs typeface="+mn-cs"/>
-              </a:defRPr>
-            </a:lvl6pPr>
-            <a:lvl7pPr marL="2971800" indent="-228600" algn="l" defTabSz="914400" rtl="0" eaLnBrk="1" latinLnBrk="0" hangingPunct="1">
-              <a:spcBef>
-                <a:spcPct val="20000"/>
-              </a:spcBef>
-              <a:buFont typeface="Arial" pitchFamily="34" charset="0"/>
-              <a:buChar char="•"/>
-              <a:defRPr sz="1800" kern="1200">
-                <a:solidFill>
-                  <a:schemeClr val="tx1"/>
-                </a:solidFill>
-                <a:latin typeface="+mn-lt"/>
-                <a:ea typeface="+mn-ea"/>
-                <a:cs typeface="+mn-cs"/>
-              </a:defRPr>
-            </a:lvl7pPr>
-            <a:lvl8pPr marL="3429000" indent="-228600" algn="l" defTabSz="914400" rtl="0" eaLnBrk="1" latinLnBrk="0" hangingPunct="1">
-              <a:spcBef>
-                <a:spcPct val="20000"/>
-              </a:spcBef>
-              <a:buFont typeface="Arial" pitchFamily="34" charset="0"/>
-              <a:buChar char="•"/>
-              <a:defRPr sz="1800" kern="1200">
-                <a:solidFill>
-                  <a:schemeClr val="tx1"/>
-                </a:solidFill>
-                <a:latin typeface="+mn-lt"/>
-                <a:ea typeface="+mn-ea"/>
-                <a:cs typeface="+mn-cs"/>
-              </a:defRPr>
-            </a:lvl8pPr>
-            <a:lvl9pPr marL="3886200" indent="-228600" algn="l" defTabSz="914400" rtl="0" eaLnBrk="1" latinLnBrk="0" hangingPunct="1">
-              <a:spcBef>
-                <a:spcPct val="20000"/>
-              </a:spcBef>
-              <a:buFont typeface="Arial" pitchFamily="34" charset="0"/>
-              <a:buChar char="•"/>
-              <a:defRPr sz="1800" kern="1200">
-                <a:solidFill>
-                  <a:schemeClr val="tx1"/>
-                </a:solidFill>
-                <a:latin typeface="+mn-lt"/>
-                <a:ea typeface="+mn-ea"/>
-                <a:cs typeface="+mn-cs"/>
-              </a:defRPr>
-            </a:lvl9pPr>
-          </a:lstStyle>
-          <a:p>
-            <a:r>
-              <a:rPr lang="pt-BR" dirty="0" smtClean="0">
-                <a:solidFill>
-                  <a:srgbClr val="FFFF00"/>
-                </a:solidFill>
-              </a:rPr>
-              <a:t>Cristian Alexandre</a:t>
-            </a:r>
-            <a:endParaRPr lang="pt-BR" dirty="0">
-              <a:solidFill>
-                <a:srgbClr val="FFFF00"/>
-              </a:solidFill>
-            </a:endParaRPr>
-          </a:p>
-        </p:txBody>
-      </p:sp>
-      <p:sp>
-        <p:nvSpPr>
-          <p:cNvPr id="7" name="Espaço Reservado para Conteúdo 2"/>
-          <p:cNvSpPr txBox="1">
-            <a:spLocks/>
-          </p:cNvSpPr>
-          <p:nvPr/>
-        </p:nvSpPr>
-        <p:spPr>
-          <a:xfrm>
-            <a:off x="4648200" y="4005064"/>
-            <a:ext cx="4038600" cy="2520280"/>
-          </a:xfrm>
-          <a:prstGeom prst="rect">
-            <a:avLst/>
-          </a:prstGeom>
-          <a:ln>
-            <a:solidFill>
-              <a:srgbClr val="FFFF00"/>
-            </a:solidFill>
-          </a:ln>
-        </p:spPr>
-        <p:txBody>
-          <a:bodyPr vert="horz" lIns="91440" tIns="45720" rIns="91440" bIns="45720" rtlCol="0">
-            <a:normAutofit/>
-          </a:bodyPr>
-          <a:lstStyle>
-            <a:lvl1pPr marL="342900" indent="-342900" algn="l" defTabSz="914400" rtl="0" eaLnBrk="1" latinLnBrk="0" hangingPunct="1">
-              <a:spcBef>
-                <a:spcPct val="20000"/>
-              </a:spcBef>
-              <a:buFont typeface="Arial" pitchFamily="34" charset="0"/>
-              <a:buChar char="•"/>
-              <a:defRPr sz="2800" kern="1200">
-                <a:solidFill>
-                  <a:schemeClr val="tx1"/>
-                </a:solidFill>
-                <a:latin typeface="+mn-lt"/>
-                <a:ea typeface="+mn-ea"/>
-                <a:cs typeface="+mn-cs"/>
-              </a:defRPr>
-            </a:lvl1pPr>
-            <a:lvl2pPr marL="742950" indent="-285750" algn="l" defTabSz="914400" rtl="0" eaLnBrk="1" latinLnBrk="0" hangingPunct="1">
-              <a:spcBef>
-                <a:spcPct val="20000"/>
-              </a:spcBef>
-              <a:buFont typeface="Arial" pitchFamily="34" charset="0"/>
-              <a:buChar char="–"/>
-              <a:defRPr sz="2400" kern="1200">
-                <a:solidFill>
-                  <a:schemeClr val="tx1"/>
-                </a:solidFill>
-                <a:latin typeface="+mn-lt"/>
-                <a:ea typeface="+mn-ea"/>
-                <a:cs typeface="+mn-cs"/>
-              </a:defRPr>
-            </a:lvl2pPr>
-            <a:lvl3pPr marL="1143000" indent="-228600" algn="l" defTabSz="914400" rtl="0" eaLnBrk="1" latinLnBrk="0" hangingPunct="1">
-              <a:spcBef>
-                <a:spcPct val="20000"/>
-              </a:spcBef>
-              <a:buFont typeface="Arial" pitchFamily="34" charset="0"/>
-              <a:buChar char="•"/>
-              <a:defRPr sz="2000" kern="1200">
-                <a:solidFill>
-                  <a:schemeClr val="tx1"/>
-                </a:solidFill>
-                <a:latin typeface="+mn-lt"/>
-                <a:ea typeface="+mn-ea"/>
-                <a:cs typeface="+mn-cs"/>
-              </a:defRPr>
-            </a:lvl3pPr>
-            <a:lvl4pPr marL="1600200" indent="-228600" algn="l" defTabSz="914400" rtl="0" eaLnBrk="1" latinLnBrk="0" hangingPunct="1">
-              <a:spcBef>
-                <a:spcPct val="20000"/>
-              </a:spcBef>
-              <a:buFont typeface="Arial" pitchFamily="34" charset="0"/>
-              <a:buChar char="–"/>
-              <a:defRPr sz="1800" kern="1200">
-                <a:solidFill>
-                  <a:schemeClr val="tx1"/>
-                </a:solidFill>
-                <a:latin typeface="+mn-lt"/>
-                <a:ea typeface="+mn-ea"/>
-                <a:cs typeface="+mn-cs"/>
-              </a:defRPr>
-            </a:lvl4pPr>
-            <a:lvl5pPr marL="2057400" indent="-228600" algn="l" defTabSz="914400" rtl="0" eaLnBrk="1" latinLnBrk="0" hangingPunct="1">
-              <a:spcBef>
-                <a:spcPct val="20000"/>
-              </a:spcBef>
-              <a:buFont typeface="Arial" pitchFamily="34" charset="0"/>
-              <a:buChar char="»"/>
-              <a:defRPr sz="1800" kern="1200">
-                <a:solidFill>
-                  <a:schemeClr val="tx1"/>
-                </a:solidFill>
-                <a:latin typeface="+mn-lt"/>
-                <a:ea typeface="+mn-ea"/>
-                <a:cs typeface="+mn-cs"/>
-              </a:defRPr>
-            </a:lvl5pPr>
-            <a:lvl6pPr marL="2514600" indent="-228600" algn="l" defTabSz="914400" rtl="0" eaLnBrk="1" latinLnBrk="0" hangingPunct="1">
-              <a:spcBef>
-                <a:spcPct val="20000"/>
-              </a:spcBef>
-              <a:buFont typeface="Arial" pitchFamily="34" charset="0"/>
-              <a:buChar char="•"/>
-              <a:defRPr sz="1800" kern="1200">
-                <a:solidFill>
-                  <a:schemeClr val="tx1"/>
-                </a:solidFill>
-                <a:latin typeface="+mn-lt"/>
-                <a:ea typeface="+mn-ea"/>
-                <a:cs typeface="+mn-cs"/>
-              </a:defRPr>
-            </a:lvl6pPr>
-            <a:lvl7pPr marL="2971800" indent="-228600" algn="l" defTabSz="914400" rtl="0" eaLnBrk="1" latinLnBrk="0" hangingPunct="1">
-              <a:spcBef>
-                <a:spcPct val="20000"/>
-              </a:spcBef>
-              <a:buFont typeface="Arial" pitchFamily="34" charset="0"/>
-              <a:buChar char="•"/>
-              <a:defRPr sz="1800" kern="1200">
-                <a:solidFill>
-                  <a:schemeClr val="tx1"/>
-                </a:solidFill>
-                <a:latin typeface="+mn-lt"/>
-                <a:ea typeface="+mn-ea"/>
-                <a:cs typeface="+mn-cs"/>
-              </a:defRPr>
-            </a:lvl7pPr>
-            <a:lvl8pPr marL="3429000" indent="-228600" algn="l" defTabSz="914400" rtl="0" eaLnBrk="1" latinLnBrk="0" hangingPunct="1">
-              <a:spcBef>
-                <a:spcPct val="20000"/>
-              </a:spcBef>
-              <a:buFont typeface="Arial" pitchFamily="34" charset="0"/>
-              <a:buChar char="•"/>
-              <a:defRPr sz="1800" kern="1200">
-                <a:solidFill>
-                  <a:schemeClr val="tx1"/>
-                </a:solidFill>
-                <a:latin typeface="+mn-lt"/>
-                <a:ea typeface="+mn-ea"/>
-                <a:cs typeface="+mn-cs"/>
-              </a:defRPr>
-            </a:lvl8pPr>
-            <a:lvl9pPr marL="3886200" indent="-228600" algn="l" defTabSz="914400" rtl="0" eaLnBrk="1" latinLnBrk="0" hangingPunct="1">
-              <a:spcBef>
-                <a:spcPct val="20000"/>
-              </a:spcBef>
-              <a:buFont typeface="Arial" pitchFamily="34" charset="0"/>
-              <a:buChar char="•"/>
-              <a:defRPr sz="1800" kern="1200">
-                <a:solidFill>
-                  <a:schemeClr val="tx1"/>
-                </a:solidFill>
-                <a:latin typeface="+mn-lt"/>
-                <a:ea typeface="+mn-ea"/>
-                <a:cs typeface="+mn-cs"/>
-              </a:defRPr>
-            </a:lvl9pPr>
-          </a:lstStyle>
-          <a:p>
-            <a:r>
-              <a:rPr lang="pt-BR" dirty="0" smtClean="0">
-                <a:solidFill>
-                  <a:srgbClr val="FFFF00"/>
-                </a:solidFill>
-              </a:rPr>
-              <a:t>Enzo </a:t>
-            </a:r>
-            <a:r>
-              <a:rPr lang="pt-BR" dirty="0" err="1" smtClean="0">
-                <a:solidFill>
-                  <a:srgbClr val="FFFF00"/>
-                </a:solidFill>
-              </a:rPr>
-              <a:t>Fabrizio</a:t>
-            </a:r>
-            <a:endParaRPr lang="pt-BR" dirty="0">
-              <a:solidFill>
-                <a:srgbClr val="FFFF00"/>
-              </a:solidFill>
-            </a:endParaRPr>
-          </a:p>
-        </p:txBody>
-      </p:sp>
     </p:spTree>
-    <p:extLst>
-      <p:ext uri="{BB962C8B-B14F-4D97-AF65-F5344CB8AC3E}">
-        <p14:creationId xmlns:p14="http://schemas.microsoft.com/office/powerpoint/2010/main" val="3456216002"/>
-      </p:ext>
-    </p:extLst>
   </p:cSld>
   <p:clrMapOvr>
     <a:masterClrMapping/>
@@ -6559,7 +6642,10 @@
       </a:bgFillStyleLst>
     </a:fmtScheme>
   </a:themeElements>
-  <a:objectDefaults/>
-  <a:extraClrSchemeLst/>
+  <a:extLst>
+    <a:ext uri="{05A4C25C-085E-4340-85A3-A5531E510DB2}">
+      <thm15:themeFamily xmlns:thm15="http://schemas.microsoft.com/office/thememl/2012/main" name="Office Theme" id="{62F939B6-93AF-4DB8-9C6B-D6C7DFDC589F}" vid="{4A3C46E8-61CC-4603-A589-7422A47A8E4A}"/>
+    </a:ext>
+  </a:extLst>
 </a:theme>
 </file>
--- a/Apresentação BRANDS.pptx
+++ b/Apresentação BRANDS.pptx
@@ -5,15 +5,15 @@
     <p:sldMasterId id="2147483648" r:id="rId1"/>
   </p:sldMasterIdLst>
   <p:sldIdLst>
-    <p:sldId id="256" r:id="rId3"/>
-    <p:sldId id="265" r:id="rId4"/>
-    <p:sldId id="257" r:id="rId5"/>
-    <p:sldId id="258" r:id="rId6"/>
-    <p:sldId id="259" r:id="rId7"/>
-    <p:sldId id="260" r:id="rId8"/>
-    <p:sldId id="261" r:id="rId9"/>
-    <p:sldId id="263" r:id="rId10"/>
-    <p:sldId id="264" r:id="rId11"/>
+    <p:sldId id="256" r:id="rId2"/>
+    <p:sldId id="265" r:id="rId3"/>
+    <p:sldId id="257" r:id="rId4"/>
+    <p:sldId id="258" r:id="rId5"/>
+    <p:sldId id="259" r:id="rId6"/>
+    <p:sldId id="260" r:id="rId7"/>
+    <p:sldId id="261" r:id="rId8"/>
+    <p:sldId id="263" r:id="rId9"/>
+    <p:sldId id="264" r:id="rId10"/>
   </p:sldIdLst>
   <p:sldSz cx="9144000" cy="6858000" type="screen4x3"/>
   <p:notesSz cx="6858000" cy="9144000"/>
@@ -112,6 +112,22 @@
       </a:defRPr>
     </a:lvl9pPr>
   </p:defaultTextStyle>
+  <p:extLst>
+    <p:ext uri="{EFAFB233-063F-42B5-8137-9DF3F51BA10A}">
+      <p15:sldGuideLst xmlns:p15="http://schemas.microsoft.com/office/powerpoint/2012/main">
+        <p15:guide id="1" orient="horz" pos="2150">
+          <p15:clr>
+            <a:srgbClr val="A4A3A4"/>
+          </p15:clr>
+        </p15:guide>
+        <p15:guide id="2" pos="2866">
+          <p15:clr>
+            <a:srgbClr val="A4A3A4"/>
+          </p15:clr>
+        </p15:guide>
+      </p15:sldGuideLst>
+    </p:ext>
+  </p:extLst>
 </p:presentation>
 </file>
 
@@ -296,6 +312,7 @@
           <a:p>
             <a:fld id="{95BBD40D-64F4-43C2-9DCA-3F560C3E93DC}" type="datetimeFigureOut">
               <a:rPr lang="pt-BR" smtClean="0"/>
+              <a:t>02/12/2021</a:t>
             </a:fld>
             <a:endParaRPr lang="pt-BR"/>
           </a:p>
@@ -337,6 +354,7 @@
           <a:p>
             <a:fld id="{A7A12A9B-DC6B-4222-9378-81E1C4CADAC0}" type="slidenum">
               <a:rPr lang="pt-BR" smtClean="0"/>
+              <a:t>‹nº›</a:t>
             </a:fld>
             <a:endParaRPr lang="pt-BR"/>
           </a:p>
@@ -410,7 +428,6 @@
               <a:rPr lang="pt-BR" smtClean="0"/>
               <a:t>Clique para editar o texto mestre</a:t>
             </a:r>
-            <a:endParaRPr lang="pt-BR" smtClean="0"/>
           </a:p>
           <a:p>
             <a:pPr lvl="1"/>
@@ -418,7 +435,6 @@
               <a:rPr lang="pt-BR" smtClean="0"/>
               <a:t>Segundo nível</a:t>
             </a:r>
-            <a:endParaRPr lang="pt-BR" smtClean="0"/>
           </a:p>
           <a:p>
             <a:pPr lvl="2"/>
@@ -426,7 +442,6 @@
               <a:rPr lang="pt-BR" smtClean="0"/>
               <a:t>Terceiro nível</a:t>
             </a:r>
-            <a:endParaRPr lang="pt-BR" smtClean="0"/>
           </a:p>
           <a:p>
             <a:pPr lvl="3"/>
@@ -434,7 +449,6 @@
               <a:rPr lang="pt-BR" smtClean="0"/>
               <a:t>Quarto nível</a:t>
             </a:r>
-            <a:endParaRPr lang="pt-BR" smtClean="0"/>
           </a:p>
           <a:p>
             <a:pPr lvl="4"/>
@@ -463,6 +477,7 @@
           <a:p>
             <a:fld id="{95BBD40D-64F4-43C2-9DCA-3F560C3E93DC}" type="datetimeFigureOut">
               <a:rPr lang="pt-BR" smtClean="0"/>
+              <a:t>02/12/2021</a:t>
             </a:fld>
             <a:endParaRPr lang="pt-BR"/>
           </a:p>
@@ -504,6 +519,7 @@
           <a:p>
             <a:fld id="{A7A12A9B-DC6B-4222-9378-81E1C4CADAC0}" type="slidenum">
               <a:rPr lang="pt-BR" smtClean="0"/>
+              <a:t>‹nº›</a:t>
             </a:fld>
             <a:endParaRPr lang="pt-BR"/>
           </a:p>
@@ -587,7 +603,6 @@
               <a:rPr lang="pt-BR" smtClean="0"/>
               <a:t>Clique para editar o texto mestre</a:t>
             </a:r>
-            <a:endParaRPr lang="pt-BR" smtClean="0"/>
           </a:p>
           <a:p>
             <a:pPr lvl="1"/>
@@ -595,7 +610,6 @@
               <a:rPr lang="pt-BR" smtClean="0"/>
               <a:t>Segundo nível</a:t>
             </a:r>
-            <a:endParaRPr lang="pt-BR" smtClean="0"/>
           </a:p>
           <a:p>
             <a:pPr lvl="2"/>
@@ -603,7 +617,6 @@
               <a:rPr lang="pt-BR" smtClean="0"/>
               <a:t>Terceiro nível</a:t>
             </a:r>
-            <a:endParaRPr lang="pt-BR" smtClean="0"/>
           </a:p>
           <a:p>
             <a:pPr lvl="3"/>
@@ -611,7 +624,6 @@
               <a:rPr lang="pt-BR" smtClean="0"/>
               <a:t>Quarto nível</a:t>
             </a:r>
-            <a:endParaRPr lang="pt-BR" smtClean="0"/>
           </a:p>
           <a:p>
             <a:pPr lvl="4"/>
@@ -640,6 +652,7 @@
           <a:p>
             <a:fld id="{95BBD40D-64F4-43C2-9DCA-3F560C3E93DC}" type="datetimeFigureOut">
               <a:rPr lang="pt-BR" smtClean="0"/>
+              <a:t>02/12/2021</a:t>
             </a:fld>
             <a:endParaRPr lang="pt-BR"/>
           </a:p>
@@ -681,6 +694,7 @@
           <a:p>
             <a:fld id="{A7A12A9B-DC6B-4222-9378-81E1C4CADAC0}" type="slidenum">
               <a:rPr lang="pt-BR" smtClean="0"/>
+              <a:t>‹nº›</a:t>
             </a:fld>
             <a:endParaRPr lang="pt-BR"/>
           </a:p>
@@ -754,7 +768,6 @@
               <a:rPr lang="pt-BR" smtClean="0"/>
               <a:t>Clique para editar o texto mestre</a:t>
             </a:r>
-            <a:endParaRPr lang="pt-BR" smtClean="0"/>
           </a:p>
           <a:p>
             <a:pPr lvl="1"/>
@@ -762,7 +775,6 @@
               <a:rPr lang="pt-BR" smtClean="0"/>
               <a:t>Segundo nível</a:t>
             </a:r>
-            <a:endParaRPr lang="pt-BR" smtClean="0"/>
           </a:p>
           <a:p>
             <a:pPr lvl="2"/>
@@ -770,7 +782,6 @@
               <a:rPr lang="pt-BR" smtClean="0"/>
               <a:t>Terceiro nível</a:t>
             </a:r>
-            <a:endParaRPr lang="pt-BR" smtClean="0"/>
           </a:p>
           <a:p>
             <a:pPr lvl="3"/>
@@ -778,7 +789,6 @@
               <a:rPr lang="pt-BR" smtClean="0"/>
               <a:t>Quarto nível</a:t>
             </a:r>
-            <a:endParaRPr lang="pt-BR" smtClean="0"/>
           </a:p>
           <a:p>
             <a:pPr lvl="4"/>
@@ -807,6 +817,7 @@
           <a:p>
             <a:fld id="{95BBD40D-64F4-43C2-9DCA-3F560C3E93DC}" type="datetimeFigureOut">
               <a:rPr lang="pt-BR" smtClean="0"/>
+              <a:t>02/12/2021</a:t>
             </a:fld>
             <a:endParaRPr lang="pt-BR"/>
           </a:p>
@@ -848,6 +859,7 @@
           <a:p>
             <a:fld id="{A7A12A9B-DC6B-4222-9378-81E1C4CADAC0}" type="slidenum">
               <a:rPr lang="pt-BR" smtClean="0"/>
+              <a:t>‹nº›</a:t>
             </a:fld>
             <a:endParaRPr lang="pt-BR"/>
           </a:p>
@@ -1026,7 +1038,6 @@
               <a:rPr lang="pt-BR" smtClean="0"/>
               <a:t>Clique para editar o texto mestre</a:t>
             </a:r>
-            <a:endParaRPr lang="pt-BR" smtClean="0"/>
           </a:p>
         </p:txBody>
       </p:sp>
@@ -1047,6 +1058,7 @@
           <a:p>
             <a:fld id="{95BBD40D-64F4-43C2-9DCA-3F560C3E93DC}" type="datetimeFigureOut">
               <a:rPr lang="pt-BR" smtClean="0"/>
+              <a:t>02/12/2021</a:t>
             </a:fld>
             <a:endParaRPr lang="pt-BR"/>
           </a:p>
@@ -1088,6 +1100,7 @@
           <a:p>
             <a:fld id="{A7A12A9B-DC6B-4222-9378-81E1C4CADAC0}" type="slidenum">
               <a:rPr lang="pt-BR" smtClean="0"/>
+              <a:t>‹nº›</a:t>
             </a:fld>
             <a:endParaRPr lang="pt-BR"/>
           </a:p>
@@ -1194,7 +1207,6 @@
               <a:rPr lang="pt-BR" smtClean="0"/>
               <a:t>Clique para editar o texto mestre</a:t>
             </a:r>
-            <a:endParaRPr lang="pt-BR" smtClean="0"/>
           </a:p>
           <a:p>
             <a:pPr lvl="1"/>
@@ -1202,7 +1214,6 @@
               <a:rPr lang="pt-BR" smtClean="0"/>
               <a:t>Segundo nível</a:t>
             </a:r>
-            <a:endParaRPr lang="pt-BR" smtClean="0"/>
           </a:p>
           <a:p>
             <a:pPr lvl="2"/>
@@ -1210,7 +1221,6 @@
               <a:rPr lang="pt-BR" smtClean="0"/>
               <a:t>Terceiro nível</a:t>
             </a:r>
-            <a:endParaRPr lang="pt-BR" smtClean="0"/>
           </a:p>
           <a:p>
             <a:pPr lvl="3"/>
@@ -1218,7 +1228,6 @@
               <a:rPr lang="pt-BR" smtClean="0"/>
               <a:t>Quarto nível</a:t>
             </a:r>
-            <a:endParaRPr lang="pt-BR" smtClean="0"/>
           </a:p>
           <a:p>
             <a:pPr lvl="4"/>
@@ -1283,7 +1292,6 @@
               <a:rPr lang="pt-BR" smtClean="0"/>
               <a:t>Clique para editar o texto mestre</a:t>
             </a:r>
-            <a:endParaRPr lang="pt-BR" smtClean="0"/>
           </a:p>
           <a:p>
             <a:pPr lvl="1"/>
@@ -1291,7 +1299,6 @@
               <a:rPr lang="pt-BR" smtClean="0"/>
               <a:t>Segundo nível</a:t>
             </a:r>
-            <a:endParaRPr lang="pt-BR" smtClean="0"/>
           </a:p>
           <a:p>
             <a:pPr lvl="2"/>
@@ -1299,7 +1306,6 @@
               <a:rPr lang="pt-BR" smtClean="0"/>
               <a:t>Terceiro nível</a:t>
             </a:r>
-            <a:endParaRPr lang="pt-BR" smtClean="0"/>
           </a:p>
           <a:p>
             <a:pPr lvl="3"/>
@@ -1307,7 +1313,6 @@
               <a:rPr lang="pt-BR" smtClean="0"/>
               <a:t>Quarto nível</a:t>
             </a:r>
-            <a:endParaRPr lang="pt-BR" smtClean="0"/>
           </a:p>
           <a:p>
             <a:pPr lvl="4"/>
@@ -1336,6 +1341,7 @@
           <a:p>
             <a:fld id="{95BBD40D-64F4-43C2-9DCA-3F560C3E93DC}" type="datetimeFigureOut">
               <a:rPr lang="pt-BR" smtClean="0"/>
+              <a:t>02/12/2021</a:t>
             </a:fld>
             <a:endParaRPr lang="pt-BR"/>
           </a:p>
@@ -1377,6 +1383,7 @@
           <a:p>
             <a:fld id="{A7A12A9B-DC6B-4222-9378-81E1C4CADAC0}" type="slidenum">
               <a:rPr lang="pt-BR" smtClean="0"/>
+              <a:t>‹nº›</a:t>
             </a:fld>
             <a:endParaRPr lang="pt-BR"/>
           </a:p>
@@ -1496,7 +1503,6 @@
               <a:rPr lang="pt-BR" smtClean="0"/>
               <a:t>Clique para editar o texto mestre</a:t>
             </a:r>
-            <a:endParaRPr lang="pt-BR" smtClean="0"/>
           </a:p>
         </p:txBody>
       </p:sp>
@@ -1553,7 +1559,6 @@
               <a:rPr lang="pt-BR" smtClean="0"/>
               <a:t>Clique para editar o texto mestre</a:t>
             </a:r>
-            <a:endParaRPr lang="pt-BR" smtClean="0"/>
           </a:p>
           <a:p>
             <a:pPr lvl="1"/>
@@ -1561,7 +1566,6 @@
               <a:rPr lang="pt-BR" smtClean="0"/>
               <a:t>Segundo nível</a:t>
             </a:r>
-            <a:endParaRPr lang="pt-BR" smtClean="0"/>
           </a:p>
           <a:p>
             <a:pPr lvl="2"/>
@@ -1569,7 +1573,6 @@
               <a:rPr lang="pt-BR" smtClean="0"/>
               <a:t>Terceiro nível</a:t>
             </a:r>
-            <a:endParaRPr lang="pt-BR" smtClean="0"/>
           </a:p>
           <a:p>
             <a:pPr lvl="3"/>
@@ -1577,7 +1580,6 @@
               <a:rPr lang="pt-BR" smtClean="0"/>
               <a:t>Quarto nível</a:t>
             </a:r>
-            <a:endParaRPr lang="pt-BR" smtClean="0"/>
           </a:p>
           <a:p>
             <a:pPr lvl="4"/>
@@ -1651,7 +1653,6 @@
               <a:rPr lang="pt-BR" smtClean="0"/>
               <a:t>Clique para editar o texto mestre</a:t>
             </a:r>
-            <a:endParaRPr lang="pt-BR" smtClean="0"/>
           </a:p>
         </p:txBody>
       </p:sp>
@@ -1708,7 +1709,6 @@
               <a:rPr lang="pt-BR" smtClean="0"/>
               <a:t>Clique para editar o texto mestre</a:t>
             </a:r>
-            <a:endParaRPr lang="pt-BR" smtClean="0"/>
           </a:p>
           <a:p>
             <a:pPr lvl="1"/>
@@ -1716,7 +1716,6 @@
               <a:rPr lang="pt-BR" smtClean="0"/>
               <a:t>Segundo nível</a:t>
             </a:r>
-            <a:endParaRPr lang="pt-BR" smtClean="0"/>
           </a:p>
           <a:p>
             <a:pPr lvl="2"/>
@@ -1724,7 +1723,6 @@
               <a:rPr lang="pt-BR" smtClean="0"/>
               <a:t>Terceiro nível</a:t>
             </a:r>
-            <a:endParaRPr lang="pt-BR" smtClean="0"/>
           </a:p>
           <a:p>
             <a:pPr lvl="3"/>
@@ -1732,7 +1730,6 @@
               <a:rPr lang="pt-BR" smtClean="0"/>
               <a:t>Quarto nível</a:t>
             </a:r>
-            <a:endParaRPr lang="pt-BR" smtClean="0"/>
           </a:p>
           <a:p>
             <a:pPr lvl="4"/>
@@ -1761,6 +1758,7 @@
           <a:p>
             <a:fld id="{95BBD40D-64F4-43C2-9DCA-3F560C3E93DC}" type="datetimeFigureOut">
               <a:rPr lang="pt-BR" smtClean="0"/>
+              <a:t>02/12/2021</a:t>
             </a:fld>
             <a:endParaRPr lang="pt-BR"/>
           </a:p>
@@ -1802,6 +1800,7 @@
           <a:p>
             <a:fld id="{A7A12A9B-DC6B-4222-9378-81E1C4CADAC0}" type="slidenum">
               <a:rPr lang="pt-BR" smtClean="0"/>
+              <a:t>‹nº›</a:t>
             </a:fld>
             <a:endParaRPr lang="pt-BR"/>
           </a:p>
@@ -1872,6 +1871,7 @@
           <a:p>
             <a:fld id="{95BBD40D-64F4-43C2-9DCA-3F560C3E93DC}" type="datetimeFigureOut">
               <a:rPr lang="pt-BR" smtClean="0"/>
+              <a:t>02/12/2021</a:t>
             </a:fld>
             <a:endParaRPr lang="pt-BR"/>
           </a:p>
@@ -1913,6 +1913,7 @@
           <a:p>
             <a:fld id="{A7A12A9B-DC6B-4222-9378-81E1C4CADAC0}" type="slidenum">
               <a:rPr lang="pt-BR" smtClean="0"/>
+              <a:t>‹nº›</a:t>
             </a:fld>
             <a:endParaRPr lang="pt-BR"/>
           </a:p>
@@ -1960,6 +1961,7 @@
           <a:p>
             <a:fld id="{95BBD40D-64F4-43C2-9DCA-3F560C3E93DC}" type="datetimeFigureOut">
               <a:rPr lang="pt-BR" smtClean="0"/>
+              <a:t>02/12/2021</a:t>
             </a:fld>
             <a:endParaRPr lang="pt-BR"/>
           </a:p>
@@ -2001,6 +2003,7 @@
           <a:p>
             <a:fld id="{A7A12A9B-DC6B-4222-9378-81E1C4CADAC0}" type="slidenum">
               <a:rPr lang="pt-BR" smtClean="0"/>
+              <a:t>‹nº›</a:t>
             </a:fld>
             <a:endParaRPr lang="pt-BR"/>
           </a:p>
@@ -2116,7 +2119,6 @@
               <a:rPr lang="pt-BR" smtClean="0"/>
               <a:t>Clique para editar o texto mestre</a:t>
             </a:r>
-            <a:endParaRPr lang="pt-BR" smtClean="0"/>
           </a:p>
           <a:p>
             <a:pPr lvl="1"/>
@@ -2124,7 +2126,6 @@
               <a:rPr lang="pt-BR" smtClean="0"/>
               <a:t>Segundo nível</a:t>
             </a:r>
-            <a:endParaRPr lang="pt-BR" smtClean="0"/>
           </a:p>
           <a:p>
             <a:pPr lvl="2"/>
@@ -2132,7 +2133,6 @@
               <a:rPr lang="pt-BR" smtClean="0"/>
               <a:t>Terceiro nível</a:t>
             </a:r>
-            <a:endParaRPr lang="pt-BR" smtClean="0"/>
           </a:p>
           <a:p>
             <a:pPr lvl="3"/>
@@ -2140,7 +2140,6 @@
               <a:rPr lang="pt-BR" smtClean="0"/>
               <a:t>Quarto nível</a:t>
             </a:r>
-            <a:endParaRPr lang="pt-BR" smtClean="0"/>
           </a:p>
           <a:p>
             <a:pPr lvl="4"/>
@@ -2214,7 +2213,6 @@
               <a:rPr lang="pt-BR" smtClean="0"/>
               <a:t>Clique para editar o texto mestre</a:t>
             </a:r>
-            <a:endParaRPr lang="pt-BR" smtClean="0"/>
           </a:p>
         </p:txBody>
       </p:sp>
@@ -2235,6 +2233,7 @@
           <a:p>
             <a:fld id="{95BBD40D-64F4-43C2-9DCA-3F560C3E93DC}" type="datetimeFigureOut">
               <a:rPr lang="pt-BR" smtClean="0"/>
+              <a:t>02/12/2021</a:t>
             </a:fld>
             <a:endParaRPr lang="pt-BR"/>
           </a:p>
@@ -2276,6 +2275,7 @@
           <a:p>
             <a:fld id="{A7A12A9B-DC6B-4222-9378-81E1C4CADAC0}" type="slidenum">
               <a:rPr lang="pt-BR" smtClean="0"/>
+              <a:t>‹nº›</a:t>
             </a:fld>
             <a:endParaRPr lang="pt-BR"/>
           </a:p>
@@ -2461,7 +2461,6 @@
               <a:rPr lang="pt-BR" smtClean="0"/>
               <a:t>Clique para editar o texto mestre</a:t>
             </a:r>
-            <a:endParaRPr lang="pt-BR" smtClean="0"/>
           </a:p>
         </p:txBody>
       </p:sp>
@@ -2482,6 +2481,7 @@
           <a:p>
             <a:fld id="{95BBD40D-64F4-43C2-9DCA-3F560C3E93DC}" type="datetimeFigureOut">
               <a:rPr lang="pt-BR" smtClean="0"/>
+              <a:t>02/12/2021</a:t>
             </a:fld>
             <a:endParaRPr lang="pt-BR"/>
           </a:p>
@@ -2523,6 +2523,7 @@
           <a:p>
             <a:fld id="{A7A12A9B-DC6B-4222-9378-81E1C4CADAC0}" type="slidenum">
               <a:rPr lang="pt-BR" smtClean="0"/>
+              <a:t>‹nº›</a:t>
             </a:fld>
             <a:endParaRPr lang="pt-BR"/>
           </a:p>
@@ -2624,7 +2625,6 @@
               <a:rPr lang="pt-BR" smtClean="0"/>
               <a:t>Clique para editar o texto mestre</a:t>
             </a:r>
-            <a:endParaRPr lang="pt-BR" smtClean="0"/>
           </a:p>
           <a:p>
             <a:pPr lvl="1"/>
@@ -2632,7 +2632,6 @@
               <a:rPr lang="pt-BR" smtClean="0"/>
               <a:t>Segundo nível</a:t>
             </a:r>
-            <a:endParaRPr lang="pt-BR" smtClean="0"/>
           </a:p>
           <a:p>
             <a:pPr lvl="2"/>
@@ -2640,7 +2639,6 @@
               <a:rPr lang="pt-BR" smtClean="0"/>
               <a:t>Terceiro nível</a:t>
             </a:r>
-            <a:endParaRPr lang="pt-BR" smtClean="0"/>
           </a:p>
           <a:p>
             <a:pPr lvl="3"/>
@@ -2648,7 +2646,6 @@
               <a:rPr lang="pt-BR" smtClean="0"/>
               <a:t>Quarto nível</a:t>
             </a:r>
-            <a:endParaRPr lang="pt-BR" smtClean="0"/>
           </a:p>
           <a:p>
             <a:pPr lvl="4"/>
@@ -2695,6 +2692,7 @@
           <a:p>
             <a:fld id="{95BBD40D-64F4-43C2-9DCA-3F560C3E93DC}" type="datetimeFigureOut">
               <a:rPr lang="pt-BR" smtClean="0"/>
+              <a:t>02/12/2021</a:t>
             </a:fld>
             <a:endParaRPr lang="pt-BR"/>
           </a:p>
@@ -2772,6 +2770,7 @@
           <a:p>
             <a:fld id="{A7A12A9B-DC6B-4222-9378-81E1C4CADAC0}" type="slidenum">
               <a:rPr lang="pt-BR" smtClean="0"/>
+              <a:t>‹nº›</a:t>
             </a:fld>
             <a:endParaRPr lang="pt-BR"/>
           </a:p>
@@ -3072,7 +3071,7 @@
           <p:nvPr/>
         </p:nvPicPr>
         <p:blipFill>
-          <a:blip r:embed="rId1">
+          <a:blip r:embed="rId2">
             <a:extLst>
               <a:ext uri="{28A0092B-C50C-407E-A947-70E740481C1C}">
                 <a14:useLocalDpi xmlns:a14="http://schemas.microsoft.com/office/drawing/2010/main" val="0"/>
@@ -3153,7 +3152,7 @@
           <p:nvPr/>
         </p:nvPicPr>
         <p:blipFill rotWithShape="1">
-          <a:blip r:embed="rId2">
+          <a:blip r:embed="rId3">
             <a:extLst>
               <a:ext uri="{28A0092B-C50C-407E-A947-70E740481C1C}">
                 <a14:useLocalDpi xmlns:a14="http://schemas.microsoft.com/office/drawing/2010/main" val="0"/>
@@ -3262,7 +3261,7 @@
           <p:nvPr/>
         </p:nvPicPr>
         <p:blipFill rotWithShape="1">
-          <a:blip r:embed="rId1" cstate="print">
+          <a:blip r:embed="rId2" cstate="print">
             <a:extLst>
               <a:ext uri="{28A0092B-C50C-407E-A947-70E740481C1C}">
                 <a14:useLocalDpi xmlns:a14="http://schemas.microsoft.com/office/drawing/2010/main" val="0"/>
@@ -3319,7 +3318,7 @@
           <p:nvPr/>
         </p:nvPicPr>
         <p:blipFill rotWithShape="1">
-          <a:blip r:embed="rId1">
+          <a:blip r:embed="rId2">
             <a:extLst>
               <a:ext uri="{28A0092B-C50C-407E-A947-70E740481C1C}">
                 <a14:useLocalDpi xmlns:a14="http://schemas.microsoft.com/office/drawing/2010/main" val="0"/>
@@ -3376,7 +3375,7 @@
           <p:nvPr/>
         </p:nvPicPr>
         <p:blipFill>
-          <a:blip r:embed="rId1">
+          <a:blip r:embed="rId2">
             <a:extLst>
               <a:ext uri="{28A0092B-C50C-407E-A947-70E740481C1C}">
                 <a14:useLocalDpi xmlns:a14="http://schemas.microsoft.com/office/drawing/2010/main" val="0"/>
@@ -3483,7 +3482,7 @@
           <p:nvPr/>
         </p:nvPicPr>
         <p:blipFill rotWithShape="1">
-          <a:blip r:embed="rId2" cstate="print">
+          <a:blip r:embed="rId3" cstate="print">
             <a:extLst>
               <a:ext uri="{28A0092B-C50C-407E-A947-70E740481C1C}">
                 <a14:useLocalDpi xmlns:a14="http://schemas.microsoft.com/office/drawing/2010/main" val="0"/>
@@ -3783,7 +3782,7 @@
           </p:nvPr>
         </p:nvPicPr>
         <p:blipFill rotWithShape="1">
-          <a:blip r:embed="rId1" cstate="print">
+          <a:blip r:embed="rId2" cstate="print">
             <a:extLst>
               <a:ext uri="{28A0092B-C50C-407E-A947-70E740481C1C}">
                 <a14:useLocalDpi xmlns:a14="http://schemas.microsoft.com/office/drawing/2010/main" val="0"/>
@@ -3967,11 +3966,6 @@
               </a:rPr>
               <a:t>Guilherme Duarte Brandão Simões Silva</a:t>
             </a:r>
-            <a:endParaRPr lang="pt-BR" sz="2000" dirty="0" smtClean="0">
-              <a:solidFill>
-                <a:srgbClr val="FFFF00"/>
-              </a:solidFill>
-            </a:endParaRPr>
           </a:p>
           <a:p>
             <a:pPr algn="ctr"/>
@@ -3991,11 +3985,6 @@
               </a:rPr>
               <a:t>21 anos – 22/08/2000</a:t>
             </a:r>
-            <a:endParaRPr lang="pt-BR" sz="2000" dirty="0" smtClean="0">
-              <a:solidFill>
-                <a:srgbClr val="FFFF00"/>
-              </a:solidFill>
-            </a:endParaRPr>
           </a:p>
           <a:p>
             <a:pPr algn="ctr"/>
@@ -4031,11 +4020,6 @@
               </a:rPr>
               <a:t> etc...</a:t>
             </a:r>
-            <a:endParaRPr lang="pt-BR" sz="2000" dirty="0" smtClean="0">
-              <a:solidFill>
-                <a:srgbClr val="FFFF00"/>
-              </a:solidFill>
-            </a:endParaRPr>
           </a:p>
           <a:p>
             <a:pPr algn="ctr"/>
@@ -4111,11 +4095,6 @@
               </a:rPr>
               <a:t>Prezo a honestidade, o bom humor e acima de tudo, a paixão pelas coisas que fazemos.</a:t>
             </a:r>
-            <a:endParaRPr lang="pt-PT" altLang="pt-BR" sz="2000" dirty="0">
-              <a:solidFill>
-                <a:srgbClr val="FFFF00"/>
-              </a:solidFill>
-            </a:endParaRPr>
           </a:p>
           <a:p>
             <a:pPr algn="ctr"/>
@@ -4249,66 +4228,60 @@
         <p:spPr>
           <a:xfrm>
             <a:off x="457200" y="1600200"/>
-            <a:ext cx="4402832" cy="4525963"/>
-          </a:xfrm>
-        </p:spPr>
-        <p:txBody>
-          <a:bodyPr/>
-          <a:lstStyle/>
-          <a:p>
-            <a:r>
-              <a:rPr lang="pt-PT" altLang="pt-BR" baseline="30000" dirty="0">
+            <a:ext cx="4461164" cy="4525963"/>
+          </a:xfrm>
+          <a:solidFill>
+            <a:schemeClr val="tx1">
+              <a:lumMod val="95000"/>
+              <a:lumOff val="5000"/>
+            </a:schemeClr>
+          </a:solidFill>
+        </p:spPr>
+        <p:txBody>
+          <a:bodyPr>
+            <a:noAutofit/>
+          </a:bodyPr>
+          <a:lstStyle/>
+          <a:p>
+            <a:r>
+              <a:rPr lang="pt-PT" altLang="pt-BR" sz="4000" baseline="30000" dirty="0">
                 <a:solidFill>
                   <a:srgbClr val="FFFF00"/>
                 </a:solidFill>
               </a:rPr>
               <a:t>A música esta presente em todos os momentos da minha vida.</a:t>
             </a:r>
-            <a:endParaRPr lang="pt-PT" altLang="pt-BR" baseline="30000" dirty="0">
+          </a:p>
+          <a:p>
+            <a:endParaRPr lang="pt-PT" altLang="pt-BR" sz="4000" baseline="30000" dirty="0">
               <a:solidFill>
                 <a:srgbClr val="FFFF00"/>
               </a:solidFill>
             </a:endParaRPr>
           </a:p>
           <a:p>
-            <a:endParaRPr lang="pt-PT" altLang="pt-BR" baseline="30000" dirty="0">
-              <a:solidFill>
-                <a:srgbClr val="FFFF00"/>
-              </a:solidFill>
-            </a:endParaRPr>
-          </a:p>
-          <a:p>
-            <a:r>
-              <a:rPr lang="pt-PT" altLang="pt-BR" baseline="30000" dirty="0">
+            <a:r>
+              <a:rPr lang="pt-PT" altLang="pt-BR" sz="4000" baseline="30000" dirty="0">
                 <a:solidFill>
                   <a:srgbClr val="FFFF00"/>
                 </a:solidFill>
               </a:rPr>
               <a:t>Ela tem a habilidade de fazer pessoas, que nunca se viram, que moram em países diferentes, sentirem a mesma emoção apenas ouvindo palavras e melodias.</a:t>
             </a:r>
-            <a:endParaRPr lang="pt-PT" altLang="pt-BR" baseline="30000" dirty="0">
-              <a:solidFill>
-                <a:srgbClr val="FFFF00"/>
-              </a:solidFill>
-            </a:endParaRPr>
-          </a:p>
-          <a:p>
-            <a:endParaRPr lang="pt-PT" altLang="pt-BR" baseline="30000" dirty="0">
-              <a:solidFill>
-                <a:srgbClr val="FFFF00"/>
-              </a:solidFill>
-            </a:endParaRPr>
-          </a:p>
-          <a:p>
-            <a:r>
-              <a:rPr lang="pt-PT" altLang="pt-BR" baseline="30000" dirty="0">
+          </a:p>
+          <a:p>
+            <a:pPr marL="0" indent="0">
+              <a:buNone/>
+            </a:pPr>
+            <a:r>
+              <a:rPr lang="pt-PT" altLang="pt-BR" sz="4000" baseline="30000" dirty="0" smtClean="0">
                 <a:solidFill>
                   <a:srgbClr val="FFFF00"/>
                 </a:solidFill>
               </a:rPr>
-              <a:t>Ela </a:t>
-            </a:r>
-            <a:endParaRPr lang="pt-PT" altLang="pt-BR" baseline="30000" dirty="0">
+              <a:t> </a:t>
+            </a:r>
+            <a:endParaRPr lang="pt-PT" altLang="pt-BR" sz="4000" baseline="30000" dirty="0">
               <a:solidFill>
                 <a:srgbClr val="FFFF00"/>
               </a:solidFill>
@@ -4327,7 +4300,7 @@
           </p:nvPr>
         </p:nvPicPr>
         <p:blipFill>
-          <a:blip r:embed="rId1">
+          <a:blip r:embed="rId2">
             <a:extLst>
               <a:ext uri="{28A0092B-C50C-407E-A947-70E740481C1C}">
                 <a14:useLocalDpi xmlns:a14="http://schemas.microsoft.com/office/drawing/2010/main" val="0"/>
@@ -4387,7 +4360,17 @@
             <p:ph type="title"/>
           </p:nvPr>
         </p:nvSpPr>
-        <p:spPr/>
+        <p:spPr>
+          <a:xfrm>
+            <a:off x="457200" y="273050"/>
+            <a:ext cx="3008313" cy="1900626"/>
+          </a:xfrm>
+          <a:ln>
+            <a:solidFill>
+              <a:srgbClr val="FFFF00"/>
+            </a:solidFill>
+          </a:ln>
+        </p:spPr>
         <p:txBody>
           <a:bodyPr>
             <a:normAutofit/>
@@ -4395,37 +4378,67 @@
           <a:lstStyle/>
           <a:p>
             <a:r>
-              <a:rPr lang="pt-PT" altLang="pt-BR" sz="2800" dirty="0" err="1" smtClean="0">
+              <a:rPr lang="pt-PT" altLang="pt-BR" sz="2800" dirty="0">
+                <a:solidFill>
+                  <a:srgbClr val="FFFF00"/>
+                </a:solidFill>
+              </a:rPr>
+              <a:t/>
+            </a:r>
+            <a:br>
+              <a:rPr lang="pt-PT" altLang="pt-BR" sz="2800" dirty="0">
+                <a:solidFill>
+                  <a:srgbClr val="FFFF00"/>
+                </a:solidFill>
+              </a:rPr>
+            </a:br>
+            <a:r>
+              <a:rPr lang="pt-PT" altLang="pt-BR" sz="2800" dirty="0" smtClean="0">
                 <a:solidFill>
                   <a:srgbClr val="FFFF00"/>
                 </a:solidFill>
               </a:rPr>
               <a:t>Desafios</a:t>
             </a:r>
+            <a:r>
+              <a:rPr lang="pt-BR" sz="2400" dirty="0" smtClean="0">
+                <a:solidFill>
+                  <a:srgbClr val="FFFF00"/>
+                </a:solidFill>
+              </a:rPr>
+              <a:t/>
+            </a:r>
             <a:br>
-              <a:rPr lang="pt-BR" sz="2400" dirty="0" err="1" smtClean="0">
+              <a:rPr lang="pt-BR" sz="2400" dirty="0" smtClean="0">
                 <a:solidFill>
                   <a:srgbClr val="FFFF00"/>
                 </a:solidFill>
               </a:rPr>
             </a:br>
             <a:r>
-              <a:rPr lang="pt-BR" sz="2800" dirty="0" err="1" smtClean="0">
+              <a:rPr lang="pt-BR" sz="2800" dirty="0" smtClean="0">
                 <a:solidFill>
                   <a:srgbClr val="FFFF00"/>
                 </a:solidFill>
               </a:rPr>
-              <a:t>Socio</a:t>
-            </a:r>
-            <a:r>
-              <a:rPr lang="pt-PT" altLang="pt-BR" sz="2800" dirty="0" err="1" smtClean="0">
+              <a:t>Sócio</a:t>
+            </a:r>
+            <a:r>
+              <a:rPr lang="pt-PT" altLang="pt-BR" sz="2800" dirty="0" smtClean="0">
                 <a:solidFill>
                   <a:srgbClr val="FFFF00"/>
                 </a:solidFill>
               </a:rPr>
               <a:t>emocionais</a:t>
             </a:r>
-            <a:endParaRPr lang="pt-PT" altLang="pt-BR" sz="2400" dirty="0" err="1" smtClean="0">
+            <a:br>
+              <a:rPr lang="pt-PT" altLang="pt-BR" sz="2800" dirty="0" smtClean="0">
+                <a:solidFill>
+                  <a:srgbClr val="FFFF00"/>
+                </a:solidFill>
+              </a:rPr>
+            </a:br>
+            <a:endParaRPr lang="pt-PT" altLang="pt-BR" sz="2400" dirty="0" smtClean="0">
               <a:solidFill>
                 <a:srgbClr val="FFFF00"/>
               </a:solidFill>
@@ -4448,6 +4461,12 @@
             <a:off x="457200" y="2737485"/>
             <a:ext cx="8454390" cy="3388995"/>
           </a:xfrm>
+          <a:solidFill>
+            <a:schemeClr val="tx1">
+              <a:lumMod val="95000"/>
+              <a:lumOff val="5000"/>
+            </a:schemeClr>
+          </a:solidFill>
         </p:spPr>
         <p:txBody>
           <a:bodyPr>
@@ -4464,11 +4483,6 @@
               </a:rPr>
               <a:t>Em que momento da minha história surgiu meu interesse por música?</a:t>
             </a:r>
-            <a:endParaRPr lang="pt-PT" altLang="pt-BR" sz="3200" b="1" dirty="0">
-              <a:solidFill>
-                <a:srgbClr val="FFFF00"/>
-              </a:solidFill>
-            </a:endParaRPr>
           </a:p>
           <a:p>
             <a:pPr algn="ctr"/>
@@ -4488,11 +4502,6 @@
               </a:rPr>
               <a:t>Qual foi a maior dificuldade?</a:t>
             </a:r>
-            <a:endParaRPr lang="pt-PT" altLang="pt-BR" sz="3200" b="1" dirty="0">
-              <a:solidFill>
-                <a:srgbClr val="FFFF00"/>
-              </a:solidFill>
-            </a:endParaRPr>
           </a:p>
           <a:p>
             <a:pPr algn="ctr"/>
@@ -4512,11 +4521,6 @@
               </a:rPr>
               <a:t>Qual foi minha maior superação?</a:t>
             </a:r>
-            <a:endParaRPr lang="pt-PT" altLang="pt-BR" sz="3200" b="1" dirty="0">
-              <a:solidFill>
-                <a:srgbClr val="FFFF00"/>
-              </a:solidFill>
-            </a:endParaRPr>
           </a:p>
           <a:p>
             <a:pPr algn="ctr"/>
@@ -4593,7 +4597,7 @@
           </p:nvPr>
         </p:nvPicPr>
         <p:blipFill>
-          <a:blip r:embed="rId1"/>
+          <a:blip r:embed="rId2"/>
           <a:stretch>
             <a:fillRect/>
           </a:stretch>
@@ -4723,30 +4727,6 @@
           <p:nvPr/>
         </p:nvPicPr>
         <p:blipFill>
-          <a:blip r:embed="rId1"/>
-          <a:stretch>
-            <a:fillRect/>
-          </a:stretch>
-        </p:blipFill>
-        <p:spPr>
-          <a:xfrm>
-            <a:off x="942340" y="1549400"/>
-            <a:ext cx="3202940" cy="1600200"/>
-          </a:xfrm>
-          <a:prstGeom prst="rect">
-            <a:avLst/>
-          </a:prstGeom>
-        </p:spPr>
-      </p:pic>
-      <p:pic>
-        <p:nvPicPr>
-          <p:cNvPr id="5" name="Picture 4"/>
-          <p:cNvPicPr>
-            <a:picLocks noChangeAspect="1"/>
-          </p:cNvPicPr>
-          <p:nvPr/>
-        </p:nvPicPr>
-        <p:blipFill>
           <a:blip r:embed="rId2"/>
           <a:stretch>
             <a:fillRect/>
@@ -4754,8 +4734,8 @@
         </p:blipFill>
         <p:spPr>
           <a:xfrm>
-            <a:off x="5541010" y="4618990"/>
-            <a:ext cx="2733675" cy="1666875"/>
+            <a:off x="942340" y="1549400"/>
+            <a:ext cx="3202940" cy="1600200"/>
           </a:xfrm>
           <a:prstGeom prst="rect">
             <a:avLst/>
@@ -4764,7 +4744,7 @@
       </p:pic>
       <p:pic>
         <p:nvPicPr>
-          <p:cNvPr id="7" name="Picture 6"/>
+          <p:cNvPr id="5" name="Picture 4"/>
           <p:cNvPicPr>
             <a:picLocks noChangeAspect="1"/>
           </p:cNvPicPr>
@@ -4778,6 +4758,30 @@
         </p:blipFill>
         <p:spPr>
           <a:xfrm>
+            <a:off x="5541010" y="4618990"/>
+            <a:ext cx="2733675" cy="1666875"/>
+          </a:xfrm>
+          <a:prstGeom prst="rect">
+            <a:avLst/>
+          </a:prstGeom>
+        </p:spPr>
+      </p:pic>
+      <p:pic>
+        <p:nvPicPr>
+          <p:cNvPr id="7" name="Picture 6"/>
+          <p:cNvPicPr>
+            <a:picLocks noChangeAspect="1"/>
+          </p:cNvPicPr>
+          <p:nvPr/>
+        </p:nvPicPr>
+        <p:blipFill>
+          <a:blip r:embed="rId4"/>
+          <a:stretch>
+            <a:fillRect/>
+          </a:stretch>
+        </p:blipFill>
+        <p:spPr>
+          <a:xfrm>
             <a:off x="5398770" y="1504315"/>
             <a:ext cx="3018790" cy="1690370"/>
           </a:xfrm>
@@ -4795,7 +4799,7 @@
           <p:nvPr/>
         </p:nvPicPr>
         <p:blipFill>
-          <a:blip r:embed="rId4"/>
+          <a:blip r:embed="rId5"/>
           <a:stretch>
             <a:fillRect/>
           </a:stretch>
@@ -4897,7 +4901,7 @@
           <p:nvPr/>
         </p:nvPicPr>
         <p:blipFill>
-          <a:blip r:embed="rId1">
+          <a:blip r:embed="rId2">
             <a:extLst>
               <a:ext uri="{28A0092B-C50C-407E-A947-70E740481C1C}">
                 <a14:useLocalDpi xmlns:a14="http://schemas.microsoft.com/office/drawing/2010/main" val="0"/>
@@ -4961,7 +4965,7 @@
           <p:nvPr/>
         </p:nvPicPr>
         <p:blipFill rotWithShape="1">
-          <a:blip r:embed="rId2">
+          <a:blip r:embed="rId3">
             <a:extLst>
               <a:ext uri="{28A0092B-C50C-407E-A947-70E740481C1C}">
                 <a14:useLocalDpi xmlns:a14="http://schemas.microsoft.com/office/drawing/2010/main" val="0"/>
@@ -5025,7 +5029,7 @@
           <p:nvPr/>
         </p:nvPicPr>
         <p:blipFill>
-          <a:blip r:embed="rId3">
+          <a:blip r:embed="rId4">
             <a:extLst>
               <a:ext uri="{28A0092B-C50C-407E-A947-70E740481C1C}">
                 <a14:useLocalDpi xmlns:a14="http://schemas.microsoft.com/office/drawing/2010/main" val="0"/>
@@ -5282,7 +5286,7 @@
           <p:nvPr/>
         </p:nvPicPr>
         <p:blipFill>
-          <a:blip r:embed="rId4">
+          <a:blip r:embed="rId5">
             <a:extLst>
               <a:ext uri="{28A0092B-C50C-407E-A947-70E740481C1C}">
                 <a14:useLocalDpi xmlns:a14="http://schemas.microsoft.com/office/drawing/2010/main" val="0"/>
@@ -5723,6 +5727,12 @@
             <a:off x="457200" y="1417638"/>
             <a:ext cx="4038600" cy="2443410"/>
           </a:xfrm>
+          <a:solidFill>
+            <a:schemeClr val="tx1">
+              <a:lumMod val="95000"/>
+              <a:lumOff val="5000"/>
+            </a:schemeClr>
+          </a:solidFill>
           <a:ln>
             <a:solidFill>
               <a:srgbClr val="FFFF00"/>
@@ -5764,6 +5774,12 @@
             <a:off x="4648200" y="1417638"/>
             <a:ext cx="4038600" cy="2443410"/>
           </a:xfrm>
+          <a:solidFill>
+            <a:schemeClr val="tx1">
+              <a:lumMod val="95000"/>
+              <a:lumOff val="5000"/>
+            </a:schemeClr>
+          </a:solidFill>
           <a:ln>
             <a:solidFill>
               <a:srgbClr val="FFFF00"/>
@@ -5850,6 +5866,12 @@
           <a:prstGeom prst="rect">
             <a:avLst/>
           </a:prstGeom>
+          <a:solidFill>
+            <a:schemeClr val="tx1">
+              <a:lumMod val="95000"/>
+              <a:lumOff val="5000"/>
+            </a:schemeClr>
+          </a:solidFill>
           <a:ln>
             <a:solidFill>
               <a:srgbClr val="FFFF00"/>
@@ -6028,6 +6050,12 @@
           <a:prstGeom prst="rect">
             <a:avLst/>
           </a:prstGeom>
+          <a:solidFill>
+            <a:schemeClr val="tx1">
+              <a:lumMod val="95000"/>
+              <a:lumOff val="5000"/>
+            </a:schemeClr>
+          </a:solidFill>
           <a:ln>
             <a:solidFill>
               <a:srgbClr val="FFFF00"/>
@@ -6193,6 +6221,158 @@
               <a:t>Fabrizio</a:t>
             </a:r>
             <a:endParaRPr lang="pt-BR" dirty="0">
+              <a:solidFill>
+                <a:srgbClr val="FFFF00"/>
+              </a:solidFill>
+            </a:endParaRPr>
+          </a:p>
+        </p:txBody>
+      </p:sp>
+      <p:sp>
+        <p:nvSpPr>
+          <p:cNvPr id="8" name="CaixaDeTexto 7"/>
+          <p:cNvSpPr txBox="1"/>
+          <p:nvPr/>
+        </p:nvSpPr>
+        <p:spPr>
+          <a:xfrm>
+            <a:off x="748266" y="2045166"/>
+            <a:ext cx="3456468" cy="1815882"/>
+          </a:xfrm>
+          <a:prstGeom prst="rect">
+            <a:avLst/>
+          </a:prstGeom>
+          <a:noFill/>
+        </p:spPr>
+        <p:txBody>
+          <a:bodyPr wrap="square" rtlCol="0">
+            <a:spAutoFit/>
+          </a:bodyPr>
+          <a:lstStyle/>
+          <a:p>
+            <a:r>
+              <a:rPr lang="pt-BR" sz="2800" dirty="0" smtClean="0">
+                <a:solidFill>
+                  <a:srgbClr val="FFFF00"/>
+                </a:solidFill>
+              </a:rPr>
+              <a:t>Minha mãe por me motivar todo dia e me faz crer em mim mesmo</a:t>
+            </a:r>
+            <a:endParaRPr lang="pt-BR" sz="2800" dirty="0">
+              <a:solidFill>
+                <a:srgbClr val="FFFF00"/>
+              </a:solidFill>
+            </a:endParaRPr>
+          </a:p>
+        </p:txBody>
+      </p:sp>
+      <p:sp>
+        <p:nvSpPr>
+          <p:cNvPr id="9" name="CaixaDeTexto 8"/>
+          <p:cNvSpPr txBox="1"/>
+          <p:nvPr/>
+        </p:nvSpPr>
+        <p:spPr>
+          <a:xfrm>
+            <a:off x="4831044" y="2009638"/>
+            <a:ext cx="3773404" cy="1815882"/>
+          </a:xfrm>
+          <a:prstGeom prst="rect">
+            <a:avLst/>
+          </a:prstGeom>
+          <a:noFill/>
+        </p:spPr>
+        <p:txBody>
+          <a:bodyPr wrap="square" rtlCol="0">
+            <a:spAutoFit/>
+          </a:bodyPr>
+          <a:lstStyle/>
+          <a:p>
+            <a:r>
+              <a:rPr lang="pt-BR" sz="2800" dirty="0" smtClean="0">
+                <a:solidFill>
+                  <a:srgbClr val="FFFF00"/>
+                </a:solidFill>
+              </a:rPr>
+              <a:t>Meu tio por ter me apresentado ao projeto e me ensinar muitas coisas</a:t>
+            </a:r>
+            <a:endParaRPr lang="pt-BR" sz="2800" dirty="0">
+              <a:solidFill>
+                <a:srgbClr val="FFFF00"/>
+              </a:solidFill>
+            </a:endParaRPr>
+          </a:p>
+        </p:txBody>
+      </p:sp>
+      <p:sp>
+        <p:nvSpPr>
+          <p:cNvPr id="10" name="CaixaDeTexto 9"/>
+          <p:cNvSpPr txBox="1"/>
+          <p:nvPr/>
+        </p:nvSpPr>
+        <p:spPr>
+          <a:xfrm>
+            <a:off x="540576" y="4438856"/>
+            <a:ext cx="3990230" cy="2092881"/>
+          </a:xfrm>
+          <a:prstGeom prst="rect">
+            <a:avLst/>
+          </a:prstGeom>
+          <a:noFill/>
+        </p:spPr>
+        <p:txBody>
+          <a:bodyPr wrap="square" rtlCol="0">
+            <a:spAutoFit/>
+          </a:bodyPr>
+          <a:lstStyle/>
+          <a:p>
+            <a:r>
+              <a:rPr lang="pt-BR" sz="2600" dirty="0" smtClean="0">
+                <a:solidFill>
+                  <a:srgbClr val="FFFF00"/>
+                </a:solidFill>
+              </a:rPr>
+              <a:t>Ao Cris por ele, assim como eu, me mostrar que podemos errar durante o processo, e que podemos crescer com isso</a:t>
+            </a:r>
+            <a:endParaRPr lang="pt-BR" sz="2600" dirty="0">
+              <a:solidFill>
+                <a:srgbClr val="FFFF00"/>
+              </a:solidFill>
+            </a:endParaRPr>
+          </a:p>
+        </p:txBody>
+      </p:sp>
+      <p:sp>
+        <p:nvSpPr>
+          <p:cNvPr id="11" name="CaixaDeTexto 10"/>
+          <p:cNvSpPr txBox="1"/>
+          <p:nvPr/>
+        </p:nvSpPr>
+        <p:spPr>
+          <a:xfrm>
+            <a:off x="4840381" y="4417520"/>
+            <a:ext cx="3773404" cy="2092881"/>
+          </a:xfrm>
+          <a:prstGeom prst="rect">
+            <a:avLst/>
+          </a:prstGeom>
+          <a:noFill/>
+        </p:spPr>
+        <p:txBody>
+          <a:bodyPr wrap="square" rtlCol="0">
+            <a:spAutoFit/>
+          </a:bodyPr>
+          <a:lstStyle/>
+          <a:p>
+            <a:r>
+              <a:rPr lang="pt-BR" sz="2600" dirty="0" smtClean="0">
+                <a:solidFill>
+                  <a:srgbClr val="FFFF00"/>
+                </a:solidFill>
+              </a:rPr>
+              <a:t>A ele por me ajudar em vários momentos e ser um pilar de confiança para mim, assim como eu sou para ele</a:t>
+            </a:r>
+            <a:endParaRPr lang="pt-BR" sz="2600" dirty="0">
               <a:solidFill>
                 <a:srgbClr val="FFFF00"/>
               </a:solidFill>
@@ -6642,6 +6822,8 @@
       </a:bgFillStyleLst>
     </a:fmtScheme>
   </a:themeElements>
+  <a:objectDefaults/>
+  <a:extraClrSchemeLst/>
   <a:extLst>
     <a:ext uri="{05A4C25C-085E-4340-85A3-A5531E510DB2}">
       <thm15:themeFamily xmlns:thm15="http://schemas.microsoft.com/office/thememl/2012/main" name="Office Theme" id="{62F939B6-93AF-4DB8-9C6B-D6C7DFDC589F}" vid="{4A3C46E8-61CC-4603-A589-7422A47A8E4A}"/>

--- a/Apresentação BRANDS.pptx
+++ b/Apresentação BRANDS.pptx
@@ -4227,8 +4227,8 @@
         </p:nvSpPr>
         <p:spPr>
           <a:xfrm>
-            <a:off x="457200" y="1600200"/>
-            <a:ext cx="4461164" cy="4525963"/>
+            <a:off x="457200" y="1227485"/>
+            <a:ext cx="4461164" cy="5328592"/>
           </a:xfrm>
           <a:solidFill>
             <a:schemeClr val="tx1">
@@ -4243,13 +4243,28 @@
           </a:bodyPr>
           <a:lstStyle/>
           <a:p>
+            <a:endParaRPr lang="pt-PT" altLang="pt-BR" sz="4000" baseline="30000" dirty="0" smtClean="0">
+              <a:solidFill>
+                <a:srgbClr val="FFFF00"/>
+              </a:solidFill>
+            </a:endParaRPr>
+          </a:p>
+          <a:p>
+            <a:r>
+              <a:rPr lang="pt-PT" altLang="pt-BR" sz="4000" baseline="30000" dirty="0" smtClean="0">
+                <a:solidFill>
+                  <a:srgbClr val="FFFF00"/>
+                </a:solidFill>
+              </a:rPr>
+              <a:t>A </a:t>
+            </a:r>
             <a:r>
               <a:rPr lang="pt-PT" altLang="pt-BR" sz="4000" baseline="30000" dirty="0">
                 <a:solidFill>
                   <a:srgbClr val="FFFF00"/>
                 </a:solidFill>
               </a:rPr>
-              <a:t>A música esta presente em todos os momentos da minha vida.</a:t>
+              <a:t>música esta presente em todos os momentos da minha vida.</a:t>
             </a:r>
           </a:p>
           <a:p>
@@ -4266,8 +4281,26 @@
                   <a:srgbClr val="FFFF00"/>
                 </a:solidFill>
               </a:rPr>
-              <a:t>Ela tem a habilidade de fazer pessoas, que nunca se viram, que moram em países diferentes, sentirem a mesma emoção apenas ouvindo palavras e melodias.</a:t>
-            </a:r>
+              <a:t>Ela tem a habilidade de fazer pessoas, que nunca se viram, que moram em países diferentes, sentirem a mesma emoção apenas ouvindo palavras e melodias</a:t>
+            </a:r>
+            <a:r>
+              <a:rPr lang="pt-PT" altLang="pt-BR" sz="4000" baseline="30000" dirty="0" smtClean="0">
+                <a:solidFill>
+                  <a:srgbClr val="FFFF00"/>
+                </a:solidFill>
+              </a:rPr>
+              <a:t>.</a:t>
+            </a:r>
+          </a:p>
+          <a:p>
+            <a:pPr marL="0" indent="0">
+              <a:buNone/>
+            </a:pPr>
+            <a:endParaRPr lang="pt-PT" altLang="pt-BR" sz="4000" baseline="30000" dirty="0">
+              <a:solidFill>
+                <a:srgbClr val="FFFF00"/>
+              </a:solidFill>
+            </a:endParaRPr>
           </a:p>
           <a:p>
             <a:pPr marL="0" indent="0">
@@ -4299,7 +4332,7 @@
             <p:ph sz="half" idx="1"/>
           </p:nvPr>
         </p:nvPicPr>
-        <p:blipFill>
+        <p:blipFill rotWithShape="1">
           <a:blip r:embed="rId2">
             <a:extLst>
               <a:ext uri="{28A0092B-C50C-407E-A947-70E740481C1C}">
@@ -4307,14 +4340,13 @@
               </a:ext>
             </a:extLst>
           </a:blip>
-          <a:stretch>
-            <a:fillRect/>
-          </a:stretch>
+          <a:srcRect r="4993"/>
+          <a:stretch/>
         </p:blipFill>
         <p:spPr>
           <a:xfrm>
-            <a:off x="5148064" y="1628800"/>
-            <a:ext cx="3562232" cy="4525963"/>
+            <a:off x="5066456" y="1384668"/>
+            <a:ext cx="3744416" cy="5007448"/>
           </a:xfrm>
         </p:spPr>
       </p:pic>
@@ -4458,7 +4490,7 @@
         </p:nvSpPr>
         <p:spPr>
           <a:xfrm>
-            <a:off x="457200" y="2737485"/>
+            <a:off x="323253" y="2952735"/>
             <a:ext cx="8454390" cy="3388995"/>
           </a:xfrm>
           <a:solidFill>
@@ -4734,8 +4766,8 @@
         </p:blipFill>
         <p:spPr>
           <a:xfrm>
-            <a:off x="942340" y="1549400"/>
-            <a:ext cx="3202940" cy="1600200"/>
+            <a:off x="1005345" y="1604554"/>
+            <a:ext cx="3471405" cy="1734326"/>
           </a:xfrm>
           <a:prstGeom prst="rect">
             <a:avLst/>
@@ -4758,8 +4790,8 @@
         </p:blipFill>
         <p:spPr>
           <a:xfrm>
-            <a:off x="5541010" y="4618990"/>
-            <a:ext cx="2733675" cy="1666875"/>
+            <a:off x="5281488" y="4221088"/>
+            <a:ext cx="3136072" cy="1912239"/>
           </a:xfrm>
           <a:prstGeom prst="rect">
             <a:avLst/>
@@ -4782,8 +4814,8 @@
         </p:blipFill>
         <p:spPr>
           <a:xfrm>
-            <a:off x="5398770" y="1504315"/>
-            <a:ext cx="3018790" cy="1690370"/>
+            <a:off x="5137250" y="1539017"/>
+            <a:ext cx="3295474" cy="1845299"/>
           </a:xfrm>
           <a:prstGeom prst="rect">
             <a:avLst/>
@@ -4806,7 +4838,7 @@
         </p:blipFill>
         <p:spPr>
           <a:xfrm>
-            <a:off x="869315" y="4463415"/>
+            <a:off x="1005345" y="4188512"/>
             <a:ext cx="3348990" cy="1977390"/>
           </a:xfrm>
           <a:prstGeom prst="rect">
@@ -5691,7 +5723,12 @@
             <p:ph type="title"/>
           </p:nvPr>
         </p:nvSpPr>
-        <p:spPr/>
+        <p:spPr>
+          <a:xfrm>
+            <a:off x="466119" y="-14266"/>
+            <a:ext cx="8229600" cy="1143000"/>
+          </a:xfrm>
+        </p:spPr>
         <p:txBody>
           <a:bodyPr/>
           <a:lstStyle/>
@@ -5724,7 +5761,7 @@
         </p:nvSpPr>
         <p:spPr>
           <a:xfrm>
-            <a:off x="457200" y="1417638"/>
+            <a:off x="457200" y="1118918"/>
             <a:ext cx="4038600" cy="2443410"/>
           </a:xfrm>
           <a:solidFill>
@@ -5771,7 +5808,7 @@
         </p:nvSpPr>
         <p:spPr>
           <a:xfrm>
-            <a:off x="4648200" y="1417638"/>
+            <a:off x="4648200" y="1128734"/>
             <a:ext cx="4038600" cy="2443410"/>
           </a:xfrm>
           <a:solidFill>
@@ -5860,7 +5897,7 @@
         </p:nvSpPr>
         <p:spPr>
           <a:xfrm>
-            <a:off x="457200" y="4005064"/>
+            <a:off x="430917" y="3990121"/>
             <a:ext cx="4038600" cy="2520280"/>
           </a:xfrm>
           <a:prstGeom prst="rect">
@@ -6044,7 +6081,7 @@
         </p:nvSpPr>
         <p:spPr>
           <a:xfrm>
-            <a:off x="4648200" y="4005064"/>
+            <a:off x="4674284" y="3990121"/>
             <a:ext cx="4038600" cy="2520280"/>
           </a:xfrm>
           <a:prstGeom prst="rect">
@@ -6236,7 +6273,7 @@
         </p:nvSpPr>
         <p:spPr>
           <a:xfrm>
-            <a:off x="748266" y="2045166"/>
+            <a:off x="807457" y="1724906"/>
             <a:ext cx="3456468" cy="1815882"/>
           </a:xfrm>
           <a:prstGeom prst="rect">
@@ -6274,7 +6311,7 @@
         </p:nvSpPr>
         <p:spPr>
           <a:xfrm>
-            <a:off x="4831044" y="2009638"/>
+            <a:off x="4831044" y="1597243"/>
             <a:ext cx="3773404" cy="1815882"/>
           </a:xfrm>
           <a:prstGeom prst="rect">
@@ -6412,6 +6449,30 @@
           <a:chExt cx="0" cy="0"/>
         </a:xfrm>
       </p:grpSpPr>
+      <p:pic>
+        <p:nvPicPr>
+          <p:cNvPr id="8" name="Imagem 7"/>
+          <p:cNvPicPr>
+            <a:picLocks noChangeAspect="1"/>
+          </p:cNvPicPr>
+          <p:nvPr/>
+        </p:nvPicPr>
+        <p:blipFill>
+          <a:blip r:embed="rId2"/>
+          <a:stretch>
+            <a:fillRect/>
+          </a:stretch>
+        </p:blipFill>
+        <p:spPr>
+          <a:xfrm>
+            <a:off x="141071" y="3827588"/>
+            <a:ext cx="8861858" cy="2755553"/>
+          </a:xfrm>
+          <a:prstGeom prst="rect">
+            <a:avLst/>
+          </a:prstGeom>
+        </p:spPr>
+      </p:pic>
       <p:sp>
         <p:nvSpPr>
           <p:cNvPr id="2" name="Título 1"/>
@@ -6453,31 +6514,24 @@
             <p:ph sz="half" idx="1"/>
           </p:nvPr>
         </p:nvSpPr>
-        <p:spPr/>
+        <p:spPr>
+          <a:xfrm>
+            <a:off x="457200" y="1600201"/>
+            <a:ext cx="4038600" cy="2044824"/>
+          </a:xfrm>
+        </p:spPr>
         <p:txBody>
           <a:bodyPr/>
           <a:lstStyle/>
           <a:p>
-            <a:endParaRPr lang="pt-BR"/>
-          </a:p>
-        </p:txBody>
-      </p:sp>
-      <p:sp>
-        <p:nvSpPr>
-          <p:cNvPr id="4" name="Espaço Reservado para Conteúdo 3"/>
-          <p:cNvSpPr>
-            <a:spLocks noGrp="1"/>
-          </p:cNvSpPr>
-          <p:nvPr>
-            <p:ph sz="half" idx="2"/>
-          </p:nvPr>
-        </p:nvSpPr>
-        <p:spPr/>
-        <p:txBody>
-          <a:bodyPr/>
-          <a:lstStyle/>
-          <a:p>
-            <a:endParaRPr lang="pt-BR"/>
+            <a:r>
+              <a:rPr lang="pt-BR" dirty="0" smtClean="0">
+                <a:solidFill>
+                  <a:srgbClr val="FFFF00"/>
+                </a:solidFill>
+              </a:rPr>
+              <a:t>Durante o processo eu cresci muito pessoalmente e profissionalmente.</a:t>
+            </a:r>
           </a:p>
         </p:txBody>
       </p:sp>
@@ -6524,6 +6578,59 @@
           <a:p>
             <a:pPr algn="ctr"/>
             <a:endParaRPr lang="pt-BR"/>
+          </a:p>
+        </p:txBody>
+      </p:sp>
+      <p:sp>
+        <p:nvSpPr>
+          <p:cNvPr id="7" name="CaixaDeTexto 6"/>
+          <p:cNvSpPr txBox="1"/>
+          <p:nvPr/>
+        </p:nvSpPr>
+        <p:spPr>
+          <a:xfrm>
+            <a:off x="4549775" y="1628800"/>
+            <a:ext cx="4270697" cy="1815882"/>
+          </a:xfrm>
+          <a:prstGeom prst="rect">
+            <a:avLst/>
+          </a:prstGeom>
+          <a:noFill/>
+        </p:spPr>
+        <p:txBody>
+          <a:bodyPr wrap="square" rtlCol="0">
+            <a:spAutoFit/>
+          </a:bodyPr>
+          <a:lstStyle/>
+          <a:p>
+            <a:pPr marL="457200" lvl="0" indent="-457200">
+              <a:spcBef>
+                <a:spcPct val="20000"/>
+              </a:spcBef>
+              <a:buFont typeface="Arial" panose="020B0604020202020204" pitchFamily="34" charset="0"/>
+              <a:buChar char="•"/>
+            </a:pPr>
+            <a:r>
+              <a:rPr lang="pt-BR" sz="2800" dirty="0" smtClean="0">
+                <a:solidFill>
+                  <a:srgbClr val="FFFF00"/>
+                </a:solidFill>
+              </a:rPr>
+              <a:t>Adquiri </a:t>
+            </a:r>
+            <a:r>
+              <a:rPr lang="pt-BR" sz="2800" dirty="0">
+                <a:solidFill>
+                  <a:srgbClr val="FFFF00"/>
+                </a:solidFill>
+              </a:rPr>
+              <a:t>novas habilidades voltadas para organização e gestão</a:t>
+            </a:r>
+            <a:endParaRPr lang="pt-BR" sz="2800" dirty="0">
+              <a:solidFill>
+                <a:srgbClr val="FFFF00"/>
+              </a:solidFill>
+            </a:endParaRPr>
           </a:p>
         </p:txBody>
       </p:sp>
